--- a/java.pptx
+++ b/java.pptx
@@ -5,13 +5,18 @@
     <p:sldMasterId id="2147483648" r:id="rId1"/>
   </p:sldMasterIdLst>
   <p:notesMasterIdLst>
-    <p:notesMasterId r:id="rId6"/>
+    <p:notesMasterId r:id="rId11"/>
   </p:notesMasterIdLst>
   <p:sldIdLst>
     <p:sldId id="256" r:id="rId2"/>
-    <p:sldId id="257" r:id="rId3"/>
-    <p:sldId id="259" r:id="rId4"/>
-    <p:sldId id="258" r:id="rId5"/>
+    <p:sldId id="260" r:id="rId3"/>
+    <p:sldId id="261" r:id="rId4"/>
+    <p:sldId id="262" r:id="rId5"/>
+    <p:sldId id="263" r:id="rId6"/>
+    <p:sldId id="264" r:id="rId7"/>
+    <p:sldId id="265" r:id="rId8"/>
+    <p:sldId id="259" r:id="rId9"/>
+    <p:sldId id="258" r:id="rId10"/>
   </p:sldIdLst>
   <p:sldSz cx="12192000" cy="6858000"/>
   <p:notesSz cx="6858000" cy="9144000"/>
@@ -533,91 +538,7 @@
           <a:p>
             <a:fld id="{36B9CB2D-E782-4D09-AF63-093AA78C6A52}" type="slidenum">
               <a:rPr lang="en-US" smtClean="0"/>
-              <a:t>2</a:t>
-            </a:fld>
-            <a:endParaRPr lang="en-US"/>
-          </a:p>
-        </p:txBody>
-      </p:sp>
-    </p:spTree>
-    <p:extLst>
-      <p:ext uri="{BB962C8B-B14F-4D97-AF65-F5344CB8AC3E}">
-        <p14:creationId xmlns:p14="http://schemas.microsoft.com/office/powerpoint/2010/main" val="2703321582"/>
-      </p:ext>
-    </p:extLst>
-  </p:cSld>
-  <p:clrMapOvr>
-    <a:masterClrMapping/>
-  </p:clrMapOvr>
-</p:notes>
-</file>
-
-<file path=ppt/notesSlides/notesSlide2.xml><?xml version="1.0" encoding="utf-8"?>
-<p:notes xmlns:a="http://schemas.openxmlformats.org/drawingml/2006/main" xmlns:r="http://schemas.openxmlformats.org/officeDocument/2006/relationships" xmlns:p="http://schemas.openxmlformats.org/presentationml/2006/main">
-  <p:cSld>
-    <p:spTree>
-      <p:nvGrpSpPr>
-        <p:cNvPr id="1" name=""/>
-        <p:cNvGrpSpPr/>
-        <p:nvPr/>
-      </p:nvGrpSpPr>
-      <p:grpSpPr>
-        <a:xfrm>
-          <a:off x="0" y="0"/>
-          <a:ext cx="0" cy="0"/>
-          <a:chOff x="0" y="0"/>
-          <a:chExt cx="0" cy="0"/>
-        </a:xfrm>
-      </p:grpSpPr>
-      <p:sp>
-        <p:nvSpPr>
-          <p:cNvPr id="2" name="Slide Image Placeholder 1"/>
-          <p:cNvSpPr>
-            <a:spLocks noGrp="1" noRot="1" noChangeAspect="1"/>
-          </p:cNvSpPr>
-          <p:nvPr>
-            <p:ph type="sldImg"/>
-          </p:nvPr>
-        </p:nvSpPr>
-        <p:spPr/>
-      </p:sp>
-      <p:sp>
-        <p:nvSpPr>
-          <p:cNvPr id="3" name="Notes Placeholder 2"/>
-          <p:cNvSpPr>
-            <a:spLocks noGrp="1"/>
-          </p:cNvSpPr>
-          <p:nvPr>
-            <p:ph type="body" idx="1"/>
-          </p:nvPr>
-        </p:nvSpPr>
-        <p:spPr/>
-        <p:txBody>
-          <a:bodyPr/>
-          <a:lstStyle/>
-          <a:p>
-            <a:endParaRPr lang="en-US"/>
-          </a:p>
-        </p:txBody>
-      </p:sp>
-      <p:sp>
-        <p:nvSpPr>
-          <p:cNvPr id="4" name="Slide Number Placeholder 3"/>
-          <p:cNvSpPr>
-            <a:spLocks noGrp="1"/>
-          </p:cNvSpPr>
-          <p:nvPr>
-            <p:ph type="sldNum" sz="quarter" idx="10"/>
-          </p:nvPr>
-        </p:nvSpPr>
-        <p:spPr/>
-        <p:txBody>
-          <a:bodyPr/>
-          <a:lstStyle/>
-          <a:p>
-            <a:fld id="{36B9CB2D-E782-4D09-AF63-093AA78C6A52}" type="slidenum">
-              <a:rPr lang="en-US" smtClean="0"/>
-              <a:t>3</a:t>
+              <a:t>8</a:t>
             </a:fld>
             <a:endParaRPr lang="en-US"/>
           </a:p>
@@ -3733,8 +3654,8 @@
         </p:blipFill>
         <p:spPr>
           <a:xfrm>
-            <a:off x="611293" y="595314"/>
-            <a:ext cx="8166603" cy="3754489"/>
+            <a:off x="611293" y="443478"/>
+            <a:ext cx="8741051" cy="3906325"/>
           </a:xfrm>
           <a:prstGeom prst="rect">
             <a:avLst/>
@@ -4241,1578 +4162,49 @@
       </p:grpSpPr>
       <p:sp>
         <p:nvSpPr>
-          <p:cNvPr id="2" name="TextBox 1"/>
-          <p:cNvSpPr txBox="1"/>
+          <p:cNvPr id="2" name="Rectangle 1"/>
+          <p:cNvSpPr/>
           <p:nvPr/>
         </p:nvSpPr>
         <p:spPr>
           <a:xfrm>
-            <a:off x="0" y="208343"/>
-            <a:ext cx="12192000" cy="1015663"/>
+            <a:off x="2855432" y="1843798"/>
+            <a:ext cx="6899646" cy="3154710"/>
           </a:xfrm>
           <a:prstGeom prst="rect">
             <a:avLst/>
           </a:prstGeom>
-          <a:noFill/>
-        </p:spPr>
-        <p:txBody>
-          <a:bodyPr wrap="square" rtlCol="0">
+        </p:spPr>
+        <p:txBody>
+          <a:bodyPr wrap="none">
             <a:spAutoFit/>
           </a:bodyPr>
           <a:lstStyle/>
           <a:p>
-            <a:pPr algn="ctr"/>
-            <a:r>
-              <a:rPr lang="en-US" sz="6000" b="1" dirty="0" smtClean="0">
-                <a:solidFill>
-                  <a:srgbClr val="FFFF00"/>
-                </a:solidFill>
-                <a:latin typeface="Baskerville Old Face" panose="02020602080505020303" pitchFamily="18" charset="0"/>
-                <a:cs typeface="Vijaya" panose="020B0604020202020204" pitchFamily="34" charset="0"/>
-              </a:rPr>
-              <a:t>Java Introduction</a:t>
-            </a:r>
-            <a:endParaRPr lang="en-US" sz="3600" b="1" dirty="0">
-              <a:solidFill>
-                <a:srgbClr val="FFFF00"/>
-              </a:solidFill>
-              <a:latin typeface="Baskerville Old Face" panose="02020602080505020303" pitchFamily="18" charset="0"/>
-              <a:cs typeface="Vijaya" panose="020B0604020202020204" pitchFamily="34" charset="0"/>
-            </a:endParaRPr>
-          </a:p>
-        </p:txBody>
-      </p:sp>
-      <p:sp>
-        <p:nvSpPr>
-          <p:cNvPr id="12" name="TextBox 11"/>
-          <p:cNvSpPr txBox="1"/>
-          <p:nvPr/>
-        </p:nvSpPr>
-        <p:spPr>
-          <a:xfrm>
-            <a:off x="0" y="1534990"/>
-            <a:ext cx="12192000" cy="830997"/>
-          </a:xfrm>
-          <a:prstGeom prst="rect">
-            <a:avLst/>
-          </a:prstGeom>
-          <a:noFill/>
-        </p:spPr>
-        <p:txBody>
-          <a:bodyPr wrap="square" rtlCol="0">
-            <a:spAutoFit/>
-          </a:bodyPr>
-          <a:lstStyle/>
-          <a:p>
-            <a:pPr algn="ctr"/>
-            <a:r>
-              <a:rPr lang="en-US" sz="2400" dirty="0" smtClean="0">
-                <a:solidFill>
-                  <a:schemeClr val="bg1">
-                    <a:lumMod val="95000"/>
-                  </a:schemeClr>
-                </a:solidFill>
+            <a:r>
+              <a:rPr lang="en-US" sz="19900" b="1" dirty="0" smtClean="0">
                 <a:latin typeface="MV Boli" panose="02000500030200090000" pitchFamily="2" charset="0"/>
                 <a:cs typeface="MV Boli" panose="02000500030200090000" pitchFamily="2" charset="0"/>
               </a:rPr>
               <a:t>Java </a:t>
             </a:r>
-            <a:r>
-              <a:rPr lang="en-US" sz="2400" dirty="0">
-                <a:solidFill>
-                  <a:schemeClr val="bg1">
-                    <a:lumMod val="95000"/>
-                  </a:schemeClr>
-                </a:solidFill>
-                <a:latin typeface="MV Boli" panose="02000500030200090000" pitchFamily="2" charset="0"/>
-                <a:cs typeface="MV Boli" panose="02000500030200090000" pitchFamily="2" charset="0"/>
-              </a:rPr>
-              <a:t>is a </a:t>
-            </a:r>
-            <a:r>
-              <a:rPr lang="en-US" sz="2400" b="1" dirty="0">
-                <a:solidFill>
-                  <a:srgbClr val="C00000"/>
-                </a:solidFill>
-                <a:latin typeface="MV Boli" panose="02000500030200090000" pitchFamily="2" charset="0"/>
-                <a:cs typeface="MV Boli" panose="02000500030200090000" pitchFamily="2" charset="0"/>
-              </a:rPr>
-              <a:t>programming language</a:t>
-            </a:r>
-            <a:r>
-              <a:rPr lang="en-US" sz="2400" dirty="0">
-                <a:solidFill>
-                  <a:schemeClr val="bg1">
-                    <a:lumMod val="95000"/>
-                  </a:schemeClr>
-                </a:solidFill>
-                <a:latin typeface="MV Boli" panose="02000500030200090000" pitchFamily="2" charset="0"/>
-                <a:cs typeface="MV Boli" panose="02000500030200090000" pitchFamily="2" charset="0"/>
-              </a:rPr>
-              <a:t> and a </a:t>
-            </a:r>
-            <a:r>
-              <a:rPr lang="en-US" sz="2400" b="1" dirty="0" smtClean="0">
-                <a:solidFill>
-                  <a:srgbClr val="C00000"/>
-                </a:solidFill>
-                <a:latin typeface="MV Boli" panose="02000500030200090000" pitchFamily="2" charset="0"/>
-                <a:cs typeface="MV Boli" panose="02000500030200090000" pitchFamily="2" charset="0"/>
-              </a:rPr>
-              <a:t>platform</a:t>
-            </a:r>
-            <a:r>
-              <a:rPr lang="en-US" sz="2400" b="1" dirty="0" smtClean="0">
-                <a:solidFill>
-                  <a:schemeClr val="bg1">
-                    <a:lumMod val="95000"/>
-                  </a:schemeClr>
-                </a:solidFill>
-                <a:latin typeface="MV Boli" panose="02000500030200090000" pitchFamily="2" charset="0"/>
-                <a:cs typeface="MV Boli" panose="02000500030200090000" pitchFamily="2" charset="0"/>
-              </a:rPr>
-              <a:t> also</a:t>
-            </a:r>
-            <a:r>
-              <a:rPr lang="en-US" sz="2400" dirty="0" smtClean="0">
-                <a:solidFill>
-                  <a:schemeClr val="bg1">
-                    <a:lumMod val="95000"/>
-                  </a:schemeClr>
-                </a:solidFill>
-                <a:latin typeface="MV Boli" panose="02000500030200090000" pitchFamily="2" charset="0"/>
-                <a:cs typeface="MV Boli" panose="02000500030200090000" pitchFamily="2" charset="0"/>
-              </a:rPr>
-              <a:t>.</a:t>
-            </a:r>
-            <a:endParaRPr lang="en-US" sz="2400" dirty="0">
-              <a:solidFill>
-                <a:schemeClr val="bg1">
-                  <a:lumMod val="95000"/>
-                </a:schemeClr>
-              </a:solidFill>
+            <a:endParaRPr lang="en-US" sz="19900" b="1" dirty="0">
               <a:latin typeface="MV Boli" panose="02000500030200090000" pitchFamily="2" charset="0"/>
               <a:cs typeface="MV Boli" panose="02000500030200090000" pitchFamily="2" charset="0"/>
             </a:endParaRPr>
           </a:p>
-          <a:p>
-            <a:pPr algn="ctr"/>
-            <a:r>
-              <a:rPr lang="en-US" sz="2400" dirty="0" smtClean="0">
-                <a:solidFill>
-                  <a:schemeClr val="bg1">
-                    <a:lumMod val="95000"/>
-                  </a:schemeClr>
-                </a:solidFill>
-                <a:latin typeface="MV Boli" panose="02000500030200090000" pitchFamily="2" charset="0"/>
-                <a:cs typeface="MV Boli" panose="02000500030200090000" pitchFamily="2" charset="0"/>
-              </a:rPr>
-              <a:t>Java </a:t>
-            </a:r>
-            <a:r>
-              <a:rPr lang="en-US" sz="2400" dirty="0">
-                <a:solidFill>
-                  <a:schemeClr val="bg1">
-                    <a:lumMod val="95000"/>
-                  </a:schemeClr>
-                </a:solidFill>
-                <a:latin typeface="MV Boli" panose="02000500030200090000" pitchFamily="2" charset="0"/>
-                <a:cs typeface="MV Boli" panose="02000500030200090000" pitchFamily="2" charset="0"/>
-              </a:rPr>
-              <a:t>is a high level, robust, object-oriented and secure programming language.</a:t>
-            </a:r>
-          </a:p>
-        </p:txBody>
-      </p:sp>
-      <p:sp>
-        <p:nvSpPr>
-          <p:cNvPr id="5" name="Oval 4"/>
-          <p:cNvSpPr/>
-          <p:nvPr/>
-        </p:nvSpPr>
-        <p:spPr>
-          <a:xfrm>
-            <a:off x="719328" y="2828544"/>
-            <a:ext cx="1389888" cy="1438656"/>
-          </a:xfrm>
-          <a:prstGeom prst="ellipse">
-            <a:avLst/>
-          </a:prstGeom>
-        </p:spPr>
-        <p:style>
-          <a:lnRef idx="2">
-            <a:schemeClr val="accent6"/>
-          </a:lnRef>
-          <a:fillRef idx="1">
-            <a:schemeClr val="lt1"/>
-          </a:fillRef>
-          <a:effectRef idx="0">
-            <a:schemeClr val="accent6"/>
-          </a:effectRef>
-          <a:fontRef idx="minor">
-            <a:schemeClr val="dk1"/>
-          </a:fontRef>
-        </p:style>
-        <p:txBody>
-          <a:bodyPr rtlCol="0" anchor="ctr"/>
-          <a:lstStyle/>
-          <a:p>
-            <a:pPr algn="ctr"/>
-            <a:r>
-              <a:rPr lang="en-US" b="1" dirty="0" smtClean="0">
-                <a:latin typeface="MV Boli" panose="02000500030200090000" pitchFamily="2" charset="0"/>
-                <a:cs typeface="MV Boli" panose="02000500030200090000" pitchFamily="2" charset="0"/>
-              </a:rPr>
-              <a:t>Java Source Code</a:t>
-            </a:r>
-            <a:endParaRPr lang="en-US" b="1" dirty="0">
-              <a:latin typeface="MV Boli" panose="02000500030200090000" pitchFamily="2" charset="0"/>
-              <a:cs typeface="MV Boli" panose="02000500030200090000" pitchFamily="2" charset="0"/>
-            </a:endParaRPr>
-          </a:p>
-        </p:txBody>
-      </p:sp>
-      <p:sp>
-        <p:nvSpPr>
-          <p:cNvPr id="14" name="Right Arrow 13"/>
-          <p:cNvSpPr/>
-          <p:nvPr/>
-        </p:nvSpPr>
-        <p:spPr>
-          <a:xfrm>
-            <a:off x="2182368" y="3389376"/>
-            <a:ext cx="451104" cy="316992"/>
-          </a:xfrm>
-          <a:prstGeom prst="rightArrow">
-            <a:avLst/>
-          </a:prstGeom>
-        </p:spPr>
-        <p:style>
-          <a:lnRef idx="2">
-            <a:schemeClr val="accent6"/>
-          </a:lnRef>
-          <a:fillRef idx="1">
-            <a:schemeClr val="lt1"/>
-          </a:fillRef>
-          <a:effectRef idx="0">
-            <a:schemeClr val="accent6"/>
-          </a:effectRef>
-          <a:fontRef idx="minor">
-            <a:schemeClr val="dk1"/>
-          </a:fontRef>
-        </p:style>
-        <p:txBody>
-          <a:bodyPr rtlCol="0" anchor="ctr"/>
-          <a:lstStyle/>
-          <a:p>
-            <a:pPr algn="ctr"/>
-            <a:endParaRPr lang="en-US"/>
-          </a:p>
-        </p:txBody>
-      </p:sp>
-      <p:sp>
-        <p:nvSpPr>
-          <p:cNvPr id="23" name="Oval 22"/>
-          <p:cNvSpPr/>
-          <p:nvPr/>
-        </p:nvSpPr>
-        <p:spPr>
-          <a:xfrm>
-            <a:off x="2706624" y="2828544"/>
-            <a:ext cx="2036064" cy="1438656"/>
-          </a:xfrm>
-          <a:prstGeom prst="ellipse">
-            <a:avLst/>
-          </a:prstGeom>
-        </p:spPr>
-        <p:style>
-          <a:lnRef idx="0">
-            <a:schemeClr val="accent5"/>
-          </a:lnRef>
-          <a:fillRef idx="3">
-            <a:schemeClr val="accent5"/>
-          </a:fillRef>
-          <a:effectRef idx="3">
-            <a:schemeClr val="accent5"/>
-          </a:effectRef>
-          <a:fontRef idx="minor">
-            <a:schemeClr val="lt1"/>
-          </a:fontRef>
-        </p:style>
-        <p:txBody>
-          <a:bodyPr rtlCol="0" anchor="ctr"/>
-          <a:lstStyle/>
-          <a:p>
-            <a:pPr algn="ctr"/>
-            <a:r>
-              <a:rPr lang="en-US" sz="2400" b="1" dirty="0" smtClean="0">
-                <a:latin typeface="MV Boli" panose="02000500030200090000" pitchFamily="2" charset="0"/>
-                <a:cs typeface="MV Boli" panose="02000500030200090000" pitchFamily="2" charset="0"/>
-              </a:rPr>
-              <a:t>Compiler</a:t>
-            </a:r>
-            <a:endParaRPr lang="en-US" sz="2400" b="1" dirty="0">
-              <a:latin typeface="MV Boli" panose="02000500030200090000" pitchFamily="2" charset="0"/>
-              <a:cs typeface="MV Boli" panose="02000500030200090000" pitchFamily="2" charset="0"/>
-            </a:endParaRPr>
-          </a:p>
-        </p:txBody>
-      </p:sp>
-      <p:sp>
-        <p:nvSpPr>
-          <p:cNvPr id="24" name="Right Arrow 23"/>
-          <p:cNvSpPr/>
-          <p:nvPr/>
-        </p:nvSpPr>
-        <p:spPr>
-          <a:xfrm>
-            <a:off x="4815840" y="3389376"/>
-            <a:ext cx="451104" cy="316992"/>
-          </a:xfrm>
-          <a:prstGeom prst="rightArrow">
-            <a:avLst/>
-          </a:prstGeom>
-        </p:spPr>
-        <p:style>
-          <a:lnRef idx="2">
-            <a:schemeClr val="accent6"/>
-          </a:lnRef>
-          <a:fillRef idx="1">
-            <a:schemeClr val="lt1"/>
-          </a:fillRef>
-          <a:effectRef idx="0">
-            <a:schemeClr val="accent6"/>
-          </a:effectRef>
-          <a:fontRef idx="minor">
-            <a:schemeClr val="dk1"/>
-          </a:fontRef>
-        </p:style>
-        <p:txBody>
-          <a:bodyPr rtlCol="0" anchor="ctr"/>
-          <a:lstStyle/>
-          <a:p>
-            <a:pPr algn="ctr"/>
-            <a:endParaRPr lang="en-US"/>
-          </a:p>
-        </p:txBody>
-      </p:sp>
-      <p:sp>
-        <p:nvSpPr>
-          <p:cNvPr id="25" name="Oval 24"/>
-          <p:cNvSpPr/>
-          <p:nvPr/>
-        </p:nvSpPr>
-        <p:spPr>
-          <a:xfrm>
-            <a:off x="5340096" y="2828544"/>
-            <a:ext cx="1389888" cy="1438656"/>
-          </a:xfrm>
-          <a:prstGeom prst="ellipse">
-            <a:avLst/>
-          </a:prstGeom>
-        </p:spPr>
-        <p:style>
-          <a:lnRef idx="2">
-            <a:schemeClr val="accent6"/>
-          </a:lnRef>
-          <a:fillRef idx="1">
-            <a:schemeClr val="lt1"/>
-          </a:fillRef>
-          <a:effectRef idx="0">
-            <a:schemeClr val="accent6"/>
-          </a:effectRef>
-          <a:fontRef idx="minor">
-            <a:schemeClr val="dk1"/>
-          </a:fontRef>
-        </p:style>
-        <p:txBody>
-          <a:bodyPr rtlCol="0" anchor="ctr"/>
-          <a:lstStyle/>
-          <a:p>
-            <a:pPr algn="ctr"/>
-            <a:r>
-              <a:rPr lang="en-US" b="1" dirty="0" smtClean="0">
-                <a:latin typeface="MV Boli" panose="02000500030200090000" pitchFamily="2" charset="0"/>
-                <a:cs typeface="MV Boli" panose="02000500030200090000" pitchFamily="2" charset="0"/>
-              </a:rPr>
-              <a:t>Java Byte Code</a:t>
-            </a:r>
-            <a:endParaRPr lang="en-US" b="1" dirty="0">
-              <a:latin typeface="MV Boli" panose="02000500030200090000" pitchFamily="2" charset="0"/>
-              <a:cs typeface="MV Boli" panose="02000500030200090000" pitchFamily="2" charset="0"/>
-            </a:endParaRPr>
-          </a:p>
-        </p:txBody>
-      </p:sp>
-      <p:sp>
-        <p:nvSpPr>
-          <p:cNvPr id="26" name="Oval 25"/>
-          <p:cNvSpPr/>
-          <p:nvPr/>
-        </p:nvSpPr>
-        <p:spPr>
-          <a:xfrm>
-            <a:off x="7321296" y="2828544"/>
-            <a:ext cx="2036064" cy="1438656"/>
-          </a:xfrm>
-          <a:prstGeom prst="ellipse">
-            <a:avLst/>
-          </a:prstGeom>
-        </p:spPr>
-        <p:style>
-          <a:lnRef idx="0">
-            <a:schemeClr val="accent2"/>
-          </a:lnRef>
-          <a:fillRef idx="3">
-            <a:schemeClr val="accent2"/>
-          </a:fillRef>
-          <a:effectRef idx="3">
-            <a:schemeClr val="accent2"/>
-          </a:effectRef>
-          <a:fontRef idx="minor">
-            <a:schemeClr val="lt1"/>
-          </a:fontRef>
-        </p:style>
-        <p:txBody>
-          <a:bodyPr rtlCol="0" anchor="ctr"/>
-          <a:lstStyle/>
-          <a:p>
-            <a:pPr algn="ctr"/>
-            <a:r>
-              <a:rPr lang="en-US" sz="2400" b="1" dirty="0" smtClean="0">
-                <a:latin typeface="MV Boli" panose="02000500030200090000" pitchFamily="2" charset="0"/>
-                <a:cs typeface="MV Boli" panose="02000500030200090000" pitchFamily="2" charset="0"/>
-              </a:rPr>
-              <a:t>Java</a:t>
-            </a:r>
-          </a:p>
-          <a:p>
-            <a:pPr algn="ctr"/>
-            <a:r>
-              <a:rPr lang="en-US" sz="2400" b="1" dirty="0" smtClean="0">
-                <a:latin typeface="MV Boli" panose="02000500030200090000" pitchFamily="2" charset="0"/>
-                <a:cs typeface="MV Boli" panose="02000500030200090000" pitchFamily="2" charset="0"/>
-              </a:rPr>
-              <a:t>Virtual</a:t>
-            </a:r>
-          </a:p>
-          <a:p>
-            <a:pPr algn="ctr"/>
-            <a:r>
-              <a:rPr lang="en-US" sz="2400" b="1" dirty="0" smtClean="0">
-                <a:latin typeface="MV Boli" panose="02000500030200090000" pitchFamily="2" charset="0"/>
-                <a:cs typeface="MV Boli" panose="02000500030200090000" pitchFamily="2" charset="0"/>
-              </a:rPr>
-              <a:t>Machine</a:t>
-            </a:r>
-            <a:endParaRPr lang="en-US" sz="2400" b="1" dirty="0">
-              <a:latin typeface="MV Boli" panose="02000500030200090000" pitchFamily="2" charset="0"/>
-              <a:cs typeface="MV Boli" panose="02000500030200090000" pitchFamily="2" charset="0"/>
-            </a:endParaRPr>
-          </a:p>
-        </p:txBody>
-      </p:sp>
-      <p:sp>
-        <p:nvSpPr>
-          <p:cNvPr id="27" name="Right Arrow 26"/>
-          <p:cNvSpPr/>
-          <p:nvPr/>
-        </p:nvSpPr>
-        <p:spPr>
-          <a:xfrm>
-            <a:off x="6800088" y="3389376"/>
-            <a:ext cx="451104" cy="316992"/>
-          </a:xfrm>
-          <a:prstGeom prst="rightArrow">
-            <a:avLst/>
-          </a:prstGeom>
-        </p:spPr>
-        <p:style>
-          <a:lnRef idx="2">
-            <a:schemeClr val="accent6"/>
-          </a:lnRef>
-          <a:fillRef idx="1">
-            <a:schemeClr val="lt1"/>
-          </a:fillRef>
-          <a:effectRef idx="0">
-            <a:schemeClr val="accent6"/>
-          </a:effectRef>
-          <a:fontRef idx="minor">
-            <a:schemeClr val="dk1"/>
-          </a:fontRef>
-        </p:style>
-        <p:txBody>
-          <a:bodyPr rtlCol="0" anchor="ctr"/>
-          <a:lstStyle/>
-          <a:p>
-            <a:pPr algn="ctr"/>
-            <a:endParaRPr lang="en-US"/>
-          </a:p>
-        </p:txBody>
-      </p:sp>
-      <p:sp>
-        <p:nvSpPr>
-          <p:cNvPr id="28" name="Right Arrow 27"/>
-          <p:cNvSpPr/>
-          <p:nvPr/>
-        </p:nvSpPr>
-        <p:spPr>
-          <a:xfrm>
-            <a:off x="9497568" y="3389376"/>
-            <a:ext cx="451104" cy="316992"/>
-          </a:xfrm>
-          <a:prstGeom prst="rightArrow">
-            <a:avLst/>
-          </a:prstGeom>
-        </p:spPr>
-        <p:style>
-          <a:lnRef idx="2">
-            <a:schemeClr val="accent6"/>
-          </a:lnRef>
-          <a:fillRef idx="1">
-            <a:schemeClr val="lt1"/>
-          </a:fillRef>
-          <a:effectRef idx="0">
-            <a:schemeClr val="accent6"/>
-          </a:effectRef>
-          <a:fontRef idx="minor">
-            <a:schemeClr val="dk1"/>
-          </a:fontRef>
-        </p:style>
-        <p:txBody>
-          <a:bodyPr rtlCol="0" anchor="ctr"/>
-          <a:lstStyle/>
-          <a:p>
-            <a:pPr algn="ctr"/>
-            <a:endParaRPr lang="en-US"/>
-          </a:p>
-        </p:txBody>
-      </p:sp>
-      <p:pic>
-        <p:nvPicPr>
-          <p:cNvPr id="29" name="Picture 28"/>
-          <p:cNvPicPr>
-            <a:picLocks noChangeAspect="1"/>
-          </p:cNvPicPr>
-          <p:nvPr/>
-        </p:nvPicPr>
-        <p:blipFill>
-          <a:blip r:embed="rId3" cstate="print">
-            <a:extLst>
-              <a:ext uri="{28A0092B-C50C-407E-A947-70E740481C1C}">
-                <a14:useLocalDpi xmlns:a14="http://schemas.microsoft.com/office/drawing/2010/main" val="0"/>
-              </a:ext>
-            </a:extLst>
-          </a:blip>
-          <a:stretch>
-            <a:fillRect/>
-          </a:stretch>
-        </p:blipFill>
-        <p:spPr>
-          <a:xfrm>
-            <a:off x="10088880" y="2822448"/>
-            <a:ext cx="1493520" cy="1493520"/>
-          </a:xfrm>
-          <a:prstGeom prst="rect">
-            <a:avLst/>
-          </a:prstGeom>
-          <a:solidFill>
-            <a:srgbClr val="FFFFFF">
-              <a:shade val="85000"/>
-            </a:srgbClr>
-          </a:solidFill>
-          <a:ln w="190500" cap="rnd">
-            <a:solidFill>
-              <a:srgbClr val="FFFFFF"/>
-            </a:solidFill>
-          </a:ln>
-          <a:effectLst>
-            <a:outerShdw blurRad="50000" algn="tl" rotWithShape="0">
-              <a:srgbClr val="000000">
-                <a:alpha val="41000"/>
-              </a:srgbClr>
-            </a:outerShdw>
-          </a:effectLst>
-          <a:scene3d>
-            <a:camera prst="orthographicFront"/>
-            <a:lightRig rig="twoPt" dir="t">
-              <a:rot lat="0" lon="0" rev="7800000"/>
-            </a:lightRig>
-          </a:scene3d>
-          <a:sp3d contourW="6350">
-            <a:bevelT w="50800" h="16510"/>
-            <a:contourClr>
-              <a:srgbClr val="C0C0C0"/>
-            </a:contourClr>
-          </a:sp3d>
-        </p:spPr>
-      </p:pic>
-      <p:sp>
-        <p:nvSpPr>
-          <p:cNvPr id="31" name="Rectangle 30"/>
-          <p:cNvSpPr/>
-          <p:nvPr/>
-        </p:nvSpPr>
-        <p:spPr>
-          <a:xfrm>
-            <a:off x="170688" y="4315968"/>
-            <a:ext cx="3070071" cy="400110"/>
-          </a:xfrm>
-          <a:prstGeom prst="rect">
-            <a:avLst/>
-          </a:prstGeom>
-        </p:spPr>
-        <p:txBody>
-          <a:bodyPr wrap="none">
-            <a:spAutoFit/>
-          </a:bodyPr>
-          <a:lstStyle/>
-          <a:p>
-            <a:r>
-              <a:rPr lang="en-US" b="1" dirty="0" smtClean="0">
-                <a:solidFill>
-                  <a:schemeClr val="bg1"/>
-                </a:solidFill>
-                <a:latin typeface="MV Boli" panose="02000500030200090000" pitchFamily="2" charset="0"/>
-                <a:cs typeface="MV Boli" panose="02000500030200090000" pitchFamily="2" charset="0"/>
-              </a:rPr>
-              <a:t>Source file </a:t>
-            </a:r>
-            <a:r>
-              <a:rPr lang="en-US" sz="2000" b="1" dirty="0" smtClean="0">
-                <a:solidFill>
-                  <a:srgbClr val="002060"/>
-                </a:solidFill>
-                <a:latin typeface="MV Boli" panose="02000500030200090000" pitchFamily="2" charset="0"/>
-                <a:cs typeface="MV Boli" panose="02000500030200090000" pitchFamily="2" charset="0"/>
-              </a:rPr>
-              <a:t>.java</a:t>
-            </a:r>
-            <a:r>
-              <a:rPr lang="en-US" b="1" dirty="0" smtClean="0">
-                <a:solidFill>
-                  <a:schemeClr val="bg1"/>
-                </a:solidFill>
-                <a:latin typeface="MV Boli" panose="02000500030200090000" pitchFamily="2" charset="0"/>
-                <a:cs typeface="MV Boli" panose="02000500030200090000" pitchFamily="2" charset="0"/>
-              </a:rPr>
-              <a:t> extension</a:t>
-            </a:r>
-            <a:endParaRPr lang="en-US" dirty="0"/>
-          </a:p>
-        </p:txBody>
-      </p:sp>
-      <p:sp>
-        <p:nvSpPr>
-          <p:cNvPr id="32" name="Rectangle 31"/>
-          <p:cNvSpPr/>
-          <p:nvPr/>
-        </p:nvSpPr>
-        <p:spPr>
-          <a:xfrm>
-            <a:off x="4477562" y="4279392"/>
-            <a:ext cx="3114955" cy="400110"/>
-          </a:xfrm>
-          <a:prstGeom prst="rect">
-            <a:avLst/>
-          </a:prstGeom>
-        </p:spPr>
-        <p:txBody>
-          <a:bodyPr wrap="none">
-            <a:spAutoFit/>
-          </a:bodyPr>
-          <a:lstStyle/>
-          <a:p>
-            <a:r>
-              <a:rPr lang="en-US" b="1" dirty="0" smtClean="0">
-                <a:solidFill>
-                  <a:schemeClr val="bg1"/>
-                </a:solidFill>
-                <a:latin typeface="MV Boli" panose="02000500030200090000" pitchFamily="2" charset="0"/>
-                <a:cs typeface="MV Boli" panose="02000500030200090000" pitchFamily="2" charset="0"/>
-              </a:rPr>
-              <a:t>Byte Code </a:t>
-            </a:r>
-            <a:r>
-              <a:rPr lang="en-US" sz="2000" b="1" dirty="0" smtClean="0">
-                <a:solidFill>
-                  <a:srgbClr val="002060"/>
-                </a:solidFill>
-                <a:latin typeface="MV Boli" panose="02000500030200090000" pitchFamily="2" charset="0"/>
-                <a:cs typeface="MV Boli" panose="02000500030200090000" pitchFamily="2" charset="0"/>
-              </a:rPr>
-              <a:t>.class</a:t>
-            </a:r>
-            <a:r>
-              <a:rPr lang="en-US" b="1" dirty="0" smtClean="0">
-                <a:solidFill>
-                  <a:schemeClr val="bg1"/>
-                </a:solidFill>
-                <a:latin typeface="MV Boli" panose="02000500030200090000" pitchFamily="2" charset="0"/>
-                <a:cs typeface="MV Boli" panose="02000500030200090000" pitchFamily="2" charset="0"/>
-              </a:rPr>
-              <a:t> extension</a:t>
-            </a:r>
-            <a:endParaRPr lang="en-US" dirty="0"/>
-          </a:p>
-        </p:txBody>
-      </p:sp>
-      <p:sp>
-        <p:nvSpPr>
-          <p:cNvPr id="33" name="Rectangle 32"/>
-          <p:cNvSpPr/>
-          <p:nvPr/>
-        </p:nvSpPr>
-        <p:spPr>
-          <a:xfrm>
-            <a:off x="170688" y="5256680"/>
-            <a:ext cx="4132863" cy="1384995"/>
-          </a:xfrm>
-          <a:prstGeom prst="rect">
-            <a:avLst/>
-          </a:prstGeom>
-        </p:spPr>
-        <p:txBody>
-          <a:bodyPr wrap="none">
-            <a:spAutoFit/>
-          </a:bodyPr>
-          <a:lstStyle/>
-          <a:p>
-            <a:pPr marL="342900" indent="-342900">
-              <a:buAutoNum type="arabicPeriod"/>
-            </a:pPr>
-            <a:r>
-              <a:rPr lang="en-US" sz="2800" b="1" dirty="0" smtClean="0">
-                <a:latin typeface="MV Boli" panose="02000500030200090000" pitchFamily="2" charset="0"/>
-                <a:cs typeface="MV Boli" panose="02000500030200090000" pitchFamily="2" charset="0"/>
-              </a:rPr>
-              <a:t>Editor</a:t>
-            </a:r>
-          </a:p>
-          <a:p>
-            <a:pPr marL="342900" indent="-342900">
-              <a:buAutoNum type="arabicPeriod"/>
-            </a:pPr>
-            <a:r>
-              <a:rPr lang="en-US" sz="2800" b="1" dirty="0" smtClean="0">
-                <a:latin typeface="MV Boli" panose="02000500030200090000" pitchFamily="2" charset="0"/>
-                <a:cs typeface="MV Boli" panose="02000500030200090000" pitchFamily="2" charset="0"/>
-              </a:rPr>
-              <a:t>Compiler</a:t>
-            </a:r>
-          </a:p>
-          <a:p>
-            <a:pPr marL="342900" indent="-342900">
-              <a:buAutoNum type="arabicPeriod"/>
-            </a:pPr>
-            <a:r>
-              <a:rPr lang="en-US" sz="2800" b="1" dirty="0" smtClean="0">
-                <a:latin typeface="MV Boli" panose="02000500030200090000" pitchFamily="2" charset="0"/>
-                <a:cs typeface="MV Boli" panose="02000500030200090000" pitchFamily="2" charset="0"/>
-              </a:rPr>
-              <a:t>Java Virtual Machine</a:t>
-            </a:r>
-            <a:endParaRPr lang="en-US" sz="2800" dirty="0"/>
-          </a:p>
         </p:txBody>
       </p:sp>
     </p:spTree>
     <p:extLst>
       <p:ext uri="{BB962C8B-B14F-4D97-AF65-F5344CB8AC3E}">
-        <p14:creationId xmlns:p14="http://schemas.microsoft.com/office/powerpoint/2010/main" val="824771550"/>
+        <p14:creationId xmlns:p14="http://schemas.microsoft.com/office/powerpoint/2010/main" val="1380825379"/>
       </p:ext>
     </p:extLst>
   </p:cSld>
   <p:clrMapOvr>
     <a:masterClrMapping/>
   </p:clrMapOvr>
-  <mc:AlternateContent xmlns:mc="http://schemas.openxmlformats.org/markup-compatibility/2006" xmlns:p14="http://schemas.microsoft.com/office/powerpoint/2010/main">
-    <mc:Choice Requires="p14">
-      <p:transition p14:dur="10"/>
-    </mc:Choice>
-    <mc:Fallback xmlns="">
-      <p:transition/>
-    </mc:Fallback>
-  </mc:AlternateContent>
-  <p:timing>
-    <p:tnLst>
-      <p:par>
-        <p:cTn id="1" dur="indefinite" restart="never" nodeType="tmRoot">
-          <p:childTnLst>
-            <p:seq concurrent="1" nextAc="seek">
-              <p:cTn id="2" dur="indefinite" nodeType="mainSeq">
-                <p:childTnLst>
-                  <p:par>
-                    <p:cTn id="3" fill="hold">
-                      <p:stCondLst>
-                        <p:cond delay="indefinite"/>
-                      </p:stCondLst>
-                      <p:childTnLst>
-                        <p:par>
-                          <p:cTn id="4" fill="hold">
-                            <p:stCondLst>
-                              <p:cond delay="0"/>
-                            </p:stCondLst>
-                            <p:childTnLst>
-                              <p:par>
-                                <p:cTn id="5" presetID="1" presetClass="entr" presetSubtype="0" fill="hold" grpId="0" nodeType="clickEffect">
-                                  <p:stCondLst>
-                                    <p:cond delay="0"/>
-                                  </p:stCondLst>
-                                  <p:childTnLst>
-                                    <p:set>
-                                      <p:cBhvr>
-                                        <p:cTn id="6" dur="1" fill="hold">
-                                          <p:stCondLst>
-                                            <p:cond delay="0"/>
-                                          </p:stCondLst>
-                                        </p:cTn>
-                                        <p:tgtEl>
-                                          <p:spTgt spid="2"/>
-                                        </p:tgtEl>
-                                        <p:attrNameLst>
-                                          <p:attrName>style.visibility</p:attrName>
-                                        </p:attrNameLst>
-                                      </p:cBhvr>
-                                      <p:to>
-                                        <p:strVal val="visible"/>
-                                      </p:to>
-                                    </p:set>
-                                  </p:childTnLst>
-                                </p:cTn>
-                              </p:par>
-                            </p:childTnLst>
-                          </p:cTn>
-                        </p:par>
-                      </p:childTnLst>
-                    </p:cTn>
-                  </p:par>
-                  <p:par>
-                    <p:cTn id="7" fill="hold">
-                      <p:stCondLst>
-                        <p:cond delay="indefinite"/>
-                      </p:stCondLst>
-                      <p:childTnLst>
-                        <p:par>
-                          <p:cTn id="8" fill="hold">
-                            <p:stCondLst>
-                              <p:cond delay="0"/>
-                            </p:stCondLst>
-                            <p:childTnLst>
-                              <p:par>
-                                <p:cTn id="9" presetID="10" presetClass="entr" presetSubtype="0" fill="hold" grpId="0" nodeType="clickEffect">
-                                  <p:stCondLst>
-                                    <p:cond delay="0"/>
-                                  </p:stCondLst>
-                                  <p:childTnLst>
-                                    <p:set>
-                                      <p:cBhvr>
-                                        <p:cTn id="10" dur="1" fill="hold">
-                                          <p:stCondLst>
-                                            <p:cond delay="0"/>
-                                          </p:stCondLst>
-                                        </p:cTn>
-                                        <p:tgtEl>
-                                          <p:spTgt spid="12"/>
-                                        </p:tgtEl>
-                                        <p:attrNameLst>
-                                          <p:attrName>style.visibility</p:attrName>
-                                        </p:attrNameLst>
-                                      </p:cBhvr>
-                                      <p:to>
-                                        <p:strVal val="visible"/>
-                                      </p:to>
-                                    </p:set>
-                                    <p:animEffect transition="in" filter="fade">
-                                      <p:cBhvr>
-                                        <p:cTn id="11" dur="500"/>
-                                        <p:tgtEl>
-                                          <p:spTgt spid="12"/>
-                                        </p:tgtEl>
-                                      </p:cBhvr>
-                                    </p:animEffect>
-                                  </p:childTnLst>
-                                </p:cTn>
-                              </p:par>
-                            </p:childTnLst>
-                          </p:cTn>
-                        </p:par>
-                      </p:childTnLst>
-                    </p:cTn>
-                  </p:par>
-                  <p:par>
-                    <p:cTn id="12" fill="hold">
-                      <p:stCondLst>
-                        <p:cond delay="indefinite"/>
-                      </p:stCondLst>
-                      <p:childTnLst>
-                        <p:par>
-                          <p:cTn id="13" fill="hold">
-                            <p:stCondLst>
-                              <p:cond delay="0"/>
-                            </p:stCondLst>
-                            <p:childTnLst>
-                              <p:par>
-                                <p:cTn id="14" presetID="10" presetClass="entr" presetSubtype="0" fill="hold" nodeType="clickEffect">
-                                  <p:stCondLst>
-                                    <p:cond delay="0"/>
-                                  </p:stCondLst>
-                                  <p:childTnLst>
-                                    <p:set>
-                                      <p:cBhvr>
-                                        <p:cTn id="15" dur="1" fill="hold">
-                                          <p:stCondLst>
-                                            <p:cond delay="0"/>
-                                          </p:stCondLst>
-                                        </p:cTn>
-                                        <p:tgtEl>
-                                          <p:spTgt spid="29"/>
-                                        </p:tgtEl>
-                                        <p:attrNameLst>
-                                          <p:attrName>style.visibility</p:attrName>
-                                        </p:attrNameLst>
-                                      </p:cBhvr>
-                                      <p:to>
-                                        <p:strVal val="visible"/>
-                                      </p:to>
-                                    </p:set>
-                                    <p:animEffect transition="in" filter="fade">
-                                      <p:cBhvr>
-                                        <p:cTn id="16" dur="500"/>
-                                        <p:tgtEl>
-                                          <p:spTgt spid="29"/>
-                                        </p:tgtEl>
-                                      </p:cBhvr>
-                                    </p:animEffect>
-                                  </p:childTnLst>
-                                </p:cTn>
-                              </p:par>
-                            </p:childTnLst>
-                          </p:cTn>
-                        </p:par>
-                      </p:childTnLst>
-                    </p:cTn>
-                  </p:par>
-                  <p:par>
-                    <p:cTn id="17" fill="hold">
-                      <p:stCondLst>
-                        <p:cond delay="indefinite"/>
-                      </p:stCondLst>
-                      <p:childTnLst>
-                        <p:par>
-                          <p:cTn id="18" fill="hold">
-                            <p:stCondLst>
-                              <p:cond delay="0"/>
-                            </p:stCondLst>
-                            <p:childTnLst>
-                              <p:par>
-                                <p:cTn id="19" presetID="10" presetClass="entr" presetSubtype="0" fill="hold" grpId="0" nodeType="clickEffect">
-                                  <p:stCondLst>
-                                    <p:cond delay="0"/>
-                                  </p:stCondLst>
-                                  <p:childTnLst>
-                                    <p:set>
-                                      <p:cBhvr>
-                                        <p:cTn id="20" dur="1" fill="hold">
-                                          <p:stCondLst>
-                                            <p:cond delay="0"/>
-                                          </p:stCondLst>
-                                        </p:cTn>
-                                        <p:tgtEl>
-                                          <p:spTgt spid="5"/>
-                                        </p:tgtEl>
-                                        <p:attrNameLst>
-                                          <p:attrName>style.visibility</p:attrName>
-                                        </p:attrNameLst>
-                                      </p:cBhvr>
-                                      <p:to>
-                                        <p:strVal val="visible"/>
-                                      </p:to>
-                                    </p:set>
-                                    <p:animEffect transition="in" filter="fade">
-                                      <p:cBhvr>
-                                        <p:cTn id="21" dur="500"/>
-                                        <p:tgtEl>
-                                          <p:spTgt spid="5"/>
-                                        </p:tgtEl>
-                                      </p:cBhvr>
-                                    </p:animEffect>
-                                  </p:childTnLst>
-                                </p:cTn>
-                              </p:par>
-                            </p:childTnLst>
-                          </p:cTn>
-                        </p:par>
-                      </p:childTnLst>
-                    </p:cTn>
-                  </p:par>
-                  <p:par>
-                    <p:cTn id="22" fill="hold">
-                      <p:stCondLst>
-                        <p:cond delay="indefinite"/>
-                      </p:stCondLst>
-                      <p:childTnLst>
-                        <p:par>
-                          <p:cTn id="23" fill="hold">
-                            <p:stCondLst>
-                              <p:cond delay="0"/>
-                            </p:stCondLst>
-                            <p:childTnLst>
-                              <p:par>
-                                <p:cTn id="24" presetID="10" presetClass="entr" presetSubtype="0" fill="hold" grpId="0" nodeType="clickEffect">
-                                  <p:stCondLst>
-                                    <p:cond delay="0"/>
-                                  </p:stCondLst>
-                                  <p:childTnLst>
-                                    <p:set>
-                                      <p:cBhvr>
-                                        <p:cTn id="25" dur="1" fill="hold">
-                                          <p:stCondLst>
-                                            <p:cond delay="0"/>
-                                          </p:stCondLst>
-                                        </p:cTn>
-                                        <p:tgtEl>
-                                          <p:spTgt spid="31"/>
-                                        </p:tgtEl>
-                                        <p:attrNameLst>
-                                          <p:attrName>style.visibility</p:attrName>
-                                        </p:attrNameLst>
-                                      </p:cBhvr>
-                                      <p:to>
-                                        <p:strVal val="visible"/>
-                                      </p:to>
-                                    </p:set>
-                                    <p:animEffect transition="in" filter="fade">
-                                      <p:cBhvr>
-                                        <p:cTn id="26" dur="500"/>
-                                        <p:tgtEl>
-                                          <p:spTgt spid="31"/>
-                                        </p:tgtEl>
-                                      </p:cBhvr>
-                                    </p:animEffect>
-                                  </p:childTnLst>
-                                </p:cTn>
-                              </p:par>
-                            </p:childTnLst>
-                          </p:cTn>
-                        </p:par>
-                      </p:childTnLst>
-                    </p:cTn>
-                  </p:par>
-                  <p:par>
-                    <p:cTn id="27" fill="hold">
-                      <p:stCondLst>
-                        <p:cond delay="indefinite"/>
-                      </p:stCondLst>
-                      <p:childTnLst>
-                        <p:par>
-                          <p:cTn id="28" fill="hold">
-                            <p:stCondLst>
-                              <p:cond delay="0"/>
-                            </p:stCondLst>
-                            <p:childTnLst>
-                              <p:par>
-                                <p:cTn id="29" presetID="10" presetClass="entr" presetSubtype="0" fill="hold" grpId="0" nodeType="clickEffect">
-                                  <p:stCondLst>
-                                    <p:cond delay="0"/>
-                                  </p:stCondLst>
-                                  <p:childTnLst>
-                                    <p:set>
-                                      <p:cBhvr>
-                                        <p:cTn id="30" dur="1" fill="hold">
-                                          <p:stCondLst>
-                                            <p:cond delay="0"/>
-                                          </p:stCondLst>
-                                        </p:cTn>
-                                        <p:tgtEl>
-                                          <p:spTgt spid="26"/>
-                                        </p:tgtEl>
-                                        <p:attrNameLst>
-                                          <p:attrName>style.visibility</p:attrName>
-                                        </p:attrNameLst>
-                                      </p:cBhvr>
-                                      <p:to>
-                                        <p:strVal val="visible"/>
-                                      </p:to>
-                                    </p:set>
-                                    <p:animEffect transition="in" filter="fade">
-                                      <p:cBhvr>
-                                        <p:cTn id="31" dur="500"/>
-                                        <p:tgtEl>
-                                          <p:spTgt spid="26"/>
-                                        </p:tgtEl>
-                                      </p:cBhvr>
-                                    </p:animEffect>
-                                  </p:childTnLst>
-                                </p:cTn>
-                              </p:par>
-                            </p:childTnLst>
-                          </p:cTn>
-                        </p:par>
-                      </p:childTnLst>
-                    </p:cTn>
-                  </p:par>
-                  <p:par>
-                    <p:cTn id="32" fill="hold">
-                      <p:stCondLst>
-                        <p:cond delay="indefinite"/>
-                      </p:stCondLst>
-                      <p:childTnLst>
-                        <p:par>
-                          <p:cTn id="33" fill="hold">
-                            <p:stCondLst>
-                              <p:cond delay="0"/>
-                            </p:stCondLst>
-                            <p:childTnLst>
-                              <p:par>
-                                <p:cTn id="34" presetID="10" presetClass="entr" presetSubtype="0" fill="hold" grpId="0" nodeType="clickEffect">
-                                  <p:stCondLst>
-                                    <p:cond delay="0"/>
-                                  </p:stCondLst>
-                                  <p:childTnLst>
-                                    <p:set>
-                                      <p:cBhvr>
-                                        <p:cTn id="35" dur="1" fill="hold">
-                                          <p:stCondLst>
-                                            <p:cond delay="0"/>
-                                          </p:stCondLst>
-                                        </p:cTn>
-                                        <p:tgtEl>
-                                          <p:spTgt spid="25"/>
-                                        </p:tgtEl>
-                                        <p:attrNameLst>
-                                          <p:attrName>style.visibility</p:attrName>
-                                        </p:attrNameLst>
-                                      </p:cBhvr>
-                                      <p:to>
-                                        <p:strVal val="visible"/>
-                                      </p:to>
-                                    </p:set>
-                                    <p:animEffect transition="in" filter="fade">
-                                      <p:cBhvr>
-                                        <p:cTn id="36" dur="500"/>
-                                        <p:tgtEl>
-                                          <p:spTgt spid="25"/>
-                                        </p:tgtEl>
-                                      </p:cBhvr>
-                                    </p:animEffect>
-                                  </p:childTnLst>
-                                </p:cTn>
-                              </p:par>
-                            </p:childTnLst>
-                          </p:cTn>
-                        </p:par>
-                      </p:childTnLst>
-                    </p:cTn>
-                  </p:par>
-                  <p:par>
-                    <p:cTn id="37" fill="hold">
-                      <p:stCondLst>
-                        <p:cond delay="indefinite"/>
-                      </p:stCondLst>
-                      <p:childTnLst>
-                        <p:par>
-                          <p:cTn id="38" fill="hold">
-                            <p:stCondLst>
-                              <p:cond delay="0"/>
-                            </p:stCondLst>
-                            <p:childTnLst>
-                              <p:par>
-                                <p:cTn id="39" presetID="10" presetClass="entr" presetSubtype="0" fill="hold" grpId="0" nodeType="clickEffect">
-                                  <p:stCondLst>
-                                    <p:cond delay="0"/>
-                                  </p:stCondLst>
-                                  <p:childTnLst>
-                                    <p:set>
-                                      <p:cBhvr>
-                                        <p:cTn id="40" dur="1" fill="hold">
-                                          <p:stCondLst>
-                                            <p:cond delay="0"/>
-                                          </p:stCondLst>
-                                        </p:cTn>
-                                        <p:tgtEl>
-                                          <p:spTgt spid="32"/>
-                                        </p:tgtEl>
-                                        <p:attrNameLst>
-                                          <p:attrName>style.visibility</p:attrName>
-                                        </p:attrNameLst>
-                                      </p:cBhvr>
-                                      <p:to>
-                                        <p:strVal val="visible"/>
-                                      </p:to>
-                                    </p:set>
-                                    <p:animEffect transition="in" filter="fade">
-                                      <p:cBhvr>
-                                        <p:cTn id="41" dur="500"/>
-                                        <p:tgtEl>
-                                          <p:spTgt spid="32"/>
-                                        </p:tgtEl>
-                                      </p:cBhvr>
-                                    </p:animEffect>
-                                  </p:childTnLst>
-                                </p:cTn>
-                              </p:par>
-                            </p:childTnLst>
-                          </p:cTn>
-                        </p:par>
-                      </p:childTnLst>
-                    </p:cTn>
-                  </p:par>
-                  <p:par>
-                    <p:cTn id="42" fill="hold">
-                      <p:stCondLst>
-                        <p:cond delay="indefinite"/>
-                      </p:stCondLst>
-                      <p:childTnLst>
-                        <p:par>
-                          <p:cTn id="43" fill="hold">
-                            <p:stCondLst>
-                              <p:cond delay="0"/>
-                            </p:stCondLst>
-                            <p:childTnLst>
-                              <p:par>
-                                <p:cTn id="44" presetID="10" presetClass="entr" presetSubtype="0" fill="hold" grpId="0" nodeType="clickEffect">
-                                  <p:stCondLst>
-                                    <p:cond delay="0"/>
-                                  </p:stCondLst>
-                                  <p:childTnLst>
-                                    <p:set>
-                                      <p:cBhvr>
-                                        <p:cTn id="45" dur="1" fill="hold">
-                                          <p:stCondLst>
-                                            <p:cond delay="0"/>
-                                          </p:stCondLst>
-                                        </p:cTn>
-                                        <p:tgtEl>
-                                          <p:spTgt spid="23"/>
-                                        </p:tgtEl>
-                                        <p:attrNameLst>
-                                          <p:attrName>style.visibility</p:attrName>
-                                        </p:attrNameLst>
-                                      </p:cBhvr>
-                                      <p:to>
-                                        <p:strVal val="visible"/>
-                                      </p:to>
-                                    </p:set>
-                                    <p:animEffect transition="in" filter="fade">
-                                      <p:cBhvr>
-                                        <p:cTn id="46" dur="500"/>
-                                        <p:tgtEl>
-                                          <p:spTgt spid="23"/>
-                                        </p:tgtEl>
-                                      </p:cBhvr>
-                                    </p:animEffect>
-                                  </p:childTnLst>
-                                </p:cTn>
-                              </p:par>
-                            </p:childTnLst>
-                          </p:cTn>
-                        </p:par>
-                      </p:childTnLst>
-                    </p:cTn>
-                  </p:par>
-                  <p:par>
-                    <p:cTn id="47" fill="hold">
-                      <p:stCondLst>
-                        <p:cond delay="indefinite"/>
-                      </p:stCondLst>
-                      <p:childTnLst>
-                        <p:par>
-                          <p:cTn id="48" fill="hold">
-                            <p:stCondLst>
-                              <p:cond delay="0"/>
-                            </p:stCondLst>
-                            <p:childTnLst>
-                              <p:par>
-                                <p:cTn id="49" presetID="10" presetClass="entr" presetSubtype="0" fill="hold" grpId="0" nodeType="clickEffect">
-                                  <p:stCondLst>
-                                    <p:cond delay="0"/>
-                                  </p:stCondLst>
-                                  <p:childTnLst>
-                                    <p:set>
-                                      <p:cBhvr>
-                                        <p:cTn id="50" dur="1" fill="hold">
-                                          <p:stCondLst>
-                                            <p:cond delay="0"/>
-                                          </p:stCondLst>
-                                        </p:cTn>
-                                        <p:tgtEl>
-                                          <p:spTgt spid="14"/>
-                                        </p:tgtEl>
-                                        <p:attrNameLst>
-                                          <p:attrName>style.visibility</p:attrName>
-                                        </p:attrNameLst>
-                                      </p:cBhvr>
-                                      <p:to>
-                                        <p:strVal val="visible"/>
-                                      </p:to>
-                                    </p:set>
-                                    <p:animEffect transition="in" filter="fade">
-                                      <p:cBhvr>
-                                        <p:cTn id="51" dur="500"/>
-                                        <p:tgtEl>
-                                          <p:spTgt spid="14"/>
-                                        </p:tgtEl>
-                                      </p:cBhvr>
-                                    </p:animEffect>
-                                  </p:childTnLst>
-                                </p:cTn>
-                              </p:par>
-                            </p:childTnLst>
-                          </p:cTn>
-                        </p:par>
-                      </p:childTnLst>
-                    </p:cTn>
-                  </p:par>
-                  <p:par>
-                    <p:cTn id="52" fill="hold">
-                      <p:stCondLst>
-                        <p:cond delay="indefinite"/>
-                      </p:stCondLst>
-                      <p:childTnLst>
-                        <p:par>
-                          <p:cTn id="53" fill="hold">
-                            <p:stCondLst>
-                              <p:cond delay="0"/>
-                            </p:stCondLst>
-                            <p:childTnLst>
-                              <p:par>
-                                <p:cTn id="54" presetID="10" presetClass="entr" presetSubtype="0" fill="hold" grpId="0" nodeType="clickEffect">
-                                  <p:stCondLst>
-                                    <p:cond delay="0"/>
-                                  </p:stCondLst>
-                                  <p:childTnLst>
-                                    <p:set>
-                                      <p:cBhvr>
-                                        <p:cTn id="55" dur="1" fill="hold">
-                                          <p:stCondLst>
-                                            <p:cond delay="0"/>
-                                          </p:stCondLst>
-                                        </p:cTn>
-                                        <p:tgtEl>
-                                          <p:spTgt spid="24"/>
-                                        </p:tgtEl>
-                                        <p:attrNameLst>
-                                          <p:attrName>style.visibility</p:attrName>
-                                        </p:attrNameLst>
-                                      </p:cBhvr>
-                                      <p:to>
-                                        <p:strVal val="visible"/>
-                                      </p:to>
-                                    </p:set>
-                                    <p:animEffect transition="in" filter="fade">
-                                      <p:cBhvr>
-                                        <p:cTn id="56" dur="500"/>
-                                        <p:tgtEl>
-                                          <p:spTgt spid="24"/>
-                                        </p:tgtEl>
-                                      </p:cBhvr>
-                                    </p:animEffect>
-                                  </p:childTnLst>
-                                </p:cTn>
-                              </p:par>
-                            </p:childTnLst>
-                          </p:cTn>
-                        </p:par>
-                      </p:childTnLst>
-                    </p:cTn>
-                  </p:par>
-                  <p:par>
-                    <p:cTn id="57" fill="hold">
-                      <p:stCondLst>
-                        <p:cond delay="indefinite"/>
-                      </p:stCondLst>
-                      <p:childTnLst>
-                        <p:par>
-                          <p:cTn id="58" fill="hold">
-                            <p:stCondLst>
-                              <p:cond delay="0"/>
-                            </p:stCondLst>
-                            <p:childTnLst>
-                              <p:par>
-                                <p:cTn id="59" presetID="10" presetClass="entr" presetSubtype="0" fill="hold" grpId="0" nodeType="clickEffect">
-                                  <p:stCondLst>
-                                    <p:cond delay="0"/>
-                                  </p:stCondLst>
-                                  <p:childTnLst>
-                                    <p:set>
-                                      <p:cBhvr>
-                                        <p:cTn id="60" dur="1" fill="hold">
-                                          <p:stCondLst>
-                                            <p:cond delay="0"/>
-                                          </p:stCondLst>
-                                        </p:cTn>
-                                        <p:tgtEl>
-                                          <p:spTgt spid="27"/>
-                                        </p:tgtEl>
-                                        <p:attrNameLst>
-                                          <p:attrName>style.visibility</p:attrName>
-                                        </p:attrNameLst>
-                                      </p:cBhvr>
-                                      <p:to>
-                                        <p:strVal val="visible"/>
-                                      </p:to>
-                                    </p:set>
-                                    <p:animEffect transition="in" filter="fade">
-                                      <p:cBhvr>
-                                        <p:cTn id="61" dur="500"/>
-                                        <p:tgtEl>
-                                          <p:spTgt spid="27"/>
-                                        </p:tgtEl>
-                                      </p:cBhvr>
-                                    </p:animEffect>
-                                  </p:childTnLst>
-                                </p:cTn>
-                              </p:par>
-                            </p:childTnLst>
-                          </p:cTn>
-                        </p:par>
-                      </p:childTnLst>
-                    </p:cTn>
-                  </p:par>
-                  <p:par>
-                    <p:cTn id="62" fill="hold">
-                      <p:stCondLst>
-                        <p:cond delay="indefinite"/>
-                      </p:stCondLst>
-                      <p:childTnLst>
-                        <p:par>
-                          <p:cTn id="63" fill="hold">
-                            <p:stCondLst>
-                              <p:cond delay="0"/>
-                            </p:stCondLst>
-                            <p:childTnLst>
-                              <p:par>
-                                <p:cTn id="64" presetID="10" presetClass="entr" presetSubtype="0" fill="hold" grpId="0" nodeType="clickEffect">
-                                  <p:stCondLst>
-                                    <p:cond delay="0"/>
-                                  </p:stCondLst>
-                                  <p:childTnLst>
-                                    <p:set>
-                                      <p:cBhvr>
-                                        <p:cTn id="65" dur="1" fill="hold">
-                                          <p:stCondLst>
-                                            <p:cond delay="0"/>
-                                          </p:stCondLst>
-                                        </p:cTn>
-                                        <p:tgtEl>
-                                          <p:spTgt spid="28"/>
-                                        </p:tgtEl>
-                                        <p:attrNameLst>
-                                          <p:attrName>style.visibility</p:attrName>
-                                        </p:attrNameLst>
-                                      </p:cBhvr>
-                                      <p:to>
-                                        <p:strVal val="visible"/>
-                                      </p:to>
-                                    </p:set>
-                                    <p:animEffect transition="in" filter="fade">
-                                      <p:cBhvr>
-                                        <p:cTn id="66" dur="500"/>
-                                        <p:tgtEl>
-                                          <p:spTgt spid="28"/>
-                                        </p:tgtEl>
-                                      </p:cBhvr>
-                                    </p:animEffect>
-                                  </p:childTnLst>
-                                </p:cTn>
-                              </p:par>
-                            </p:childTnLst>
-                          </p:cTn>
-                        </p:par>
-                      </p:childTnLst>
-                    </p:cTn>
-                  </p:par>
-                  <p:par>
-                    <p:cTn id="67" fill="hold">
-                      <p:stCondLst>
-                        <p:cond delay="indefinite"/>
-                      </p:stCondLst>
-                      <p:childTnLst>
-                        <p:par>
-                          <p:cTn id="68" fill="hold">
-                            <p:stCondLst>
-                              <p:cond delay="0"/>
-                            </p:stCondLst>
-                            <p:childTnLst>
-                              <p:par>
-                                <p:cTn id="69" presetID="10" presetClass="entr" presetSubtype="0" fill="hold" grpId="0" nodeType="clickEffect">
-                                  <p:stCondLst>
-                                    <p:cond delay="0"/>
-                                  </p:stCondLst>
-                                  <p:childTnLst>
-                                    <p:set>
-                                      <p:cBhvr>
-                                        <p:cTn id="70" dur="1" fill="hold">
-                                          <p:stCondLst>
-                                            <p:cond delay="0"/>
-                                          </p:stCondLst>
-                                        </p:cTn>
-                                        <p:tgtEl>
-                                          <p:spTgt spid="33"/>
-                                        </p:tgtEl>
-                                        <p:attrNameLst>
-                                          <p:attrName>style.visibility</p:attrName>
-                                        </p:attrNameLst>
-                                      </p:cBhvr>
-                                      <p:to>
-                                        <p:strVal val="visible"/>
-                                      </p:to>
-                                    </p:set>
-                                    <p:animEffect transition="in" filter="fade">
-                                      <p:cBhvr>
-                                        <p:cTn id="71" dur="500"/>
-                                        <p:tgtEl>
-                                          <p:spTgt spid="33"/>
-                                        </p:tgtEl>
-                                      </p:cBhvr>
-                                    </p:animEffect>
-                                  </p:childTnLst>
-                                </p:cTn>
-                              </p:par>
-                            </p:childTnLst>
-                          </p:cTn>
-                        </p:par>
-                      </p:childTnLst>
-                    </p:cTn>
-                  </p:par>
-                </p:childTnLst>
-              </p:cTn>
-              <p:prevCondLst>
-                <p:cond evt="onPrev" delay="0">
-                  <p:tgtEl>
-                    <p:sldTgt/>
-                  </p:tgtEl>
-                </p:cond>
-              </p:prevCondLst>
-              <p:nextCondLst>
-                <p:cond evt="onNext" delay="0">
-                  <p:tgtEl>
-                    <p:sldTgt/>
-                  </p:tgtEl>
-                </p:cond>
-              </p:nextCondLst>
-            </p:seq>
-          </p:childTnLst>
-        </p:cTn>
-      </p:par>
-    </p:tnLst>
-    <p:bldLst>
-      <p:bldP spid="2" grpId="0"/>
-      <p:bldP spid="12" grpId="0"/>
-      <p:bldP spid="5" grpId="0" animBg="1"/>
-      <p:bldP spid="14" grpId="0" animBg="1"/>
-      <p:bldP spid="23" grpId="0" animBg="1"/>
-      <p:bldP spid="24" grpId="0" animBg="1"/>
-      <p:bldP spid="25" grpId="0" animBg="1"/>
-      <p:bldP spid="26" grpId="0" animBg="1"/>
-      <p:bldP spid="27" grpId="0" animBg="1"/>
-      <p:bldP spid="28" grpId="0" animBg="1"/>
-      <p:bldP spid="31" grpId="0"/>
-      <p:bldP spid="32" grpId="0"/>
-      <p:bldP spid="33" grpId="0"/>
-    </p:bldLst>
-  </p:timing>
 </p:sld>
 </file>
 
@@ -5833,6 +4225,810 @@
           <a:chExt cx="0" cy="0"/>
         </a:xfrm>
       </p:grpSpPr>
+      <p:pic>
+        <p:nvPicPr>
+          <p:cNvPr id="3" name="Picture 2"/>
+          <p:cNvPicPr>
+            <a:picLocks noChangeAspect="1"/>
+          </p:cNvPicPr>
+          <p:nvPr/>
+        </p:nvPicPr>
+        <p:blipFill>
+          <a:blip r:embed="rId2">
+            <a:extLst>
+              <a:ext uri="{28A0092B-C50C-407E-A947-70E740481C1C}">
+                <a14:useLocalDpi xmlns:a14="http://schemas.microsoft.com/office/drawing/2010/main" val="0"/>
+              </a:ext>
+            </a:extLst>
+          </a:blip>
+          <a:stretch>
+            <a:fillRect/>
+          </a:stretch>
+        </p:blipFill>
+        <p:spPr>
+          <a:xfrm>
+            <a:off x="-1432704" y="1374506"/>
+            <a:ext cx="6075453" cy="3368209"/>
+          </a:xfrm>
+          <a:prstGeom prst="rect">
+            <a:avLst/>
+          </a:prstGeom>
+        </p:spPr>
+      </p:pic>
+      <p:pic>
+        <p:nvPicPr>
+          <p:cNvPr id="5" name="Picture 4"/>
+          <p:cNvPicPr>
+            <a:picLocks noChangeAspect="1"/>
+          </p:cNvPicPr>
+          <p:nvPr/>
+        </p:nvPicPr>
+        <p:blipFill>
+          <a:blip r:embed="rId3" cstate="print">
+            <a:extLst>
+              <a:ext uri="{28A0092B-C50C-407E-A947-70E740481C1C}">
+                <a14:useLocalDpi xmlns:a14="http://schemas.microsoft.com/office/drawing/2010/main" val="0"/>
+              </a:ext>
+            </a:extLst>
+          </a:blip>
+          <a:stretch>
+            <a:fillRect/>
+          </a:stretch>
+        </p:blipFill>
+        <p:spPr>
+          <a:xfrm>
+            <a:off x="8469393" y="1374506"/>
+            <a:ext cx="3464105" cy="4045352"/>
+          </a:xfrm>
+          <a:prstGeom prst="rect">
+            <a:avLst/>
+          </a:prstGeom>
+        </p:spPr>
+      </p:pic>
+      <p:sp>
+        <p:nvSpPr>
+          <p:cNvPr id="6" name="Right Arrow 5"/>
+          <p:cNvSpPr/>
+          <p:nvPr/>
+        </p:nvSpPr>
+        <p:spPr>
+          <a:xfrm>
+            <a:off x="3229337" y="2615878"/>
+            <a:ext cx="4583574" cy="914400"/>
+          </a:xfrm>
+          <a:prstGeom prst="rightArrow">
+            <a:avLst/>
+          </a:prstGeom>
+        </p:spPr>
+        <p:style>
+          <a:lnRef idx="2">
+            <a:schemeClr val="accent1">
+              <a:shade val="50000"/>
+            </a:schemeClr>
+          </a:lnRef>
+          <a:fillRef idx="1">
+            <a:schemeClr val="accent1"/>
+          </a:fillRef>
+          <a:effectRef idx="0">
+            <a:schemeClr val="accent1"/>
+          </a:effectRef>
+          <a:fontRef idx="minor">
+            <a:schemeClr val="lt1"/>
+          </a:fontRef>
+        </p:style>
+        <p:txBody>
+          <a:bodyPr rtlCol="0" anchor="ctr"/>
+          <a:lstStyle/>
+          <a:p>
+            <a:pPr algn="ctr"/>
+            <a:endParaRPr lang="en-US"/>
+          </a:p>
+        </p:txBody>
+      </p:sp>
+      <p:pic>
+        <p:nvPicPr>
+          <p:cNvPr id="7" name="Picture 6"/>
+          <p:cNvPicPr>
+            <a:picLocks noChangeAspect="1"/>
+          </p:cNvPicPr>
+          <p:nvPr/>
+        </p:nvPicPr>
+        <p:blipFill>
+          <a:blip r:embed="rId4">
+            <a:extLst>
+              <a:ext uri="{28A0092B-C50C-407E-A947-70E740481C1C}">
+                <a14:useLocalDpi xmlns:a14="http://schemas.microsoft.com/office/drawing/2010/main" val="0"/>
+              </a:ext>
+            </a:extLst>
+          </a:blip>
+          <a:stretch>
+            <a:fillRect/>
+          </a:stretch>
+        </p:blipFill>
+        <p:spPr>
+          <a:xfrm>
+            <a:off x="2997843" y="449560"/>
+            <a:ext cx="4372824" cy="2266580"/>
+          </a:xfrm>
+          <a:prstGeom prst="rect">
+            <a:avLst/>
+          </a:prstGeom>
+        </p:spPr>
+      </p:pic>
+      <p:pic>
+        <p:nvPicPr>
+          <p:cNvPr id="8" name="Picture 7"/>
+          <p:cNvPicPr>
+            <a:picLocks noChangeAspect="1"/>
+          </p:cNvPicPr>
+          <p:nvPr/>
+        </p:nvPicPr>
+        <p:blipFill>
+          <a:blip r:embed="rId5" cstate="print">
+            <a:extLst>
+              <a:ext uri="{28A0092B-C50C-407E-A947-70E740481C1C}">
+                <a14:useLocalDpi xmlns:a14="http://schemas.microsoft.com/office/drawing/2010/main" val="0"/>
+              </a:ext>
+            </a:extLst>
+          </a:blip>
+          <a:stretch>
+            <a:fillRect/>
+          </a:stretch>
+        </p:blipFill>
+        <p:spPr>
+          <a:xfrm>
+            <a:off x="-255607" y="4990269"/>
+            <a:ext cx="3484944" cy="1412653"/>
+          </a:xfrm>
+          <a:prstGeom prst="rect">
+            <a:avLst/>
+          </a:prstGeom>
+        </p:spPr>
+      </p:pic>
+      <p:pic>
+        <p:nvPicPr>
+          <p:cNvPr id="9" name="Picture 8"/>
+          <p:cNvPicPr>
+            <a:picLocks noChangeAspect="1"/>
+          </p:cNvPicPr>
+          <p:nvPr/>
+        </p:nvPicPr>
+        <p:blipFill>
+          <a:blip r:embed="rId6">
+            <a:extLst>
+              <a:ext uri="{28A0092B-C50C-407E-A947-70E740481C1C}">
+                <a14:useLocalDpi xmlns:a14="http://schemas.microsoft.com/office/drawing/2010/main" val="0"/>
+              </a:ext>
+            </a:extLst>
+          </a:blip>
+          <a:stretch>
+            <a:fillRect/>
+          </a:stretch>
+        </p:blipFill>
+        <p:spPr>
+          <a:xfrm>
+            <a:off x="9548149" y="5419858"/>
+            <a:ext cx="2286000" cy="1079328"/>
+          </a:xfrm>
+          <a:prstGeom prst="rect">
+            <a:avLst/>
+          </a:prstGeom>
+        </p:spPr>
+      </p:pic>
+    </p:spTree>
+    <p:extLst>
+      <p:ext uri="{BB962C8B-B14F-4D97-AF65-F5344CB8AC3E}">
+        <p14:creationId xmlns:p14="http://schemas.microsoft.com/office/powerpoint/2010/main" val="50571177"/>
+      </p:ext>
+    </p:extLst>
+  </p:cSld>
+  <p:clrMapOvr>
+    <a:masterClrMapping/>
+  </p:clrMapOvr>
+</p:sld>
+</file>
+
+<file path=ppt/slides/slide4.xml><?xml version="1.0" encoding="utf-8"?>
+<p:sld xmlns:a="http://schemas.openxmlformats.org/drawingml/2006/main" xmlns:r="http://schemas.openxmlformats.org/officeDocument/2006/relationships" xmlns:p="http://schemas.openxmlformats.org/presentationml/2006/main">
+  <p:cSld>
+    <p:spTree>
+      <p:nvGrpSpPr>
+        <p:cNvPr id="1" name=""/>
+        <p:cNvGrpSpPr/>
+        <p:nvPr/>
+      </p:nvGrpSpPr>
+      <p:grpSpPr>
+        <a:xfrm>
+          <a:off x="0" y="0"/>
+          <a:ext cx="0" cy="0"/>
+          <a:chOff x="0" y="0"/>
+          <a:chExt cx="0" cy="0"/>
+        </a:xfrm>
+      </p:grpSpPr>
+      <p:pic>
+        <p:nvPicPr>
+          <p:cNvPr id="2" name="Picture 1"/>
+          <p:cNvPicPr>
+            <a:picLocks noChangeAspect="1"/>
+          </p:cNvPicPr>
+          <p:nvPr/>
+        </p:nvPicPr>
+        <p:blipFill>
+          <a:blip r:embed="rId2">
+            <a:extLst>
+              <a:ext uri="{28A0092B-C50C-407E-A947-70E740481C1C}">
+                <a14:useLocalDpi xmlns:a14="http://schemas.microsoft.com/office/drawing/2010/main" val="0"/>
+              </a:ext>
+            </a:extLst>
+          </a:blip>
+          <a:stretch>
+            <a:fillRect/>
+          </a:stretch>
+        </p:blipFill>
+        <p:spPr>
+          <a:xfrm>
+            <a:off x="937550" y="361871"/>
+            <a:ext cx="6481823" cy="5819946"/>
+          </a:xfrm>
+          <a:prstGeom prst="rect">
+            <a:avLst/>
+          </a:prstGeom>
+        </p:spPr>
+      </p:pic>
+      <p:sp>
+        <p:nvSpPr>
+          <p:cNvPr id="3" name="Rectangle 2"/>
+          <p:cNvSpPr/>
+          <p:nvPr/>
+        </p:nvSpPr>
+        <p:spPr>
+          <a:xfrm>
+            <a:off x="8957589" y="593731"/>
+            <a:ext cx="2214068" cy="1384995"/>
+          </a:xfrm>
+          <a:prstGeom prst="rect">
+            <a:avLst/>
+          </a:prstGeom>
+        </p:spPr>
+        <p:txBody>
+          <a:bodyPr wrap="none">
+            <a:spAutoFit/>
+          </a:bodyPr>
+          <a:lstStyle/>
+          <a:p>
+            <a:r>
+              <a:rPr lang="en-US" sz="2800" b="1" dirty="0" smtClean="0"/>
+              <a:t>Unary  -&gt; 	1</a:t>
+            </a:r>
+          </a:p>
+          <a:p>
+            <a:r>
+              <a:rPr lang="en-US" sz="2800" b="1" dirty="0" smtClean="0"/>
+              <a:t>Binary -&gt; 	2</a:t>
+            </a:r>
+            <a:endParaRPr lang="en-US" sz="2800" b="1" dirty="0"/>
+          </a:p>
+          <a:p>
+            <a:r>
+              <a:rPr lang="en-US" sz="2800" b="1" dirty="0" smtClean="0"/>
+              <a:t>Ternary -&gt; 	3</a:t>
+            </a:r>
+            <a:endParaRPr lang="en-US" sz="2800" b="1" dirty="0"/>
+          </a:p>
+        </p:txBody>
+      </p:sp>
+      <p:pic>
+        <p:nvPicPr>
+          <p:cNvPr id="4" name="Picture 3"/>
+          <p:cNvPicPr>
+            <a:picLocks noChangeAspect="1"/>
+          </p:cNvPicPr>
+          <p:nvPr/>
+        </p:nvPicPr>
+        <p:blipFill>
+          <a:blip r:embed="rId3">
+            <a:extLst>
+              <a:ext uri="{28A0092B-C50C-407E-A947-70E740481C1C}">
+                <a14:useLocalDpi xmlns:a14="http://schemas.microsoft.com/office/drawing/2010/main" val="0"/>
+              </a:ext>
+            </a:extLst>
+          </a:blip>
+          <a:stretch>
+            <a:fillRect/>
+          </a:stretch>
+        </p:blipFill>
+        <p:spPr>
+          <a:xfrm>
+            <a:off x="8957589" y="3185944"/>
+            <a:ext cx="2286000" cy="1079328"/>
+          </a:xfrm>
+          <a:prstGeom prst="rect">
+            <a:avLst/>
+          </a:prstGeom>
+        </p:spPr>
+      </p:pic>
+    </p:spTree>
+    <p:extLst>
+      <p:ext uri="{BB962C8B-B14F-4D97-AF65-F5344CB8AC3E}">
+        <p14:creationId xmlns:p14="http://schemas.microsoft.com/office/powerpoint/2010/main" val="579546704"/>
+      </p:ext>
+    </p:extLst>
+  </p:cSld>
+  <p:clrMapOvr>
+    <a:masterClrMapping/>
+  </p:clrMapOvr>
+</p:sld>
+</file>
+
+<file path=ppt/slides/slide5.xml><?xml version="1.0" encoding="utf-8"?>
+<p:sld xmlns:a="http://schemas.openxmlformats.org/drawingml/2006/main" xmlns:r="http://schemas.openxmlformats.org/officeDocument/2006/relationships" xmlns:p="http://schemas.openxmlformats.org/presentationml/2006/main">
+  <p:cSld>
+    <p:spTree>
+      <p:nvGrpSpPr>
+        <p:cNvPr id="1" name=""/>
+        <p:cNvGrpSpPr/>
+        <p:nvPr/>
+      </p:nvGrpSpPr>
+      <p:grpSpPr>
+        <a:xfrm>
+          <a:off x="0" y="0"/>
+          <a:ext cx="0" cy="0"/>
+          <a:chOff x="0" y="0"/>
+          <a:chExt cx="0" cy="0"/>
+        </a:xfrm>
+      </p:grpSpPr>
+      <p:pic>
+        <p:nvPicPr>
+          <p:cNvPr id="2" name="Picture 1"/>
+          <p:cNvPicPr>
+            <a:picLocks noChangeAspect="1"/>
+          </p:cNvPicPr>
+          <p:nvPr/>
+        </p:nvPicPr>
+        <p:blipFill>
+          <a:blip r:embed="rId2">
+            <a:extLst>
+              <a:ext uri="{28A0092B-C50C-407E-A947-70E740481C1C}">
+                <a14:useLocalDpi xmlns:a14="http://schemas.microsoft.com/office/drawing/2010/main" val="0"/>
+              </a:ext>
+            </a:extLst>
+          </a:blip>
+          <a:stretch>
+            <a:fillRect/>
+          </a:stretch>
+        </p:blipFill>
+        <p:spPr>
+          <a:xfrm>
+            <a:off x="0" y="0"/>
+            <a:ext cx="12191999" cy="6858000"/>
+          </a:xfrm>
+          <a:prstGeom prst="rect">
+            <a:avLst/>
+          </a:prstGeom>
+        </p:spPr>
+      </p:pic>
+    </p:spTree>
+    <p:extLst>
+      <p:ext uri="{BB962C8B-B14F-4D97-AF65-F5344CB8AC3E}">
+        <p14:creationId xmlns:p14="http://schemas.microsoft.com/office/powerpoint/2010/main" val="2049121560"/>
+      </p:ext>
+    </p:extLst>
+  </p:cSld>
+  <p:clrMapOvr>
+    <a:masterClrMapping/>
+  </p:clrMapOvr>
+</p:sld>
+</file>
+
+<file path=ppt/slides/slide6.xml><?xml version="1.0" encoding="utf-8"?>
+<p:sld xmlns:a="http://schemas.openxmlformats.org/drawingml/2006/main" xmlns:r="http://schemas.openxmlformats.org/officeDocument/2006/relationships" xmlns:p="http://schemas.openxmlformats.org/presentationml/2006/main">
+  <p:cSld>
+    <p:spTree>
+      <p:nvGrpSpPr>
+        <p:cNvPr id="1" name=""/>
+        <p:cNvGrpSpPr/>
+        <p:nvPr/>
+      </p:nvGrpSpPr>
+      <p:grpSpPr>
+        <a:xfrm>
+          <a:off x="0" y="0"/>
+          <a:ext cx="0" cy="0"/>
+          <a:chOff x="0" y="0"/>
+          <a:chExt cx="0" cy="0"/>
+        </a:xfrm>
+      </p:grpSpPr>
+      <p:pic>
+        <p:nvPicPr>
+          <p:cNvPr id="2" name="Picture 1"/>
+          <p:cNvPicPr>
+            <a:picLocks noChangeAspect="1"/>
+          </p:cNvPicPr>
+          <p:nvPr/>
+        </p:nvPicPr>
+        <p:blipFill>
+          <a:blip r:embed="rId2">
+            <a:extLst>
+              <a:ext uri="{28A0092B-C50C-407E-A947-70E740481C1C}">
+                <a14:useLocalDpi xmlns:a14="http://schemas.microsoft.com/office/drawing/2010/main" val="0"/>
+              </a:ext>
+            </a:extLst>
+          </a:blip>
+          <a:stretch>
+            <a:fillRect/>
+          </a:stretch>
+        </p:blipFill>
+        <p:spPr>
+          <a:xfrm>
+            <a:off x="0" y="0"/>
+            <a:ext cx="12192000" cy="6858000"/>
+          </a:xfrm>
+          <a:prstGeom prst="rect">
+            <a:avLst/>
+          </a:prstGeom>
+        </p:spPr>
+      </p:pic>
+    </p:spTree>
+    <p:extLst>
+      <p:ext uri="{BB962C8B-B14F-4D97-AF65-F5344CB8AC3E}">
+        <p14:creationId xmlns:p14="http://schemas.microsoft.com/office/powerpoint/2010/main" val="2879795734"/>
+      </p:ext>
+    </p:extLst>
+  </p:cSld>
+  <p:clrMapOvr>
+    <a:masterClrMapping/>
+  </p:clrMapOvr>
+</p:sld>
+</file>
+
+<file path=ppt/slides/slide7.xml><?xml version="1.0" encoding="utf-8"?>
+<p:sld xmlns:a="http://schemas.openxmlformats.org/drawingml/2006/main" xmlns:r="http://schemas.openxmlformats.org/officeDocument/2006/relationships" xmlns:p="http://schemas.openxmlformats.org/presentationml/2006/main">
+  <p:cSld>
+    <p:spTree>
+      <p:nvGrpSpPr>
+        <p:cNvPr id="1" name=""/>
+        <p:cNvGrpSpPr/>
+        <p:nvPr/>
+      </p:nvGrpSpPr>
+      <p:grpSpPr>
+        <a:xfrm>
+          <a:off x="0" y="0"/>
+          <a:ext cx="0" cy="0"/>
+          <a:chOff x="0" y="0"/>
+          <a:chExt cx="0" cy="0"/>
+        </a:xfrm>
+      </p:grpSpPr>
+      <p:pic>
+        <p:nvPicPr>
+          <p:cNvPr id="2" name="Picture 1"/>
+          <p:cNvPicPr>
+            <a:picLocks noChangeAspect="1"/>
+          </p:cNvPicPr>
+          <p:nvPr/>
+        </p:nvPicPr>
+        <p:blipFill>
+          <a:blip r:embed="rId2">
+            <a:extLst>
+              <a:ext uri="{28A0092B-C50C-407E-A947-70E740481C1C}">
+                <a14:useLocalDpi xmlns:a14="http://schemas.microsoft.com/office/drawing/2010/main" val="0"/>
+              </a:ext>
+            </a:extLst>
+          </a:blip>
+          <a:stretch>
+            <a:fillRect/>
+          </a:stretch>
+        </p:blipFill>
+        <p:spPr>
+          <a:xfrm>
+            <a:off x="-757750" y="394832"/>
+            <a:ext cx="4939833" cy="2718758"/>
+          </a:xfrm>
+          <a:prstGeom prst="rect">
+            <a:avLst/>
+          </a:prstGeom>
+        </p:spPr>
+      </p:pic>
+      <p:sp>
+        <p:nvSpPr>
+          <p:cNvPr id="3" name="Rectangle 2"/>
+          <p:cNvSpPr/>
+          <p:nvPr/>
+        </p:nvSpPr>
+        <p:spPr>
+          <a:xfrm>
+            <a:off x="0" y="4577142"/>
+            <a:ext cx="1803699" cy="830997"/>
+          </a:xfrm>
+          <a:prstGeom prst="rect">
+            <a:avLst/>
+          </a:prstGeom>
+        </p:spPr>
+        <p:txBody>
+          <a:bodyPr wrap="none">
+            <a:spAutoFit/>
+          </a:bodyPr>
+          <a:lstStyle/>
+          <a:p>
+            <a:r>
+              <a:rPr lang="en-US" sz="4800" b="1" dirty="0">
+                <a:latin typeface="MV Boli" panose="02000500030200090000" pitchFamily="2" charset="0"/>
+                <a:cs typeface="MV Boli" panose="02000500030200090000" pitchFamily="2" charset="0"/>
+              </a:rPr>
+              <a:t>Java </a:t>
+            </a:r>
+            <a:endParaRPr lang="en-US" sz="900" dirty="0"/>
+          </a:p>
+        </p:txBody>
+      </p:sp>
+      <p:pic>
+        <p:nvPicPr>
+          <p:cNvPr id="4" name="Picture 3"/>
+          <p:cNvPicPr>
+            <a:picLocks noChangeAspect="1"/>
+          </p:cNvPicPr>
+          <p:nvPr/>
+        </p:nvPicPr>
+        <p:blipFill>
+          <a:blip r:embed="rId3" cstate="print">
+            <a:extLst>
+              <a:ext uri="{28A0092B-C50C-407E-A947-70E740481C1C}">
+                <a14:useLocalDpi xmlns:a14="http://schemas.microsoft.com/office/drawing/2010/main" val="0"/>
+              </a:ext>
+            </a:extLst>
+          </a:blip>
+          <a:stretch>
+            <a:fillRect/>
+          </a:stretch>
+        </p:blipFill>
+        <p:spPr>
+          <a:xfrm>
+            <a:off x="9711159" y="3611301"/>
+            <a:ext cx="2164466" cy="2535501"/>
+          </a:xfrm>
+          <a:prstGeom prst="rect">
+            <a:avLst/>
+          </a:prstGeom>
+        </p:spPr>
+      </p:pic>
+      <p:pic>
+        <p:nvPicPr>
+          <p:cNvPr id="5" name="Picture 4"/>
+          <p:cNvPicPr>
+            <a:picLocks noChangeAspect="1"/>
+          </p:cNvPicPr>
+          <p:nvPr/>
+        </p:nvPicPr>
+        <p:blipFill>
+          <a:blip r:embed="rId4">
+            <a:extLst>
+              <a:ext uri="{28A0092B-C50C-407E-A947-70E740481C1C}">
+                <a14:useLocalDpi xmlns:a14="http://schemas.microsoft.com/office/drawing/2010/main" val="0"/>
+              </a:ext>
+            </a:extLst>
+          </a:blip>
+          <a:stretch>
+            <a:fillRect/>
+          </a:stretch>
+        </p:blipFill>
+        <p:spPr>
+          <a:xfrm>
+            <a:off x="7612319" y="394832"/>
+            <a:ext cx="4579681" cy="2598836"/>
+          </a:xfrm>
+          <a:prstGeom prst="rect">
+            <a:avLst/>
+          </a:prstGeom>
+        </p:spPr>
+      </p:pic>
+      <p:pic>
+        <p:nvPicPr>
+          <p:cNvPr id="6" name="Picture 5"/>
+          <p:cNvPicPr>
+            <a:picLocks noChangeAspect="1"/>
+          </p:cNvPicPr>
+          <p:nvPr/>
+        </p:nvPicPr>
+        <p:blipFill>
+          <a:blip r:embed="rId5" cstate="print">
+            <a:extLst>
+              <a:ext uri="{28A0092B-C50C-407E-A947-70E740481C1C}">
+                <a14:useLocalDpi xmlns:a14="http://schemas.microsoft.com/office/drawing/2010/main" val="0"/>
+              </a:ext>
+            </a:extLst>
+          </a:blip>
+          <a:stretch>
+            <a:fillRect/>
+          </a:stretch>
+        </p:blipFill>
+        <p:spPr>
+          <a:xfrm>
+            <a:off x="10580280" y="0"/>
+            <a:ext cx="1611720" cy="2479362"/>
+          </a:xfrm>
+          <a:prstGeom prst="rect">
+            <a:avLst/>
+          </a:prstGeom>
+        </p:spPr>
+      </p:pic>
+      <p:pic>
+        <p:nvPicPr>
+          <p:cNvPr id="7" name="Picture 6"/>
+          <p:cNvPicPr>
+            <a:picLocks noChangeAspect="1"/>
+          </p:cNvPicPr>
+          <p:nvPr/>
+        </p:nvPicPr>
+        <p:blipFill>
+          <a:blip r:embed="rId6" cstate="print">
+            <a:extLst>
+              <a:ext uri="{28A0092B-C50C-407E-A947-70E740481C1C}">
+                <a14:useLocalDpi xmlns:a14="http://schemas.microsoft.com/office/drawing/2010/main" val="0"/>
+              </a:ext>
+            </a:extLst>
+          </a:blip>
+          <a:stretch>
+            <a:fillRect/>
+          </a:stretch>
+        </p:blipFill>
+        <p:spPr>
+          <a:xfrm>
+            <a:off x="-128286" y="1581015"/>
+            <a:ext cx="1389927" cy="1412653"/>
+          </a:xfrm>
+          <a:prstGeom prst="rect">
+            <a:avLst/>
+          </a:prstGeom>
+        </p:spPr>
+      </p:pic>
+      <p:pic>
+        <p:nvPicPr>
+          <p:cNvPr id="8" name="Picture 7"/>
+          <p:cNvPicPr>
+            <a:picLocks noChangeAspect="1"/>
+          </p:cNvPicPr>
+          <p:nvPr/>
+        </p:nvPicPr>
+        <p:blipFill>
+          <a:blip r:embed="rId7">
+            <a:extLst>
+              <a:ext uri="{28A0092B-C50C-407E-A947-70E740481C1C}">
+                <a14:useLocalDpi xmlns:a14="http://schemas.microsoft.com/office/drawing/2010/main" val="0"/>
+              </a:ext>
+            </a:extLst>
+          </a:blip>
+          <a:stretch>
+            <a:fillRect/>
+          </a:stretch>
+        </p:blipFill>
+        <p:spPr>
+          <a:xfrm>
+            <a:off x="2590776" y="353751"/>
+            <a:ext cx="5021543" cy="2639917"/>
+          </a:xfrm>
+          <a:prstGeom prst="rect">
+            <a:avLst/>
+          </a:prstGeom>
+        </p:spPr>
+      </p:pic>
+      <p:pic>
+        <p:nvPicPr>
+          <p:cNvPr id="9" name="Picture 8"/>
+          <p:cNvPicPr>
+            <a:picLocks noChangeAspect="1"/>
+          </p:cNvPicPr>
+          <p:nvPr/>
+        </p:nvPicPr>
+        <p:blipFill>
+          <a:blip r:embed="rId8" cstate="print">
+            <a:extLst>
+              <a:ext uri="{28A0092B-C50C-407E-A947-70E740481C1C}">
+                <a14:useLocalDpi xmlns:a14="http://schemas.microsoft.com/office/drawing/2010/main" val="0"/>
+              </a:ext>
+            </a:extLst>
+          </a:blip>
+          <a:stretch>
+            <a:fillRect/>
+          </a:stretch>
+        </p:blipFill>
+        <p:spPr>
+          <a:xfrm>
+            <a:off x="3421620" y="1053295"/>
+            <a:ext cx="1270257" cy="1053297"/>
+          </a:xfrm>
+          <a:prstGeom prst="rect">
+            <a:avLst/>
+          </a:prstGeom>
+        </p:spPr>
+      </p:pic>
+      <p:pic>
+        <p:nvPicPr>
+          <p:cNvPr id="10" name="Picture 9"/>
+          <p:cNvPicPr>
+            <a:picLocks noChangeAspect="1"/>
+          </p:cNvPicPr>
+          <p:nvPr/>
+        </p:nvPicPr>
+        <p:blipFill>
+          <a:blip r:embed="rId9" cstate="print">
+            <a:extLst>
+              <a:ext uri="{28A0092B-C50C-407E-A947-70E740481C1C}">
+                <a14:useLocalDpi xmlns:a14="http://schemas.microsoft.com/office/drawing/2010/main" val="0"/>
+              </a:ext>
+            </a:extLst>
+          </a:blip>
+          <a:stretch>
+            <a:fillRect/>
+          </a:stretch>
+        </p:blipFill>
+        <p:spPr>
+          <a:xfrm>
+            <a:off x="5472310" y="923105"/>
+            <a:ext cx="1097404" cy="1688173"/>
+          </a:xfrm>
+          <a:prstGeom prst="rect">
+            <a:avLst/>
+          </a:prstGeom>
+        </p:spPr>
+      </p:pic>
+      <p:pic>
+        <p:nvPicPr>
+          <p:cNvPr id="11" name="Picture 10"/>
+          <p:cNvPicPr>
+            <a:picLocks noChangeAspect="1"/>
+          </p:cNvPicPr>
+          <p:nvPr/>
+        </p:nvPicPr>
+        <p:blipFill>
+          <a:blip r:embed="rId10">
+            <a:extLst>
+              <a:ext uri="{28A0092B-C50C-407E-A947-70E740481C1C}">
+                <a14:useLocalDpi xmlns:a14="http://schemas.microsoft.com/office/drawing/2010/main" val="0"/>
+              </a:ext>
+            </a:extLst>
+          </a:blip>
+          <a:stretch>
+            <a:fillRect/>
+          </a:stretch>
+        </p:blipFill>
+        <p:spPr>
+          <a:xfrm>
+            <a:off x="2110428" y="3397859"/>
+            <a:ext cx="7294002" cy="3189561"/>
+          </a:xfrm>
+          <a:prstGeom prst="rect">
+            <a:avLst/>
+          </a:prstGeom>
+        </p:spPr>
+      </p:pic>
+    </p:spTree>
+    <p:extLst>
+      <p:ext uri="{BB962C8B-B14F-4D97-AF65-F5344CB8AC3E}">
+        <p14:creationId xmlns:p14="http://schemas.microsoft.com/office/powerpoint/2010/main" val="1404093952"/>
+      </p:ext>
+    </p:extLst>
+  </p:cSld>
+  <p:clrMapOvr>
+    <a:masterClrMapping/>
+  </p:clrMapOvr>
+</p:sld>
+</file>
+
+<file path=ppt/slides/slide8.xml><?xml version="1.0" encoding="utf-8"?>
+<p:sld xmlns:a="http://schemas.openxmlformats.org/drawingml/2006/main" xmlns:r="http://schemas.openxmlformats.org/officeDocument/2006/relationships" xmlns:p="http://schemas.openxmlformats.org/presentationml/2006/main">
+  <p:cSld>
+    <p:spTree>
+      <p:nvGrpSpPr>
+        <p:cNvPr id="1" name=""/>
+        <p:cNvGrpSpPr/>
+        <p:nvPr/>
+      </p:nvGrpSpPr>
+      <p:grpSpPr>
+        <a:xfrm>
+          <a:off x="0" y="0"/>
+          <a:ext cx="0" cy="0"/>
+          <a:chOff x="0" y="0"/>
+          <a:chExt cx="0" cy="0"/>
+        </a:xfrm>
+      </p:grpSpPr>
       <p:sp>
         <p:nvSpPr>
           <p:cNvPr id="2" name="TextBox 1"/>
@@ -5858,18 +5054,12 @@
             <a:pPr algn="ctr"/>
             <a:r>
               <a:rPr lang="en-US" sz="6000" b="1" dirty="0" smtClean="0">
-                <a:solidFill>
-                  <a:srgbClr val="FFFF00"/>
-                </a:solidFill>
                 <a:latin typeface="Baskerville Old Face" panose="02020602080505020303" pitchFamily="18" charset="0"/>
                 <a:cs typeface="Vijaya" panose="020B0604020202020204" pitchFamily="34" charset="0"/>
               </a:rPr>
               <a:t>Java History</a:t>
             </a:r>
             <a:endParaRPr lang="en-US" sz="3600" b="1" dirty="0">
-              <a:solidFill>
-                <a:srgbClr val="FFFF00"/>
-              </a:solidFill>
               <a:latin typeface="Baskerville Old Face" panose="02020602080505020303" pitchFamily="18" charset="0"/>
               <a:cs typeface="Vijaya" panose="020B0604020202020204" pitchFamily="34" charset="0"/>
             </a:endParaRPr>
@@ -5901,18 +5091,12 @@
             <a:pPr algn="ctr"/>
             <a:r>
               <a:rPr lang="en-US" sz="2400" b="1" dirty="0">
-                <a:solidFill>
-                  <a:srgbClr val="FFC000"/>
-                </a:solidFill>
                 <a:latin typeface="MV Boli" panose="02000500030200090000" pitchFamily="2" charset="0"/>
                 <a:cs typeface="MV Boli" panose="02000500030200090000" pitchFamily="2" charset="0"/>
               </a:rPr>
               <a:t>The principles for creating Java programming were </a:t>
             </a:r>
             <a:endParaRPr lang="en-US" sz="2400" b="1" dirty="0" smtClean="0">
-              <a:solidFill>
-                <a:srgbClr val="FFC000"/>
-              </a:solidFill>
               <a:latin typeface="MV Boli" panose="02000500030200090000" pitchFamily="2" charset="0"/>
               <a:cs typeface="MV Boli" panose="02000500030200090000" pitchFamily="2" charset="0"/>
             </a:endParaRPr>
@@ -5921,9 +5105,6 @@
             <a:pPr algn="ctr"/>
             <a:r>
               <a:rPr lang="en-US" sz="2400" b="1" dirty="0" smtClean="0">
-                <a:solidFill>
-                  <a:schemeClr val="bg1"/>
-                </a:solidFill>
                 <a:latin typeface="MV Boli" panose="02000500030200090000" pitchFamily="2" charset="0"/>
                 <a:cs typeface="MV Boli" panose="02000500030200090000" pitchFamily="2" charset="0"/>
               </a:rPr>
@@ -5931,12 +5112,6 @@
             </a:r>
             <a:r>
               <a:rPr lang="en-US" sz="2400" b="1" dirty="0">
-                <a:solidFill>
-                  <a:schemeClr val="accent6">
-                    <a:lumMod val="20000"/>
-                    <a:lumOff val="80000"/>
-                  </a:schemeClr>
-                </a:solidFill>
                 <a:latin typeface="MV Boli" panose="02000500030200090000" pitchFamily="2" charset="0"/>
                 <a:cs typeface="MV Boli" panose="02000500030200090000" pitchFamily="2" charset="0"/>
               </a:rPr>
@@ -5944,12 +5119,6 @@
             </a:r>
             <a:r>
               <a:rPr lang="en-US" sz="2400" b="1">
-                <a:solidFill>
-                  <a:schemeClr val="accent6">
-                    <a:lumMod val="20000"/>
-                    <a:lumOff val="80000"/>
-                  </a:schemeClr>
-                </a:solidFill>
                 <a:latin typeface="MV Boli" panose="02000500030200090000" pitchFamily="2" charset="0"/>
                 <a:cs typeface="MV Boli" panose="02000500030200090000" pitchFamily="2" charset="0"/>
               </a:rPr>
@@ -5957,12 +5126,6 @@
             </a:r>
             <a:r>
               <a:rPr lang="en-US" sz="2400" b="1" smtClean="0">
-                <a:solidFill>
-                  <a:schemeClr val="accent6">
-                    <a:lumMod val="20000"/>
-                    <a:lumOff val="80000"/>
-                  </a:schemeClr>
-                </a:solidFill>
                 <a:latin typeface="MV Boli" panose="02000500030200090000" pitchFamily="2" charset="0"/>
                 <a:cs typeface="MV Boli" panose="02000500030200090000" pitchFamily="2" charset="0"/>
               </a:rPr>
@@ -5970,12 +5133,6 @@
             </a:r>
             <a:r>
               <a:rPr lang="en-US" sz="2400" b="1" dirty="0">
-                <a:solidFill>
-                  <a:schemeClr val="accent6">
-                    <a:lumMod val="20000"/>
-                    <a:lumOff val="80000"/>
-                  </a:schemeClr>
-                </a:solidFill>
                 <a:latin typeface="MV Boli" panose="02000500030200090000" pitchFamily="2" charset="0"/>
                 <a:cs typeface="MV Boli" panose="02000500030200090000" pitchFamily="2" charset="0"/>
               </a:rPr>
@@ -5983,26 +5140,10 @@
             </a:r>
             <a:r>
               <a:rPr lang="en-US" sz="2400" b="1" dirty="0" smtClean="0">
-                <a:solidFill>
-                  <a:schemeClr val="accent6">
-                    <a:lumMod val="20000"/>
-                    <a:lumOff val="80000"/>
-                  </a:schemeClr>
-                </a:solidFill>
                 <a:latin typeface="MV Boli" panose="02000500030200090000" pitchFamily="2" charset="0"/>
                 <a:cs typeface="MV Boli" panose="02000500030200090000" pitchFamily="2" charset="0"/>
               </a:rPr>
-              <a:t>Dynamic</a:t>
-            </a:r>
-            <a:r>
-              <a:rPr lang="en-US" sz="2400" b="1" dirty="0" smtClean="0">
-                <a:solidFill>
-                  <a:schemeClr val="bg1"/>
-                </a:solidFill>
-                <a:latin typeface="MV Boli" panose="02000500030200090000" pitchFamily="2" charset="0"/>
-                <a:cs typeface="MV Boli" panose="02000500030200090000" pitchFamily="2" charset="0"/>
-              </a:rPr>
-              <a:t>“</a:t>
+              <a:t>Dynamic“</a:t>
             </a:r>
           </a:p>
         </p:txBody>
@@ -6030,12 +5171,6 @@
           <a:p>
             <a:r>
               <a:rPr lang="en-US" sz="3200" b="1" dirty="0">
-                <a:solidFill>
-                  <a:schemeClr val="accent6">
-                    <a:lumMod val="40000"/>
-                    <a:lumOff val="60000"/>
-                  </a:schemeClr>
-                </a:solidFill>
                 <a:latin typeface="MV Boli" panose="02000500030200090000" pitchFamily="2" charset="0"/>
                 <a:cs typeface="MV Boli" panose="02000500030200090000" pitchFamily="2" charset="0"/>
               </a:rPr>
@@ -6043,25 +5178,12 @@
             </a:r>
             <a:r>
               <a:rPr lang="en-US" sz="3200" b="1" dirty="0" smtClean="0">
-                <a:solidFill>
-                  <a:schemeClr val="accent6">
-                    <a:lumMod val="40000"/>
-                    <a:lumOff val="60000"/>
-                  </a:schemeClr>
-                </a:solidFill>
                 <a:latin typeface="MV Boli" panose="02000500030200090000" pitchFamily="2" charset="0"/>
                 <a:cs typeface="MV Boli" panose="02000500030200090000" pitchFamily="2" charset="0"/>
               </a:rPr>
               <a:t>Gosling</a:t>
             </a:r>
-            <a:endParaRPr lang="en-US" sz="3200" dirty="0">
-              <a:solidFill>
-                <a:schemeClr val="accent6">
-                  <a:lumMod val="40000"/>
-                  <a:lumOff val="60000"/>
-                </a:schemeClr>
-              </a:solidFill>
-            </a:endParaRPr>
+            <a:endParaRPr lang="en-US" sz="3200" dirty="0"/>
           </a:p>
         </p:txBody>
       </p:sp>
@@ -6125,9 +5247,6 @@
             <a:pPr algn="ctr"/>
             <a:r>
               <a:rPr lang="en-US" sz="2000" dirty="0" smtClean="0">
-                <a:solidFill>
-                  <a:srgbClr val="FFFF00"/>
-                </a:solidFill>
                 <a:latin typeface="MV Boli" panose="02000500030200090000" pitchFamily="2" charset="0"/>
                 <a:cs typeface="MV Boli" panose="02000500030200090000" pitchFamily="2" charset="0"/>
               </a:rPr>
@@ -6135,9 +5254,6 @@
             </a:r>
             <a:r>
               <a:rPr lang="en-US" sz="2000" dirty="0">
-                <a:solidFill>
-                  <a:srgbClr val="FFFF00"/>
-                </a:solidFill>
                 <a:latin typeface="MV Boli" panose="02000500030200090000" pitchFamily="2" charset="0"/>
                 <a:cs typeface="MV Boli" panose="02000500030200090000" pitchFamily="2" charset="0"/>
               </a:rPr>
@@ -6145,9 +5261,6 @@
             </a:r>
             <a:r>
               <a:rPr lang="en-US" sz="2000" b="1" dirty="0">
-                <a:solidFill>
-                  <a:srgbClr val="FFFF00"/>
-                </a:solidFill>
                 <a:latin typeface="MV Boli" panose="02000500030200090000" pitchFamily="2" charset="0"/>
                 <a:cs typeface="MV Boli" panose="02000500030200090000" pitchFamily="2" charset="0"/>
               </a:rPr>
@@ -6155,9 +5268,6 @@
             </a:r>
             <a:r>
               <a:rPr lang="en-US" sz="2000" b="1" dirty="0" smtClean="0">
-                <a:solidFill>
-                  <a:srgbClr val="FFFF00"/>
-                </a:solidFill>
                 <a:latin typeface="MV Boli" panose="02000500030200090000" pitchFamily="2" charset="0"/>
                 <a:cs typeface="MV Boli" panose="02000500030200090000" pitchFamily="2" charset="0"/>
               </a:rPr>
@@ -6165,9 +5275,6 @@
             </a:r>
             <a:r>
               <a:rPr lang="en-US" sz="2000" dirty="0" smtClean="0">
-                <a:solidFill>
-                  <a:srgbClr val="FFFF00"/>
-                </a:solidFill>
                 <a:latin typeface="MV Boli" panose="02000500030200090000" pitchFamily="2" charset="0"/>
                 <a:cs typeface="MV Boli" panose="02000500030200090000" pitchFamily="2" charset="0"/>
               </a:rPr>
@@ -6176,9 +5283,6 @@
           </a:p>
           <a:p>
             <a:endParaRPr lang="en-US" sz="2000" b="1" dirty="0">
-              <a:solidFill>
-                <a:srgbClr val="002060"/>
-              </a:solidFill>
               <a:latin typeface="MV Boli" panose="02000500030200090000" pitchFamily="2" charset="0"/>
               <a:cs typeface="MV Boli" panose="02000500030200090000" pitchFamily="2" charset="0"/>
             </a:endParaRPr>
@@ -6186,9 +5290,6 @@
           <a:p>
             <a:r>
               <a:rPr lang="en-US" sz="2000" b="1" dirty="0" smtClean="0">
-                <a:solidFill>
-                  <a:srgbClr val="FFC000"/>
-                </a:solidFill>
                 <a:latin typeface="MV Boli" panose="02000500030200090000" pitchFamily="2" charset="0"/>
                 <a:cs typeface="MV Boli" panose="02000500030200090000" pitchFamily="2" charset="0"/>
               </a:rPr>
@@ -6196,9 +5297,6 @@
             </a:r>
             <a:r>
               <a:rPr lang="en-US" sz="2000" dirty="0" smtClean="0">
-                <a:solidFill>
-                  <a:srgbClr val="002060"/>
-                </a:solidFill>
                 <a:latin typeface="MV Boli" panose="02000500030200090000" pitchFamily="2" charset="0"/>
                 <a:cs typeface="MV Boli" panose="02000500030200090000" pitchFamily="2" charset="0"/>
               </a:rPr>
@@ -6206,9 +5304,6 @@
             </a:r>
             <a:r>
               <a:rPr lang="en-US" sz="2000" dirty="0">
-                <a:solidFill>
-                  <a:srgbClr val="002060"/>
-                </a:solidFill>
                 <a:latin typeface="MV Boli" panose="02000500030200090000" pitchFamily="2" charset="0"/>
                 <a:cs typeface="MV Boli" panose="02000500030200090000" pitchFamily="2" charset="0"/>
               </a:rPr>
@@ -6216,9 +5311,6 @@
             </a:r>
             <a:r>
               <a:rPr lang="en-US" sz="2000" b="1" dirty="0">
-                <a:solidFill>
-                  <a:srgbClr val="FFC000"/>
-                </a:solidFill>
                 <a:latin typeface="MV Boli" panose="02000500030200090000" pitchFamily="2" charset="0"/>
                 <a:cs typeface="MV Boli" panose="02000500030200090000" pitchFamily="2" charset="0"/>
               </a:rPr>
@@ -6226,9 +5318,6 @@
             </a:r>
             <a:r>
               <a:rPr lang="en-US" sz="2000" dirty="0">
-                <a:solidFill>
-                  <a:srgbClr val="002060"/>
-                </a:solidFill>
                 <a:latin typeface="MV Boli" panose="02000500030200090000" pitchFamily="2" charset="0"/>
                 <a:cs typeface="MV Boli" panose="02000500030200090000" pitchFamily="2" charset="0"/>
               </a:rPr>
@@ -6236,9 +5325,6 @@
             </a:r>
             <a:r>
               <a:rPr lang="en-US" sz="2000" b="1" dirty="0">
-                <a:solidFill>
-                  <a:srgbClr val="FFC000"/>
-                </a:solidFill>
                 <a:latin typeface="MV Boli" panose="02000500030200090000" pitchFamily="2" charset="0"/>
                 <a:cs typeface="MV Boli" panose="02000500030200090000" pitchFamily="2" charset="0"/>
               </a:rPr>
@@ -6246,9 +5332,6 @@
             </a:r>
             <a:r>
               <a:rPr lang="en-US" sz="2000" dirty="0">
-                <a:solidFill>
-                  <a:srgbClr val="002060"/>
-                </a:solidFill>
                 <a:latin typeface="MV Boli" panose="02000500030200090000" pitchFamily="2" charset="0"/>
                 <a:cs typeface="MV Boli" panose="02000500030200090000" pitchFamily="2" charset="0"/>
               </a:rPr>
@@ -6256,9 +5339,6 @@
             </a:r>
             <a:r>
               <a:rPr lang="en-US" sz="2000" b="1" dirty="0">
-                <a:solidFill>
-                  <a:srgbClr val="FFC000"/>
-                </a:solidFill>
                 <a:latin typeface="MV Boli" panose="02000500030200090000" pitchFamily="2" charset="0"/>
                 <a:cs typeface="MV Boli" panose="02000500030200090000" pitchFamily="2" charset="0"/>
               </a:rPr>
@@ -6266,9 +5346,6 @@
             </a:r>
             <a:r>
               <a:rPr lang="en-US" sz="2000" dirty="0">
-                <a:solidFill>
-                  <a:srgbClr val="002060"/>
-                </a:solidFill>
                 <a:latin typeface="MV Boli" panose="02000500030200090000" pitchFamily="2" charset="0"/>
                 <a:cs typeface="MV Boli" panose="02000500030200090000" pitchFamily="2" charset="0"/>
               </a:rPr>
@@ -6276,9 +5353,6 @@
             </a:r>
             <a:r>
               <a:rPr lang="en-US" sz="2000" b="1" dirty="0">
-                <a:solidFill>
-                  <a:srgbClr val="FFC000"/>
-                </a:solidFill>
                 <a:latin typeface="MV Boli" panose="02000500030200090000" pitchFamily="2" charset="0"/>
                 <a:cs typeface="MV Boli" panose="02000500030200090000" pitchFamily="2" charset="0"/>
               </a:rPr>
@@ -6286,9 +5360,6 @@
             </a:r>
             <a:r>
               <a:rPr lang="en-US" sz="2000" dirty="0">
-                <a:solidFill>
-                  <a:srgbClr val="002060"/>
-                </a:solidFill>
                 <a:latin typeface="MV Boli" panose="02000500030200090000" pitchFamily="2" charset="0"/>
                 <a:cs typeface="MV Boli" panose="02000500030200090000" pitchFamily="2" charset="0"/>
               </a:rPr>
@@ -6296,9 +5367,6 @@
             </a:r>
             <a:r>
               <a:rPr lang="en-US" sz="2000" b="1" dirty="0">
-                <a:solidFill>
-                  <a:srgbClr val="FFC000"/>
-                </a:solidFill>
                 <a:latin typeface="MV Boli" panose="02000500030200090000" pitchFamily="2" charset="0"/>
                 <a:cs typeface="MV Boli" panose="02000500030200090000" pitchFamily="2" charset="0"/>
               </a:rPr>
@@ -6306,9 +5374,6 @@
             </a:r>
             <a:r>
               <a:rPr lang="en-US" sz="2000" dirty="0">
-                <a:solidFill>
-                  <a:srgbClr val="002060"/>
-                </a:solidFill>
                 <a:latin typeface="MV Boli" panose="02000500030200090000" pitchFamily="2" charset="0"/>
                 <a:cs typeface="MV Boli" panose="02000500030200090000" pitchFamily="2" charset="0"/>
               </a:rPr>
@@ -6340,9 +5405,6 @@
           <a:p>
             <a:r>
               <a:rPr lang="en-US" sz="2400" b="1" dirty="0" smtClean="0">
-                <a:solidFill>
-                  <a:schemeClr val="bg1"/>
-                </a:solidFill>
                 <a:latin typeface="MV Boli" panose="02000500030200090000" pitchFamily="2" charset="0"/>
                 <a:cs typeface="MV Boli" panose="02000500030200090000" pitchFamily="2" charset="0"/>
               </a:rPr>
@@ -6350,65 +5412,33 @@
             </a:r>
             <a:r>
               <a:rPr lang="en-US" sz="2400" b="1" dirty="0">
-                <a:solidFill>
-                  <a:schemeClr val="bg1"/>
-                </a:solidFill>
                 <a:latin typeface="MV Boli" panose="02000500030200090000" pitchFamily="2" charset="0"/>
                 <a:cs typeface="MV Boli" panose="02000500030200090000" pitchFamily="2" charset="0"/>
               </a:rPr>
-              <a:t> "</a:t>
+              <a:t> "Greentalk" by James </a:t>
+            </a:r>
+            <a:r>
+              <a:rPr lang="en-US" sz="2400" b="1" dirty="0" smtClean="0">
+                <a:latin typeface="MV Boli" panose="02000500030200090000" pitchFamily="2" charset="0"/>
+                <a:cs typeface="MV Boli" panose="02000500030200090000" pitchFamily="2" charset="0"/>
+              </a:rPr>
+              <a:t>Gosling, extension </a:t>
             </a:r>
             <a:r>
               <a:rPr lang="en-US" sz="2400" b="1" dirty="0">
                 <a:latin typeface="MV Boli" panose="02000500030200090000" pitchFamily="2" charset="0"/>
                 <a:cs typeface="MV Boli" panose="02000500030200090000" pitchFamily="2" charset="0"/>
               </a:rPr>
-              <a:t>Greentalk</a:t>
-            </a:r>
-            <a:r>
-              <a:rPr lang="en-US" sz="2400" b="1" dirty="0">
-                <a:solidFill>
-                  <a:schemeClr val="bg1"/>
-                </a:solidFill>
-                <a:latin typeface="MV Boli" panose="02000500030200090000" pitchFamily="2" charset="0"/>
-                <a:cs typeface="MV Boli" panose="02000500030200090000" pitchFamily="2" charset="0"/>
-              </a:rPr>
-              <a:t>" by James </a:t>
+              <a:t>was .</a:t>
             </a:r>
             <a:r>
               <a:rPr lang="en-US" sz="2400" b="1" dirty="0" smtClean="0">
-                <a:solidFill>
-                  <a:schemeClr val="bg1"/>
-                </a:solidFill>
-                <a:latin typeface="MV Boli" panose="02000500030200090000" pitchFamily="2" charset="0"/>
-                <a:cs typeface="MV Boli" panose="02000500030200090000" pitchFamily="2" charset="0"/>
-              </a:rPr>
-              <a:t>Gosling, extension </a:t>
-            </a:r>
-            <a:r>
-              <a:rPr lang="en-US" sz="2400" b="1" dirty="0">
-                <a:solidFill>
-                  <a:schemeClr val="bg1"/>
-                </a:solidFill>
-                <a:latin typeface="MV Boli" panose="02000500030200090000" pitchFamily="2" charset="0"/>
-                <a:cs typeface="MV Boli" panose="02000500030200090000" pitchFamily="2" charset="0"/>
-              </a:rPr>
-              <a:t>was .</a:t>
-            </a:r>
-            <a:r>
-              <a:rPr lang="en-US" sz="2400" b="1" dirty="0" smtClean="0">
-                <a:solidFill>
-                  <a:schemeClr val="bg1"/>
-                </a:solidFill>
                 <a:latin typeface="MV Boli" panose="02000500030200090000" pitchFamily="2" charset="0"/>
                 <a:cs typeface="MV Boli" panose="02000500030200090000" pitchFamily="2" charset="0"/>
               </a:rPr>
               <a:t>gt</a:t>
             </a:r>
             <a:endParaRPr lang="en-US" sz="2400" b="1" dirty="0">
-              <a:solidFill>
-                <a:schemeClr val="bg1"/>
-              </a:solidFill>
               <a:latin typeface="MV Boli" panose="02000500030200090000" pitchFamily="2" charset="0"/>
               <a:cs typeface="MV Boli" panose="02000500030200090000" pitchFamily="2" charset="0"/>
             </a:endParaRPr>
@@ -6436,32 +5466,12 @@
           </a:bodyPr>
           <a:lstStyle/>
           <a:p>
-            <a:r>
-              <a:rPr lang="en-US" sz="2000" b="1" dirty="0">
-                <a:solidFill>
-                  <a:schemeClr val="bg1"/>
-                </a:solidFill>
-                <a:latin typeface="MV Boli" panose="02000500030200090000" pitchFamily="2" charset="0"/>
-                <a:cs typeface="MV Boli" panose="02000500030200090000" pitchFamily="2" charset="0"/>
-              </a:rPr>
-              <a:t>After that, it was called </a:t>
-            </a:r>
             <a:r>
               <a:rPr lang="en-US" sz="2000" b="1" dirty="0">
                 <a:latin typeface="MV Boli" panose="02000500030200090000" pitchFamily="2" charset="0"/>
                 <a:cs typeface="MV Boli" panose="02000500030200090000" pitchFamily="2" charset="0"/>
               </a:rPr>
-              <a:t>Oak</a:t>
-            </a:r>
-            <a:r>
-              <a:rPr lang="en-US" sz="2000" b="1" dirty="0">
-                <a:solidFill>
-                  <a:schemeClr val="bg1"/>
-                </a:solidFill>
-                <a:latin typeface="MV Boli" panose="02000500030200090000" pitchFamily="2" charset="0"/>
-                <a:cs typeface="MV Boli" panose="02000500030200090000" pitchFamily="2" charset="0"/>
-              </a:rPr>
-              <a:t> and was developed as a part of the Green project.</a:t>
+              <a:t>After that, it was called Oak and was developed as a part of the Green project.</a:t>
             </a:r>
           </a:p>
         </p:txBody>
@@ -6487,49 +5497,12 @@
           </a:bodyPr>
           <a:lstStyle/>
           <a:p>
-            <a:r>
-              <a:rPr lang="en-US" sz="2000" b="1" dirty="0">
-                <a:solidFill>
-                  <a:schemeClr val="bg1"/>
-                </a:solidFill>
-                <a:latin typeface="MV Boli" panose="02000500030200090000" pitchFamily="2" charset="0"/>
-                <a:cs typeface="MV Boli" panose="02000500030200090000" pitchFamily="2" charset="0"/>
-              </a:rPr>
-              <a:t>In 1995, Oak was renamed as "</a:t>
-            </a:r>
             <a:r>
               <a:rPr lang="en-US" sz="2000" b="1" dirty="0">
                 <a:latin typeface="MV Boli" panose="02000500030200090000" pitchFamily="2" charset="0"/>
                 <a:cs typeface="MV Boli" panose="02000500030200090000" pitchFamily="2" charset="0"/>
               </a:rPr>
-              <a:t>Java</a:t>
-            </a:r>
-            <a:r>
-              <a:rPr lang="en-US" sz="2000" b="1" dirty="0">
-                <a:solidFill>
-                  <a:schemeClr val="bg1"/>
-                </a:solidFill>
-                <a:latin typeface="MV Boli" panose="02000500030200090000" pitchFamily="2" charset="0"/>
-                <a:cs typeface="MV Boli" panose="02000500030200090000" pitchFamily="2" charset="0"/>
-              </a:rPr>
-              <a:t>" because it was already a trademark by </a:t>
-            </a:r>
-            <a:r>
-              <a:rPr lang="en-US" sz="2000" b="1" dirty="0">
-                <a:latin typeface="MV Boli" panose="02000500030200090000" pitchFamily="2" charset="0"/>
-                <a:cs typeface="MV Boli" panose="02000500030200090000" pitchFamily="2" charset="0"/>
-              </a:rPr>
-              <a:t>Oak Technologies</a:t>
-            </a:r>
-            <a:r>
-              <a:rPr lang="en-US" sz="2000" b="1" dirty="0">
-                <a:solidFill>
-                  <a:schemeClr val="bg1"/>
-                </a:solidFill>
-                <a:latin typeface="MV Boli" panose="02000500030200090000" pitchFamily="2" charset="0"/>
-                <a:cs typeface="MV Boli" panose="02000500030200090000" pitchFamily="2" charset="0"/>
-              </a:rPr>
-              <a:t>.</a:t>
+              <a:t>In 1995, Oak was renamed as "Java" because it was already a trademark by Oak Technologies.</a:t>
             </a:r>
           </a:p>
         </p:txBody>
@@ -7018,7 +5991,7 @@
 </p:sld>
 </file>
 
-<file path=ppt/slides/slide4.xml><?xml version="1.0" encoding="utf-8"?>
+<file path=ppt/slides/slide9.xml><?xml version="1.0" encoding="utf-8"?>
 <p:sld xmlns:a="http://schemas.openxmlformats.org/drawingml/2006/main" xmlns:r="http://schemas.openxmlformats.org/officeDocument/2006/relationships" xmlns:p="http://schemas.openxmlformats.org/presentationml/2006/main">
   <p:cSld>
     <p:spTree>
@@ -7043,7 +6016,7 @@
         </p:nvSpPr>
         <p:spPr>
           <a:xfrm>
-            <a:off x="3473788" y="2557456"/>
+            <a:off x="2524663" y="2707927"/>
             <a:ext cx="7546826" cy="1573428"/>
           </a:xfrm>
           <a:prstGeom prst="rect">
@@ -7060,100 +6033,16 @@
             <a:pPr algn="ctr"/>
             <a:r>
               <a:rPr lang="en-US" sz="9600" b="1" dirty="0" smtClean="0">
-                <a:solidFill>
-                  <a:schemeClr val="accent6">
-                    <a:lumMod val="20000"/>
-                    <a:lumOff val="80000"/>
-                  </a:schemeClr>
-                </a:solidFill>
                 <a:latin typeface="Viner Hand ITC" panose="03070502030502020203" pitchFamily="66" charset="0"/>
               </a:rPr>
               <a:t>Thank You !</a:t>
             </a:r>
             <a:endParaRPr lang="en-US" sz="9600" b="1" dirty="0">
-              <a:solidFill>
-                <a:schemeClr val="accent6">
-                  <a:lumMod val="20000"/>
-                  <a:lumOff val="80000"/>
-                </a:schemeClr>
-              </a:solidFill>
               <a:latin typeface="Viner Hand ITC" panose="03070502030502020203" pitchFamily="66" charset="0"/>
             </a:endParaRPr>
           </a:p>
         </p:txBody>
       </p:sp>
-      <p:pic>
-        <p:nvPicPr>
-          <p:cNvPr id="9" name="Picture 8"/>
-          <p:cNvPicPr>
-            <a:picLocks noChangeAspect="1"/>
-          </p:cNvPicPr>
-          <p:nvPr/>
-        </p:nvPicPr>
-        <p:blipFill>
-          <a:blip r:embed="rId2" cstate="print">
-            <a:extLst>
-              <a:ext uri="{28A0092B-C50C-407E-A947-70E740481C1C}">
-                <a14:useLocalDpi xmlns:a14="http://schemas.microsoft.com/office/drawing/2010/main" val="0"/>
-              </a:ext>
-            </a:extLst>
-          </a:blip>
-          <a:stretch>
-            <a:fillRect/>
-          </a:stretch>
-        </p:blipFill>
-        <p:spPr>
-          <a:xfrm>
-            <a:off x="2597962" y="4970684"/>
-            <a:ext cx="1751653" cy="1751653"/>
-          </a:xfrm>
-          <a:prstGeom prst="rect">
-            <a:avLst/>
-          </a:prstGeom>
-          <a:ln>
-            <a:noFill/>
-          </a:ln>
-          <a:effectLst>
-            <a:softEdge rad="112500"/>
-          </a:effectLst>
-        </p:spPr>
-      </p:pic>
-      <p:pic>
-        <p:nvPicPr>
-          <p:cNvPr id="10" name="Picture 9"/>
-          <p:cNvPicPr>
-            <a:picLocks noChangeAspect="1"/>
-          </p:cNvPicPr>
-          <p:nvPr/>
-        </p:nvPicPr>
-        <p:blipFill>
-          <a:blip r:embed="rId3" cstate="print">
-            <a:extLst>
-              <a:ext uri="{28A0092B-C50C-407E-A947-70E740481C1C}">
-                <a14:useLocalDpi xmlns:a14="http://schemas.microsoft.com/office/drawing/2010/main" val="0"/>
-              </a:ext>
-            </a:extLst>
-          </a:blip>
-          <a:stretch>
-            <a:fillRect/>
-          </a:stretch>
-        </p:blipFill>
-        <p:spPr>
-          <a:xfrm>
-            <a:off x="2003805" y="2430110"/>
-            <a:ext cx="1469983" cy="1469983"/>
-          </a:xfrm>
-          <a:prstGeom prst="ellipse">
-            <a:avLst/>
-          </a:prstGeom>
-          <a:ln>
-            <a:noFill/>
-          </a:ln>
-          <a:effectLst>
-            <a:softEdge rad="112500"/>
-          </a:effectLst>
-        </p:spPr>
-      </p:pic>
     </p:spTree>
     <p:extLst>
       <p:ext uri="{BB962C8B-B14F-4D97-AF65-F5344CB8AC3E}">
@@ -7213,76 +6102,6 @@
                                         <p:cTn id="7" dur="500"/>
                                         <p:tgtEl>
                                           <p:spTgt spid="2"/>
-                                        </p:tgtEl>
-                                      </p:cBhvr>
-                                    </p:animEffect>
-                                  </p:childTnLst>
-                                </p:cTn>
-                              </p:par>
-                              <p:par>
-                                <p:cTn id="8" presetID="10" presetClass="entr" presetSubtype="0" fill="hold" nodeType="withEffect">
-                                  <p:stCondLst>
-                                    <p:cond delay="0"/>
-                                  </p:stCondLst>
-                                  <p:childTnLst>
-                                    <p:set>
-                                      <p:cBhvr>
-                                        <p:cTn id="9" dur="1" fill="hold">
-                                          <p:stCondLst>
-                                            <p:cond delay="0"/>
-                                          </p:stCondLst>
-                                        </p:cTn>
-                                        <p:tgtEl>
-                                          <p:spTgt spid="10"/>
-                                        </p:tgtEl>
-                                        <p:attrNameLst>
-                                          <p:attrName>style.visibility</p:attrName>
-                                        </p:attrNameLst>
-                                      </p:cBhvr>
-                                      <p:to>
-                                        <p:strVal val="visible"/>
-                                      </p:to>
-                                    </p:set>
-                                    <p:animEffect transition="in" filter="fade">
-                                      <p:cBhvr>
-                                        <p:cTn id="10" dur="500"/>
-                                        <p:tgtEl>
-                                          <p:spTgt spid="10"/>
-                                        </p:tgtEl>
-                                      </p:cBhvr>
-                                    </p:animEffect>
-                                  </p:childTnLst>
-                                </p:cTn>
-                              </p:par>
-                              <p:par>
-                                <p:cTn id="11" presetID="10" presetClass="entr" presetSubtype="0" fill="hold" nodeType="withEffect">
-                                  <p:stCondLst>
-                                    <p:cond delay="0"/>
-                                  </p:stCondLst>
-                                  <p:childTnLst>
-                                    <p:set>
-                                      <p:cBhvr>
-                                        <p:cTn id="12" dur="1" fill="hold">
-                                          <p:stCondLst>
-                                            <p:cond delay="0"/>
-                                          </p:stCondLst>
-                                        </p:cTn>
-                                        <p:tgtEl>
-                                          <p:spTgt spid="9"/>
-                                        </p:tgtEl>
-                                        <p:attrNameLst>
-                                          <p:attrName>style.visibility</p:attrName>
-                                        </p:attrNameLst>
-                                      </p:cBhvr>
-                                      <p:to>
-                                        <p:strVal val="visible"/>
-                                      </p:to>
-                                    </p:set>
-                                    <p:animEffect transition="in" filter="fade">
-                                      <p:cBhvr>
-                                        <p:cTn id="13" dur="500"/>
-                                        <p:tgtEl>
-                                          <p:spTgt spid="9"/>
                                         </p:tgtEl>
                                       </p:cBhvr>
                                     </p:animEffect>

--- a/java.pptx
+++ b/java.pptx
@@ -5,7 +5,7 @@
     <p:sldMasterId id="2147483648" r:id="rId1"/>
   </p:sldMasterIdLst>
   <p:notesMasterIdLst>
-    <p:notesMasterId r:id="rId36"/>
+    <p:notesMasterId r:id="rId44"/>
   </p:notesMasterIdLst>
   <p:sldIdLst>
     <p:sldId id="256" r:id="rId2"/>
@@ -41,7 +41,15 @@
     <p:sldId id="286" r:id="rId32"/>
     <p:sldId id="287" r:id="rId33"/>
     <p:sldId id="288" r:id="rId34"/>
-    <p:sldId id="258" r:id="rId35"/>
+    <p:sldId id="293" r:id="rId35"/>
+    <p:sldId id="294" r:id="rId36"/>
+    <p:sldId id="292" r:id="rId37"/>
+    <p:sldId id="298" r:id="rId38"/>
+    <p:sldId id="296" r:id="rId39"/>
+    <p:sldId id="295" r:id="rId40"/>
+    <p:sldId id="297" r:id="rId41"/>
+    <p:sldId id="299" r:id="rId42"/>
+    <p:sldId id="258" r:id="rId43"/>
   </p:sldIdLst>
   <p:sldSz cx="12192000" cy="6858000"/>
   <p:notesSz cx="6858000" cy="9144000"/>
@@ -230,7 +238,7 @@
           <a:p>
             <a:fld id="{45B90A11-B180-4F83-93F9-042F493DCDF8}" type="datetimeFigureOut">
               <a:rPr lang="en-US" smtClean="0"/>
-              <a:t>4/29/2020</a:t>
+              <a:t>5/2/2020</a:t>
             </a:fld>
             <a:endParaRPr lang="en-US"/>
           </a:p>
@@ -713,7 +721,7 @@
           <a:p>
             <a:fld id="{C2DA0242-D9EE-432E-84F8-92753C2C1265}" type="datetimeFigureOut">
               <a:rPr lang="en-US" smtClean="0"/>
-              <a:t>4/29/2020</a:t>
+              <a:t>5/2/2020</a:t>
             </a:fld>
             <a:endParaRPr lang="en-US"/>
           </a:p>
@@ -883,7 +891,7 @@
           <a:p>
             <a:fld id="{C2DA0242-D9EE-432E-84F8-92753C2C1265}" type="datetimeFigureOut">
               <a:rPr lang="en-US" smtClean="0"/>
-              <a:t>4/29/2020</a:t>
+              <a:t>5/2/2020</a:t>
             </a:fld>
             <a:endParaRPr lang="en-US"/>
           </a:p>
@@ -1063,7 +1071,7 @@
           <a:p>
             <a:fld id="{C2DA0242-D9EE-432E-84F8-92753C2C1265}" type="datetimeFigureOut">
               <a:rPr lang="en-US" smtClean="0"/>
-              <a:t>4/29/2020</a:t>
+              <a:t>5/2/2020</a:t>
             </a:fld>
             <a:endParaRPr lang="en-US"/>
           </a:p>
@@ -1233,7 +1241,7 @@
           <a:p>
             <a:fld id="{C2DA0242-D9EE-432E-84F8-92753C2C1265}" type="datetimeFigureOut">
               <a:rPr lang="en-US" smtClean="0"/>
-              <a:t>4/29/2020</a:t>
+              <a:t>5/2/2020</a:t>
             </a:fld>
             <a:endParaRPr lang="en-US"/>
           </a:p>
@@ -1479,7 +1487,7 @@
           <a:p>
             <a:fld id="{C2DA0242-D9EE-432E-84F8-92753C2C1265}" type="datetimeFigureOut">
               <a:rPr lang="en-US" smtClean="0"/>
-              <a:t>4/29/2020</a:t>
+              <a:t>5/2/2020</a:t>
             </a:fld>
             <a:endParaRPr lang="en-US"/>
           </a:p>
@@ -1711,7 +1719,7 @@
           <a:p>
             <a:fld id="{C2DA0242-D9EE-432E-84F8-92753C2C1265}" type="datetimeFigureOut">
               <a:rPr lang="en-US" smtClean="0"/>
-              <a:t>4/29/2020</a:t>
+              <a:t>5/2/2020</a:t>
             </a:fld>
             <a:endParaRPr lang="en-US"/>
           </a:p>
@@ -2078,7 +2086,7 @@
           <a:p>
             <a:fld id="{C2DA0242-D9EE-432E-84F8-92753C2C1265}" type="datetimeFigureOut">
               <a:rPr lang="en-US" smtClean="0"/>
-              <a:t>4/29/2020</a:t>
+              <a:t>5/2/2020</a:t>
             </a:fld>
             <a:endParaRPr lang="en-US"/>
           </a:p>
@@ -2196,7 +2204,7 @@
           <a:p>
             <a:fld id="{C2DA0242-D9EE-432E-84F8-92753C2C1265}" type="datetimeFigureOut">
               <a:rPr lang="en-US" smtClean="0"/>
-              <a:t>4/29/2020</a:t>
+              <a:t>5/2/2020</a:t>
             </a:fld>
             <a:endParaRPr lang="en-US"/>
           </a:p>
@@ -2291,7 +2299,7 @@
           <a:p>
             <a:fld id="{C2DA0242-D9EE-432E-84F8-92753C2C1265}" type="datetimeFigureOut">
               <a:rPr lang="en-US" smtClean="0"/>
-              <a:t>4/29/2020</a:t>
+              <a:t>5/2/2020</a:t>
             </a:fld>
             <a:endParaRPr lang="en-US"/>
           </a:p>
@@ -2568,7 +2576,7 @@
           <a:p>
             <a:fld id="{C2DA0242-D9EE-432E-84F8-92753C2C1265}" type="datetimeFigureOut">
               <a:rPr lang="en-US" smtClean="0"/>
-              <a:t>4/29/2020</a:t>
+              <a:t>5/2/2020</a:t>
             </a:fld>
             <a:endParaRPr lang="en-US"/>
           </a:p>
@@ -2821,7 +2829,7 @@
           <a:p>
             <a:fld id="{C2DA0242-D9EE-432E-84F8-92753C2C1265}" type="datetimeFigureOut">
               <a:rPr lang="en-US" smtClean="0"/>
-              <a:t>4/29/2020</a:t>
+              <a:t>5/2/2020</a:t>
             </a:fld>
             <a:endParaRPr lang="en-US"/>
           </a:p>
@@ -3039,7 +3047,7 @@
           <a:p>
             <a:fld id="{C2DA0242-D9EE-432E-84F8-92753C2C1265}" type="datetimeFigureOut">
               <a:rPr lang="en-US" smtClean="0"/>
-              <a:t>4/29/2020</a:t>
+              <a:t>5/2/2020</a:t>
             </a:fld>
             <a:endParaRPr lang="en-US"/>
           </a:p>
@@ -33472,6 +33480,38 @@
           </a:p>
         </p:txBody>
       </p:sp>
+      <p:sp>
+        <p:nvSpPr>
+          <p:cNvPr id="387" name="Rectangle 386"/>
+          <p:cNvSpPr/>
+          <p:nvPr/>
+        </p:nvSpPr>
+        <p:spPr>
+          <a:xfrm>
+            <a:off x="7889" y="947079"/>
+            <a:ext cx="487634" cy="369332"/>
+          </a:xfrm>
+          <a:prstGeom prst="rect">
+            <a:avLst/>
+          </a:prstGeom>
+        </p:spPr>
+        <p:txBody>
+          <a:bodyPr wrap="none">
+            <a:spAutoFit/>
+          </a:bodyPr>
+          <a:lstStyle/>
+          <a:p>
+            <a:r>
+              <a:rPr lang="en-US" b="1" smtClean="0">
+                <a:latin typeface="MV Boli" panose="02000500030200090000" pitchFamily="2" charset="0"/>
+                <a:cs typeface="MV Boli" panose="02000500030200090000" pitchFamily="2" charset="0"/>
+              </a:rPr>
+              <a:t>bit</a:t>
+            </a:r>
+            <a:endParaRPr lang="en-US" dirty="0"/>
+          </a:p>
+        </p:txBody>
+      </p:sp>
     </p:spTree>
     <p:extLst>
       <p:ext uri="{BB962C8B-B14F-4D97-AF65-F5344CB8AC3E}">
@@ -39479,7 +39519,6 @@
               <a:rPr lang="en-US" dirty="0"/>
               <a:t>1</a:t>
             </a:r>
-            <a:endParaRPr lang="en-US" dirty="0"/>
           </a:p>
         </p:txBody>
       </p:sp>
@@ -39651,7 +39690,6 @@
               <a:rPr lang="en-US" dirty="0"/>
               <a:t>1</a:t>
             </a:r>
-            <a:endParaRPr lang="en-US" dirty="0"/>
           </a:p>
         </p:txBody>
       </p:sp>
@@ -39782,7 +39820,6 @@
               <a:rPr lang="en-US" dirty="0"/>
               <a:t>1</a:t>
             </a:r>
-            <a:endParaRPr lang="en-US" dirty="0"/>
           </a:p>
         </p:txBody>
       </p:sp>
@@ -39954,7 +39991,6 @@
               <a:rPr lang="en-US" dirty="0"/>
               <a:t>1</a:t>
             </a:r>
-            <a:endParaRPr lang="en-US" dirty="0"/>
           </a:p>
         </p:txBody>
       </p:sp>
@@ -40127,7 +40163,6 @@
               <a:rPr lang="en-US" dirty="0"/>
               <a:t>1</a:t>
             </a:r>
-            <a:endParaRPr lang="en-US" dirty="0"/>
           </a:p>
         </p:txBody>
       </p:sp>
@@ -40169,7 +40204,6 @@
               <a:rPr lang="en-US" dirty="0"/>
               <a:t>1</a:t>
             </a:r>
-            <a:endParaRPr lang="en-US" dirty="0"/>
           </a:p>
         </p:txBody>
       </p:sp>
@@ -40299,7 +40333,6 @@
               <a:rPr lang="en-US" dirty="0"/>
               <a:t>1</a:t>
             </a:r>
-            <a:endParaRPr lang="en-US" dirty="0"/>
           </a:p>
         </p:txBody>
       </p:sp>
@@ -40341,7 +40374,6 @@
               <a:rPr lang="en-US" dirty="0"/>
               <a:t>1</a:t>
             </a:r>
-            <a:endParaRPr lang="en-US" dirty="0"/>
           </a:p>
         </p:txBody>
       </p:sp>
@@ -40430,7 +40462,6 @@
               <a:rPr lang="en-US" dirty="0"/>
               <a:t>1</a:t>
             </a:r>
-            <a:endParaRPr lang="en-US" dirty="0"/>
           </a:p>
         </p:txBody>
       </p:sp>
@@ -40602,7 +40633,6 @@
               <a:rPr lang="en-US" dirty="0"/>
               <a:t>1</a:t>
             </a:r>
-            <a:endParaRPr lang="en-US" dirty="0"/>
           </a:p>
         </p:txBody>
       </p:sp>
@@ -40775,7 +40805,6 @@
               <a:rPr lang="en-US" dirty="0"/>
               <a:t>1</a:t>
             </a:r>
-            <a:endParaRPr lang="en-US" dirty="0"/>
           </a:p>
         </p:txBody>
       </p:sp>
@@ -40859,7 +40888,6 @@
               <a:rPr lang="en-US" dirty="0"/>
               <a:t>1</a:t>
             </a:r>
-            <a:endParaRPr lang="en-US" dirty="0"/>
           </a:p>
         </p:txBody>
       </p:sp>
@@ -40947,7 +40975,6 @@
               <a:rPr lang="en-US" dirty="0"/>
               <a:t>1</a:t>
             </a:r>
-            <a:endParaRPr lang="en-US" dirty="0"/>
           </a:p>
         </p:txBody>
       </p:sp>
@@ -41031,7 +41058,6 @@
               <a:rPr lang="en-US" dirty="0"/>
               <a:t>1</a:t>
             </a:r>
-            <a:endParaRPr lang="en-US" dirty="0"/>
           </a:p>
         </p:txBody>
       </p:sp>
@@ -41120,7 +41146,6 @@
               <a:rPr lang="en-US" dirty="0"/>
               <a:t>1</a:t>
             </a:r>
-            <a:endParaRPr lang="en-US" dirty="0"/>
           </a:p>
         </p:txBody>
       </p:sp>
@@ -41162,7 +41187,6 @@
               <a:rPr lang="en-US" dirty="0"/>
               <a:t>1</a:t>
             </a:r>
-            <a:endParaRPr lang="en-US" dirty="0"/>
           </a:p>
         </p:txBody>
       </p:sp>
@@ -41292,7 +41316,6 @@
               <a:rPr lang="en-US" dirty="0"/>
               <a:t>1</a:t>
             </a:r>
-            <a:endParaRPr lang="en-US" dirty="0"/>
           </a:p>
         </p:txBody>
       </p:sp>
@@ -41334,7 +41357,6 @@
               <a:rPr lang="en-US" dirty="0"/>
               <a:t>1</a:t>
             </a:r>
-            <a:endParaRPr lang="en-US" dirty="0"/>
           </a:p>
         </p:txBody>
       </p:sp>
@@ -41465,7 +41487,6 @@
               <a:rPr lang="en-US" dirty="0"/>
               <a:t>1</a:t>
             </a:r>
-            <a:endParaRPr lang="en-US" dirty="0"/>
           </a:p>
         </p:txBody>
       </p:sp>
@@ -41507,7 +41528,6 @@
               <a:rPr lang="en-US" dirty="0"/>
               <a:t>1</a:t>
             </a:r>
-            <a:endParaRPr lang="en-US" dirty="0"/>
           </a:p>
         </p:txBody>
       </p:sp>
@@ -41549,7 +41569,6 @@
               <a:rPr lang="en-US" dirty="0"/>
               <a:t>1</a:t>
             </a:r>
-            <a:endParaRPr lang="en-US" dirty="0"/>
           </a:p>
         </p:txBody>
       </p:sp>
@@ -41637,7 +41656,6 @@
               <a:rPr lang="en-US" dirty="0"/>
               <a:t>1</a:t>
             </a:r>
-            <a:endParaRPr lang="en-US" dirty="0"/>
           </a:p>
         </p:txBody>
       </p:sp>
@@ -41679,7 +41697,6 @@
               <a:rPr lang="en-US" dirty="0"/>
               <a:t>1</a:t>
             </a:r>
-            <a:endParaRPr lang="en-US" dirty="0"/>
           </a:p>
         </p:txBody>
       </p:sp>
@@ -41721,7 +41738,6 @@
               <a:rPr lang="en-US" dirty="0"/>
               <a:t>1</a:t>
             </a:r>
-            <a:endParaRPr lang="en-US" dirty="0"/>
           </a:p>
         </p:txBody>
       </p:sp>
@@ -42421,6 +42437,975 @@
 </file>
 
 <file path=ppt/slides/slide34.xml><?xml version="1.0" encoding="utf-8"?>
+<p:sld xmlns:a="http://schemas.openxmlformats.org/drawingml/2006/main" xmlns:r="http://schemas.openxmlformats.org/officeDocument/2006/relationships" xmlns:p="http://schemas.openxmlformats.org/presentationml/2006/main">
+  <p:cSld>
+    <p:spTree>
+      <p:nvGrpSpPr>
+        <p:cNvPr id="1" name=""/>
+        <p:cNvGrpSpPr/>
+        <p:nvPr/>
+      </p:nvGrpSpPr>
+      <p:grpSpPr>
+        <a:xfrm>
+          <a:off x="0" y="0"/>
+          <a:ext cx="0" cy="0"/>
+          <a:chOff x="0" y="0"/>
+          <a:chExt cx="0" cy="0"/>
+        </a:xfrm>
+      </p:grpSpPr>
+      <p:pic>
+        <p:nvPicPr>
+          <p:cNvPr id="2" name="Picture 1"/>
+          <p:cNvPicPr>
+            <a:picLocks noChangeAspect="1"/>
+          </p:cNvPicPr>
+          <p:nvPr/>
+        </p:nvPicPr>
+        <p:blipFill>
+          <a:blip r:embed="rId2" cstate="print">
+            <a:extLst>
+              <a:ext uri="{28A0092B-C50C-407E-A947-70E740481C1C}">
+                <a14:useLocalDpi xmlns:a14="http://schemas.microsoft.com/office/drawing/2010/main" val="0"/>
+              </a:ext>
+            </a:extLst>
+          </a:blip>
+          <a:stretch>
+            <a:fillRect/>
+          </a:stretch>
+        </p:blipFill>
+        <p:spPr>
+          <a:xfrm>
+            <a:off x="854912" y="1655180"/>
+            <a:ext cx="10172050" cy="4745619"/>
+          </a:xfrm>
+          <a:prstGeom prst="rect">
+            <a:avLst/>
+          </a:prstGeom>
+        </p:spPr>
+      </p:pic>
+      <p:sp>
+        <p:nvSpPr>
+          <p:cNvPr id="3" name="Rectangle 2"/>
+          <p:cNvSpPr/>
+          <p:nvPr/>
+        </p:nvSpPr>
+        <p:spPr>
+          <a:xfrm>
+            <a:off x="2892937" y="339486"/>
+            <a:ext cx="6096000" cy="1107996"/>
+          </a:xfrm>
+          <a:prstGeom prst="rect">
+            <a:avLst/>
+          </a:prstGeom>
+        </p:spPr>
+        <p:txBody>
+          <a:bodyPr>
+            <a:spAutoFit/>
+          </a:bodyPr>
+          <a:lstStyle/>
+          <a:p>
+            <a:pPr algn="ctr"/>
+            <a:r>
+              <a:rPr lang="en-US" sz="6600" b="1" dirty="0" smtClean="0">
+                <a:solidFill>
+                  <a:schemeClr val="accent1">
+                    <a:lumMod val="75000"/>
+                  </a:schemeClr>
+                </a:solidFill>
+              </a:rPr>
+              <a:t>Operators</a:t>
+            </a:r>
+            <a:endParaRPr lang="en-US" sz="6600" b="1" dirty="0">
+              <a:solidFill>
+                <a:schemeClr val="accent1">
+                  <a:lumMod val="75000"/>
+                </a:schemeClr>
+              </a:solidFill>
+            </a:endParaRPr>
+          </a:p>
+        </p:txBody>
+      </p:sp>
+    </p:spTree>
+    <p:extLst>
+      <p:ext uri="{BB962C8B-B14F-4D97-AF65-F5344CB8AC3E}">
+        <p14:creationId xmlns:p14="http://schemas.microsoft.com/office/powerpoint/2010/main" val="1183817612"/>
+      </p:ext>
+    </p:extLst>
+  </p:cSld>
+  <p:clrMapOvr>
+    <a:masterClrMapping/>
+  </p:clrMapOvr>
+</p:sld>
+</file>
+
+<file path=ppt/slides/slide35.xml><?xml version="1.0" encoding="utf-8"?>
+<p:sld xmlns:a="http://schemas.openxmlformats.org/drawingml/2006/main" xmlns:r="http://schemas.openxmlformats.org/officeDocument/2006/relationships" xmlns:p="http://schemas.openxmlformats.org/presentationml/2006/main">
+  <p:cSld>
+    <p:spTree>
+      <p:nvGrpSpPr>
+        <p:cNvPr id="1" name=""/>
+        <p:cNvGrpSpPr/>
+        <p:nvPr/>
+      </p:nvGrpSpPr>
+      <p:grpSpPr>
+        <a:xfrm>
+          <a:off x="0" y="0"/>
+          <a:ext cx="0" cy="0"/>
+          <a:chOff x="0" y="0"/>
+          <a:chExt cx="0" cy="0"/>
+        </a:xfrm>
+      </p:grpSpPr>
+      <p:pic>
+        <p:nvPicPr>
+          <p:cNvPr id="2" name="Picture 1"/>
+          <p:cNvPicPr>
+            <a:picLocks noChangeAspect="1"/>
+          </p:cNvPicPr>
+          <p:nvPr/>
+        </p:nvPicPr>
+        <p:blipFill>
+          <a:blip r:embed="rId2">
+            <a:extLst>
+              <a:ext uri="{28A0092B-C50C-407E-A947-70E740481C1C}">
+                <a14:useLocalDpi xmlns:a14="http://schemas.microsoft.com/office/drawing/2010/main" val="0"/>
+              </a:ext>
+            </a:extLst>
+          </a:blip>
+          <a:stretch>
+            <a:fillRect/>
+          </a:stretch>
+        </p:blipFill>
+        <p:spPr>
+          <a:xfrm>
+            <a:off x="0" y="0"/>
+            <a:ext cx="5984110" cy="6944810"/>
+          </a:xfrm>
+          <a:prstGeom prst="rect">
+            <a:avLst/>
+          </a:prstGeom>
+        </p:spPr>
+      </p:pic>
+      <p:sp>
+        <p:nvSpPr>
+          <p:cNvPr id="5" name="Rectangle 4"/>
+          <p:cNvSpPr/>
+          <p:nvPr/>
+        </p:nvSpPr>
+        <p:spPr>
+          <a:xfrm>
+            <a:off x="6323636" y="366008"/>
+            <a:ext cx="5065853" cy="5755422"/>
+          </a:xfrm>
+          <a:prstGeom prst="rect">
+            <a:avLst/>
+          </a:prstGeom>
+        </p:spPr>
+        <p:txBody>
+          <a:bodyPr wrap="square">
+            <a:spAutoFit/>
+          </a:bodyPr>
+          <a:lstStyle/>
+          <a:p>
+            <a:r>
+              <a:rPr lang="en-US" sz="4000" b="1" dirty="0" smtClean="0">
+                <a:solidFill>
+                  <a:srgbClr val="FF0000"/>
+                </a:solidFill>
+              </a:rPr>
+              <a:t>Operators</a:t>
+            </a:r>
+          </a:p>
+          <a:p>
+            <a:endParaRPr lang="en-US" sz="4000" b="1" dirty="0" smtClean="0">
+              <a:solidFill>
+                <a:srgbClr val="FF0000"/>
+              </a:solidFill>
+            </a:endParaRPr>
+          </a:p>
+          <a:p>
+            <a:r>
+              <a:rPr lang="en-US" sz="3200" b="1" dirty="0" smtClean="0"/>
+              <a:t>Arithmetic Operators</a:t>
+            </a:r>
+            <a:endParaRPr lang="en-US" sz="3200" b="1" dirty="0"/>
+          </a:p>
+          <a:p>
+            <a:r>
+              <a:rPr lang="en-US" sz="3200" b="1" dirty="0"/>
+              <a:t>Assignment Operator</a:t>
+            </a:r>
+          </a:p>
+          <a:p>
+            <a:r>
+              <a:rPr lang="en-US" sz="3200" b="1" dirty="0"/>
+              <a:t>Relational Operators</a:t>
+            </a:r>
+          </a:p>
+          <a:p>
+            <a:r>
+              <a:rPr lang="en-US" sz="3200" b="1" dirty="0"/>
+              <a:t>Logical </a:t>
+            </a:r>
+            <a:r>
+              <a:rPr lang="en-US" sz="3200" b="1" dirty="0" smtClean="0"/>
+              <a:t>Operators</a:t>
+            </a:r>
+          </a:p>
+          <a:p>
+            <a:r>
+              <a:rPr lang="en-US" sz="3200" b="1" dirty="0" smtClean="0"/>
+              <a:t>Condition Operator</a:t>
+            </a:r>
+          </a:p>
+          <a:p>
+            <a:r>
+              <a:rPr lang="en-US" sz="3200" b="1" dirty="0" smtClean="0"/>
+              <a:t>Bitwise Operators</a:t>
+            </a:r>
+          </a:p>
+          <a:p>
+            <a:r>
+              <a:rPr lang="en-US" sz="3200" b="1" dirty="0"/>
+              <a:t>M</a:t>
+            </a:r>
+            <a:r>
+              <a:rPr lang="en-US" sz="3200" b="1" dirty="0" smtClean="0"/>
+              <a:t>iscellaneous </a:t>
+            </a:r>
+            <a:r>
+              <a:rPr lang="en-US" sz="3200" b="1" dirty="0"/>
+              <a:t>operators</a:t>
+            </a:r>
+            <a:endParaRPr lang="en-US" sz="3200" b="1" dirty="0" smtClean="0"/>
+          </a:p>
+          <a:p>
+            <a:endParaRPr lang="en-US" sz="3200" b="1" dirty="0" smtClean="0">
+              <a:solidFill>
+                <a:srgbClr val="FF0000"/>
+              </a:solidFill>
+            </a:endParaRPr>
+          </a:p>
+          <a:p>
+            <a:r>
+              <a:rPr lang="en-US" sz="3200" b="1" dirty="0" smtClean="0">
+                <a:solidFill>
+                  <a:srgbClr val="FF0000"/>
+                </a:solidFill>
+              </a:rPr>
+              <a:t>Based on Operation</a:t>
+            </a:r>
+            <a:endParaRPr lang="en-US" sz="3200" b="1" dirty="0">
+              <a:solidFill>
+                <a:srgbClr val="FF0000"/>
+              </a:solidFill>
+            </a:endParaRPr>
+          </a:p>
+        </p:txBody>
+      </p:sp>
+    </p:spTree>
+    <p:extLst>
+      <p:ext uri="{BB962C8B-B14F-4D97-AF65-F5344CB8AC3E}">
+        <p14:creationId xmlns:p14="http://schemas.microsoft.com/office/powerpoint/2010/main" val="2922152477"/>
+      </p:ext>
+    </p:extLst>
+  </p:cSld>
+  <p:clrMapOvr>
+    <a:masterClrMapping/>
+  </p:clrMapOvr>
+</p:sld>
+</file>
+
+<file path=ppt/slides/slide36.xml><?xml version="1.0" encoding="utf-8"?>
+<p:sld xmlns:a="http://schemas.openxmlformats.org/drawingml/2006/main" xmlns:r="http://schemas.openxmlformats.org/officeDocument/2006/relationships" xmlns:p="http://schemas.openxmlformats.org/presentationml/2006/main">
+  <p:cSld>
+    <p:spTree>
+      <p:nvGrpSpPr>
+        <p:cNvPr id="1" name=""/>
+        <p:cNvGrpSpPr/>
+        <p:nvPr/>
+      </p:nvGrpSpPr>
+      <p:grpSpPr>
+        <a:xfrm>
+          <a:off x="0" y="0"/>
+          <a:ext cx="0" cy="0"/>
+          <a:chOff x="0" y="0"/>
+          <a:chExt cx="0" cy="0"/>
+        </a:xfrm>
+      </p:grpSpPr>
+      <p:pic>
+        <p:nvPicPr>
+          <p:cNvPr id="2" name="Picture 1"/>
+          <p:cNvPicPr>
+            <a:picLocks noChangeAspect="1"/>
+          </p:cNvPicPr>
+          <p:nvPr/>
+        </p:nvPicPr>
+        <p:blipFill>
+          <a:blip r:embed="rId2"/>
+          <a:stretch>
+            <a:fillRect/>
+          </a:stretch>
+        </p:blipFill>
+        <p:spPr>
+          <a:xfrm>
+            <a:off x="439838" y="0"/>
+            <a:ext cx="5660020" cy="6858000"/>
+          </a:xfrm>
+          <a:prstGeom prst="rect">
+            <a:avLst/>
+          </a:prstGeom>
+        </p:spPr>
+      </p:pic>
+      <p:pic>
+        <p:nvPicPr>
+          <p:cNvPr id="3" name="Picture 2"/>
+          <p:cNvPicPr>
+            <a:picLocks noChangeAspect="1"/>
+          </p:cNvPicPr>
+          <p:nvPr/>
+        </p:nvPicPr>
+        <p:blipFill>
+          <a:blip r:embed="rId3"/>
+          <a:stretch>
+            <a:fillRect/>
+          </a:stretch>
+        </p:blipFill>
+        <p:spPr>
+          <a:xfrm>
+            <a:off x="6714462" y="0"/>
+            <a:ext cx="5477538" cy="6858000"/>
+          </a:xfrm>
+          <a:prstGeom prst="rect">
+            <a:avLst/>
+          </a:prstGeom>
+        </p:spPr>
+      </p:pic>
+    </p:spTree>
+    <p:extLst>
+      <p:ext uri="{BB962C8B-B14F-4D97-AF65-F5344CB8AC3E}">
+        <p14:creationId xmlns:p14="http://schemas.microsoft.com/office/powerpoint/2010/main" val="3210903323"/>
+      </p:ext>
+    </p:extLst>
+  </p:cSld>
+  <p:clrMapOvr>
+    <a:masterClrMapping/>
+  </p:clrMapOvr>
+</p:sld>
+</file>
+
+<file path=ppt/slides/slide37.xml><?xml version="1.0" encoding="utf-8"?>
+<p:sld xmlns:a="http://schemas.openxmlformats.org/drawingml/2006/main" xmlns:r="http://schemas.openxmlformats.org/officeDocument/2006/relationships" xmlns:p="http://schemas.openxmlformats.org/presentationml/2006/main">
+  <p:cSld>
+    <p:spTree>
+      <p:nvGrpSpPr>
+        <p:cNvPr id="1" name=""/>
+        <p:cNvGrpSpPr/>
+        <p:nvPr/>
+      </p:nvGrpSpPr>
+      <p:grpSpPr>
+        <a:xfrm>
+          <a:off x="0" y="0"/>
+          <a:ext cx="0" cy="0"/>
+          <a:chOff x="0" y="0"/>
+          <a:chExt cx="0" cy="0"/>
+        </a:xfrm>
+      </p:grpSpPr>
+      <p:sp>
+        <p:nvSpPr>
+          <p:cNvPr id="2" name="Rectangle 1"/>
+          <p:cNvSpPr/>
+          <p:nvPr/>
+        </p:nvSpPr>
+        <p:spPr>
+          <a:xfrm>
+            <a:off x="0" y="474564"/>
+            <a:ext cx="12192000" cy="954107"/>
+          </a:xfrm>
+          <a:prstGeom prst="rect">
+            <a:avLst/>
+          </a:prstGeom>
+        </p:spPr>
+        <p:txBody>
+          <a:bodyPr wrap="square">
+            <a:spAutoFit/>
+          </a:bodyPr>
+          <a:lstStyle/>
+          <a:p>
+            <a:pPr algn="ctr"/>
+            <a:endParaRPr lang="en-US" sz="2800" b="1" dirty="0" smtClean="0">
+              <a:solidFill>
+                <a:srgbClr val="FF0000"/>
+              </a:solidFill>
+            </a:endParaRPr>
+          </a:p>
+          <a:p>
+            <a:pPr algn="ctr"/>
+            <a:endParaRPr lang="en-US" sz="2800" b="1" dirty="0">
+              <a:solidFill>
+                <a:srgbClr val="FF0000"/>
+              </a:solidFill>
+            </a:endParaRPr>
+          </a:p>
+        </p:txBody>
+      </p:sp>
+    </p:spTree>
+    <p:extLst>
+      <p:ext uri="{BB962C8B-B14F-4D97-AF65-F5344CB8AC3E}">
+        <p14:creationId xmlns:p14="http://schemas.microsoft.com/office/powerpoint/2010/main" val="2499472317"/>
+      </p:ext>
+    </p:extLst>
+  </p:cSld>
+  <p:clrMapOvr>
+    <a:masterClrMapping/>
+  </p:clrMapOvr>
+</p:sld>
+</file>
+
+<file path=ppt/slides/slide38.xml><?xml version="1.0" encoding="utf-8"?>
+<p:sld xmlns:a="http://schemas.openxmlformats.org/drawingml/2006/main" xmlns:r="http://schemas.openxmlformats.org/officeDocument/2006/relationships" xmlns:p="http://schemas.openxmlformats.org/presentationml/2006/main">
+  <p:cSld>
+    <p:spTree>
+      <p:nvGrpSpPr>
+        <p:cNvPr id="1" name=""/>
+        <p:cNvGrpSpPr/>
+        <p:nvPr/>
+      </p:nvGrpSpPr>
+      <p:grpSpPr>
+        <a:xfrm>
+          <a:off x="0" y="0"/>
+          <a:ext cx="0" cy="0"/>
+          <a:chOff x="0" y="0"/>
+          <a:chExt cx="0" cy="0"/>
+        </a:xfrm>
+      </p:grpSpPr>
+      <p:sp>
+        <p:nvSpPr>
+          <p:cNvPr id="3" name="Rectangle 2"/>
+          <p:cNvSpPr/>
+          <p:nvPr/>
+        </p:nvSpPr>
+        <p:spPr>
+          <a:xfrm>
+            <a:off x="0" y="474564"/>
+            <a:ext cx="12192000" cy="954107"/>
+          </a:xfrm>
+          <a:prstGeom prst="rect">
+            <a:avLst/>
+          </a:prstGeom>
+        </p:spPr>
+        <p:txBody>
+          <a:bodyPr wrap="square">
+            <a:spAutoFit/>
+          </a:bodyPr>
+          <a:lstStyle/>
+          <a:p>
+            <a:pPr algn="ctr"/>
+            <a:r>
+              <a:rPr lang="en-US" sz="2800" b="1" dirty="0" smtClean="0">
+                <a:solidFill>
+                  <a:srgbClr val="FF0000"/>
+                </a:solidFill>
+              </a:rPr>
+              <a:t>4 * 2 / 4</a:t>
+            </a:r>
+          </a:p>
+          <a:p>
+            <a:pPr algn="ctr"/>
+            <a:endParaRPr lang="en-US" sz="2800" b="1" dirty="0">
+              <a:solidFill>
+                <a:srgbClr val="FF0000"/>
+              </a:solidFill>
+            </a:endParaRPr>
+          </a:p>
+        </p:txBody>
+      </p:sp>
+    </p:spTree>
+    <p:extLst>
+      <p:ext uri="{BB962C8B-B14F-4D97-AF65-F5344CB8AC3E}">
+        <p14:creationId xmlns:p14="http://schemas.microsoft.com/office/powerpoint/2010/main" val="3537842864"/>
+      </p:ext>
+    </p:extLst>
+  </p:cSld>
+  <p:clrMapOvr>
+    <a:masterClrMapping/>
+  </p:clrMapOvr>
+</p:sld>
+</file>
+
+<file path=ppt/slides/slide39.xml><?xml version="1.0" encoding="utf-8"?>
+<p:sld xmlns:a="http://schemas.openxmlformats.org/drawingml/2006/main" xmlns:r="http://schemas.openxmlformats.org/officeDocument/2006/relationships" xmlns:p="http://schemas.openxmlformats.org/presentationml/2006/main">
+  <p:cSld>
+    <p:spTree>
+      <p:nvGrpSpPr>
+        <p:cNvPr id="1" name=""/>
+        <p:cNvGrpSpPr/>
+        <p:nvPr/>
+      </p:nvGrpSpPr>
+      <p:grpSpPr>
+        <a:xfrm>
+          <a:off x="0" y="0"/>
+          <a:ext cx="0" cy="0"/>
+          <a:chOff x="0" y="0"/>
+          <a:chExt cx="0" cy="0"/>
+        </a:xfrm>
+      </p:grpSpPr>
+      <p:pic>
+        <p:nvPicPr>
+          <p:cNvPr id="2" name="Picture 1"/>
+          <p:cNvPicPr>
+            <a:picLocks noChangeAspect="1"/>
+          </p:cNvPicPr>
+          <p:nvPr/>
+        </p:nvPicPr>
+        <p:blipFill>
+          <a:blip r:embed="rId2" cstate="print">
+            <a:extLst>
+              <a:ext uri="{28A0092B-C50C-407E-A947-70E740481C1C}">
+                <a14:useLocalDpi xmlns:a14="http://schemas.microsoft.com/office/drawing/2010/main" val="0"/>
+              </a:ext>
+            </a:extLst>
+          </a:blip>
+          <a:stretch>
+            <a:fillRect/>
+          </a:stretch>
+        </p:blipFill>
+        <p:spPr>
+          <a:xfrm>
+            <a:off x="474562" y="554108"/>
+            <a:ext cx="4285673" cy="5482090"/>
+          </a:xfrm>
+          <a:prstGeom prst="rect">
+            <a:avLst/>
+          </a:prstGeom>
+        </p:spPr>
+      </p:pic>
+    </p:spTree>
+    <p:extLst>
+      <p:ext uri="{BB962C8B-B14F-4D97-AF65-F5344CB8AC3E}">
+        <p14:creationId xmlns:p14="http://schemas.microsoft.com/office/powerpoint/2010/main" val="291563793"/>
+      </p:ext>
+    </p:extLst>
+  </p:cSld>
+  <p:clrMapOvr>
+    <a:masterClrMapping/>
+  </p:clrMapOvr>
+</p:sld>
+</file>
+
+<file path=ppt/slides/slide4.xml><?xml version="1.0" encoding="utf-8"?>
+<p:sld xmlns:a="http://schemas.openxmlformats.org/drawingml/2006/main" xmlns:r="http://schemas.openxmlformats.org/officeDocument/2006/relationships" xmlns:p="http://schemas.openxmlformats.org/presentationml/2006/main">
+  <p:cSld>
+    <p:spTree>
+      <p:nvGrpSpPr>
+        <p:cNvPr id="1" name=""/>
+        <p:cNvGrpSpPr/>
+        <p:nvPr/>
+      </p:nvGrpSpPr>
+      <p:grpSpPr>
+        <a:xfrm>
+          <a:off x="0" y="0"/>
+          <a:ext cx="0" cy="0"/>
+          <a:chOff x="0" y="0"/>
+          <a:chExt cx="0" cy="0"/>
+        </a:xfrm>
+      </p:grpSpPr>
+      <p:pic>
+        <p:nvPicPr>
+          <p:cNvPr id="2" name="Picture 1"/>
+          <p:cNvPicPr>
+            <a:picLocks noChangeAspect="1"/>
+          </p:cNvPicPr>
+          <p:nvPr/>
+        </p:nvPicPr>
+        <p:blipFill>
+          <a:blip r:embed="rId2">
+            <a:extLst>
+              <a:ext uri="{28A0092B-C50C-407E-A947-70E740481C1C}">
+                <a14:useLocalDpi xmlns:a14="http://schemas.microsoft.com/office/drawing/2010/main" val="0"/>
+              </a:ext>
+            </a:extLst>
+          </a:blip>
+          <a:stretch>
+            <a:fillRect/>
+          </a:stretch>
+        </p:blipFill>
+        <p:spPr>
+          <a:xfrm>
+            <a:off x="937550" y="361871"/>
+            <a:ext cx="6481823" cy="5819946"/>
+          </a:xfrm>
+          <a:prstGeom prst="rect">
+            <a:avLst/>
+          </a:prstGeom>
+        </p:spPr>
+      </p:pic>
+      <p:sp>
+        <p:nvSpPr>
+          <p:cNvPr id="3" name="Rectangle 2"/>
+          <p:cNvSpPr/>
+          <p:nvPr/>
+        </p:nvSpPr>
+        <p:spPr>
+          <a:xfrm>
+            <a:off x="8957589" y="593731"/>
+            <a:ext cx="2214068" cy="1384995"/>
+          </a:xfrm>
+          <a:prstGeom prst="rect">
+            <a:avLst/>
+          </a:prstGeom>
+        </p:spPr>
+        <p:txBody>
+          <a:bodyPr wrap="none">
+            <a:spAutoFit/>
+          </a:bodyPr>
+          <a:lstStyle/>
+          <a:p>
+            <a:r>
+              <a:rPr lang="en-US" sz="2800" b="1" dirty="0" smtClean="0"/>
+              <a:t>Unary  -&gt; 	1</a:t>
+            </a:r>
+          </a:p>
+          <a:p>
+            <a:r>
+              <a:rPr lang="en-US" sz="2800" b="1" dirty="0" smtClean="0"/>
+              <a:t>Binary -&gt; 	2</a:t>
+            </a:r>
+            <a:endParaRPr lang="en-US" sz="2800" b="1" dirty="0"/>
+          </a:p>
+          <a:p>
+            <a:r>
+              <a:rPr lang="en-US" sz="2800" b="1" dirty="0" smtClean="0"/>
+              <a:t>Ternary -&gt; 	3</a:t>
+            </a:r>
+            <a:endParaRPr lang="en-US" sz="2800" b="1" dirty="0"/>
+          </a:p>
+        </p:txBody>
+      </p:sp>
+      <p:pic>
+        <p:nvPicPr>
+          <p:cNvPr id="4" name="Picture 3"/>
+          <p:cNvPicPr>
+            <a:picLocks noChangeAspect="1"/>
+          </p:cNvPicPr>
+          <p:nvPr/>
+        </p:nvPicPr>
+        <p:blipFill>
+          <a:blip r:embed="rId3">
+            <a:extLst>
+              <a:ext uri="{28A0092B-C50C-407E-A947-70E740481C1C}">
+                <a14:useLocalDpi xmlns:a14="http://schemas.microsoft.com/office/drawing/2010/main" val="0"/>
+              </a:ext>
+            </a:extLst>
+          </a:blip>
+          <a:stretch>
+            <a:fillRect/>
+          </a:stretch>
+        </p:blipFill>
+        <p:spPr>
+          <a:xfrm>
+            <a:off x="8957589" y="3185944"/>
+            <a:ext cx="2286000" cy="1079328"/>
+          </a:xfrm>
+          <a:prstGeom prst="rect">
+            <a:avLst/>
+          </a:prstGeom>
+        </p:spPr>
+      </p:pic>
+    </p:spTree>
+    <p:extLst>
+      <p:ext uri="{BB962C8B-B14F-4D97-AF65-F5344CB8AC3E}">
+        <p14:creationId xmlns:p14="http://schemas.microsoft.com/office/powerpoint/2010/main" val="579546704"/>
+      </p:ext>
+    </p:extLst>
+  </p:cSld>
+  <p:clrMapOvr>
+    <a:masterClrMapping/>
+  </p:clrMapOvr>
+</p:sld>
+</file>
+
+<file path=ppt/slides/slide40.xml><?xml version="1.0" encoding="utf-8"?>
+<p:sld xmlns:a="http://schemas.openxmlformats.org/drawingml/2006/main" xmlns:r="http://schemas.openxmlformats.org/officeDocument/2006/relationships" xmlns:p="http://schemas.openxmlformats.org/presentationml/2006/main">
+  <p:cSld>
+    <p:spTree>
+      <p:nvGrpSpPr>
+        <p:cNvPr id="1" name=""/>
+        <p:cNvGrpSpPr/>
+        <p:nvPr/>
+      </p:nvGrpSpPr>
+      <p:grpSpPr>
+        <a:xfrm>
+          <a:off x="0" y="0"/>
+          <a:ext cx="0" cy="0"/>
+          <a:chOff x="0" y="0"/>
+          <a:chExt cx="0" cy="0"/>
+        </a:xfrm>
+      </p:grpSpPr>
+      <p:sp>
+        <p:nvSpPr>
+          <p:cNvPr id="2" name="Rectangle 1"/>
+          <p:cNvSpPr/>
+          <p:nvPr/>
+        </p:nvSpPr>
+        <p:spPr>
+          <a:xfrm>
+            <a:off x="0" y="474564"/>
+            <a:ext cx="12192000" cy="4401205"/>
+          </a:xfrm>
+          <a:prstGeom prst="rect">
+            <a:avLst/>
+          </a:prstGeom>
+        </p:spPr>
+        <p:txBody>
+          <a:bodyPr wrap="square">
+            <a:spAutoFit/>
+          </a:bodyPr>
+          <a:lstStyle/>
+          <a:p>
+            <a:pPr algn="ctr"/>
+            <a:r>
+              <a:rPr lang="en-US" sz="2800" b="1" dirty="0">
+                <a:solidFill>
+                  <a:srgbClr val="FF0000"/>
+                </a:solidFill>
+              </a:rPr>
+              <a:t>4 / 4 % 2 + 3 – 5 + 7 % 1 % 8 – 0 * 3 % 4</a:t>
+            </a:r>
+          </a:p>
+          <a:p>
+            <a:pPr algn="ctr"/>
+            <a:r>
+              <a:rPr lang="en-US" sz="2800" b="1" dirty="0">
+                <a:solidFill>
+                  <a:srgbClr val="FF0000"/>
+                </a:solidFill>
+              </a:rPr>
+              <a:t>1% 2 + 3 – 5 + 7 % 1 % 8 – 0 * 3 % 4</a:t>
+            </a:r>
+          </a:p>
+          <a:p>
+            <a:pPr algn="ctr"/>
+            <a:r>
+              <a:rPr lang="en-US" sz="2800" b="1" dirty="0">
+                <a:solidFill>
+                  <a:srgbClr val="FF0000"/>
+                </a:solidFill>
+              </a:rPr>
+              <a:t>1 + 3 – 5 + 7 % 1 % 8 – 0 * 3 % 4</a:t>
+            </a:r>
+          </a:p>
+          <a:p>
+            <a:pPr algn="ctr"/>
+            <a:r>
+              <a:rPr lang="en-US" sz="2800" b="1" dirty="0">
+                <a:solidFill>
+                  <a:srgbClr val="FF0000"/>
+                </a:solidFill>
+              </a:rPr>
+              <a:t>1 + 3 – 5 + 0 – 0 * 3 % 4</a:t>
+            </a:r>
+          </a:p>
+          <a:p>
+            <a:pPr algn="ctr"/>
+            <a:r>
+              <a:rPr lang="en-US" sz="2800" b="1" dirty="0">
+                <a:solidFill>
+                  <a:srgbClr val="FF0000"/>
+                </a:solidFill>
+              </a:rPr>
+              <a:t>1 + 3 – 5 + 0 – 0 % 4</a:t>
+            </a:r>
+          </a:p>
+          <a:p>
+            <a:pPr algn="ctr"/>
+            <a:r>
+              <a:rPr lang="en-US" sz="2800" b="1" dirty="0">
+                <a:solidFill>
+                  <a:srgbClr val="FF0000"/>
+                </a:solidFill>
+              </a:rPr>
+              <a:t>1 + 3 – 5 + 0 – 0</a:t>
+            </a:r>
+          </a:p>
+          <a:p>
+            <a:pPr algn="ctr"/>
+            <a:r>
+              <a:rPr lang="en-US" sz="2800" b="1" dirty="0">
+                <a:solidFill>
+                  <a:srgbClr val="FF0000"/>
+                </a:solidFill>
+              </a:rPr>
+              <a:t>4 – 5 + 0 – 0</a:t>
+            </a:r>
+          </a:p>
+          <a:p>
+            <a:pPr algn="ctr"/>
+            <a:r>
+              <a:rPr lang="en-US" sz="2800" b="1" dirty="0">
+                <a:solidFill>
+                  <a:srgbClr val="FF0000"/>
+                </a:solidFill>
+              </a:rPr>
+              <a:t>-1 + 0 – </a:t>
+            </a:r>
+            <a:r>
+              <a:rPr lang="en-US" sz="2800" b="1" dirty="0" smtClean="0">
+                <a:solidFill>
+                  <a:srgbClr val="FF0000"/>
+                </a:solidFill>
+              </a:rPr>
+              <a:t>0</a:t>
+            </a:r>
+          </a:p>
+          <a:p>
+            <a:pPr algn="ctr"/>
+            <a:r>
+              <a:rPr lang="en-US" sz="2800" b="1" dirty="0">
+                <a:solidFill>
+                  <a:srgbClr val="FF0000"/>
+                </a:solidFill>
+              </a:rPr>
+              <a:t>-1-0</a:t>
+            </a:r>
+          </a:p>
+          <a:p>
+            <a:pPr algn="ctr"/>
+            <a:r>
+              <a:rPr lang="en-US" sz="2800" b="1" dirty="0" smtClean="0">
+                <a:solidFill>
+                  <a:srgbClr val="FF0000"/>
+                </a:solidFill>
+              </a:rPr>
+              <a:t>-1</a:t>
+            </a:r>
+            <a:endParaRPr lang="en-US" sz="2800" b="1" dirty="0">
+              <a:solidFill>
+                <a:srgbClr val="FF0000"/>
+              </a:solidFill>
+            </a:endParaRPr>
+          </a:p>
+        </p:txBody>
+      </p:sp>
+    </p:spTree>
+    <p:extLst>
+      <p:ext uri="{BB962C8B-B14F-4D97-AF65-F5344CB8AC3E}">
+        <p14:creationId xmlns:p14="http://schemas.microsoft.com/office/powerpoint/2010/main" val="2026411617"/>
+      </p:ext>
+    </p:extLst>
+  </p:cSld>
+  <p:clrMapOvr>
+    <a:masterClrMapping/>
+  </p:clrMapOvr>
+</p:sld>
+</file>
+
+<file path=ppt/slides/slide41.xml><?xml version="1.0" encoding="utf-8"?>
+<p:sld xmlns:a="http://schemas.openxmlformats.org/drawingml/2006/main" xmlns:r="http://schemas.openxmlformats.org/officeDocument/2006/relationships" xmlns:p="http://schemas.openxmlformats.org/presentationml/2006/main">
+  <p:cSld>
+    <p:spTree>
+      <p:nvGrpSpPr>
+        <p:cNvPr id="1" name=""/>
+        <p:cNvGrpSpPr/>
+        <p:nvPr/>
+      </p:nvGrpSpPr>
+      <p:grpSpPr>
+        <a:xfrm>
+          <a:off x="0" y="0"/>
+          <a:ext cx="0" cy="0"/>
+          <a:chOff x="0" y="0"/>
+          <a:chExt cx="0" cy="0"/>
+        </a:xfrm>
+      </p:grpSpPr>
+      <p:sp>
+        <p:nvSpPr>
+          <p:cNvPr id="2" name="Rectangle 1"/>
+          <p:cNvSpPr/>
+          <p:nvPr/>
+        </p:nvSpPr>
+        <p:spPr>
+          <a:xfrm>
+            <a:off x="2951543" y="250783"/>
+            <a:ext cx="1097665" cy="1068731"/>
+          </a:xfrm>
+          <a:prstGeom prst="rect">
+            <a:avLst/>
+          </a:prstGeom>
+        </p:spPr>
+        <p:style>
+          <a:lnRef idx="2">
+            <a:schemeClr val="dk1"/>
+          </a:lnRef>
+          <a:fillRef idx="1">
+            <a:schemeClr val="lt1"/>
+          </a:fillRef>
+          <a:effectRef idx="0">
+            <a:schemeClr val="dk1"/>
+          </a:effectRef>
+          <a:fontRef idx="minor">
+            <a:schemeClr val="dk1"/>
+          </a:fontRef>
+        </p:style>
+        <p:txBody>
+          <a:bodyPr rtlCol="0" anchor="ctr"/>
+          <a:lstStyle/>
+          <a:p>
+            <a:pPr algn="ctr"/>
+            <a:endParaRPr lang="en-US"/>
+          </a:p>
+        </p:txBody>
+      </p:sp>
+      <p:sp>
+        <p:nvSpPr>
+          <p:cNvPr id="3" name="Rectangle 2"/>
+          <p:cNvSpPr/>
+          <p:nvPr/>
+        </p:nvSpPr>
+        <p:spPr>
+          <a:xfrm>
+            <a:off x="7525474" y="250783"/>
+            <a:ext cx="1097665" cy="1068731"/>
+          </a:xfrm>
+          <a:prstGeom prst="rect">
+            <a:avLst/>
+          </a:prstGeom>
+        </p:spPr>
+        <p:style>
+          <a:lnRef idx="2">
+            <a:schemeClr val="dk1"/>
+          </a:lnRef>
+          <a:fillRef idx="1">
+            <a:schemeClr val="lt1"/>
+          </a:fillRef>
+          <a:effectRef idx="0">
+            <a:schemeClr val="dk1"/>
+          </a:effectRef>
+          <a:fontRef idx="minor">
+            <a:schemeClr val="dk1"/>
+          </a:fontRef>
+        </p:style>
+        <p:txBody>
+          <a:bodyPr rtlCol="0" anchor="ctr"/>
+          <a:lstStyle/>
+          <a:p>
+            <a:pPr algn="ctr"/>
+            <a:endParaRPr lang="en-US"/>
+          </a:p>
+        </p:txBody>
+      </p:sp>
+    </p:spTree>
+    <p:extLst>
+      <p:ext uri="{BB962C8B-B14F-4D97-AF65-F5344CB8AC3E}">
+        <p14:creationId xmlns:p14="http://schemas.microsoft.com/office/powerpoint/2010/main" val="2045756610"/>
+      </p:ext>
+    </p:extLst>
+  </p:cSld>
+  <p:clrMapOvr>
+    <a:masterClrMapping/>
+  </p:clrMapOvr>
+</p:sld>
+</file>
+
+<file path=ppt/slides/slide42.xml><?xml version="1.0" encoding="utf-8"?>
 <p:sld xmlns:a="http://schemas.openxmlformats.org/drawingml/2006/main" xmlns:r="http://schemas.openxmlformats.org/officeDocument/2006/relationships" xmlns:p="http://schemas.openxmlformats.org/presentationml/2006/main">
   <p:cSld>
     <p:spTree>
@@ -42568,138 +43553,6 @@
       <p:bldP spid="2" grpId="0"/>
     </p:bldLst>
   </p:timing>
-</p:sld>
-</file>
-
-<file path=ppt/slides/slide4.xml><?xml version="1.0" encoding="utf-8"?>
-<p:sld xmlns:a="http://schemas.openxmlformats.org/drawingml/2006/main" xmlns:r="http://schemas.openxmlformats.org/officeDocument/2006/relationships" xmlns:p="http://schemas.openxmlformats.org/presentationml/2006/main">
-  <p:cSld>
-    <p:spTree>
-      <p:nvGrpSpPr>
-        <p:cNvPr id="1" name=""/>
-        <p:cNvGrpSpPr/>
-        <p:nvPr/>
-      </p:nvGrpSpPr>
-      <p:grpSpPr>
-        <a:xfrm>
-          <a:off x="0" y="0"/>
-          <a:ext cx="0" cy="0"/>
-          <a:chOff x="0" y="0"/>
-          <a:chExt cx="0" cy="0"/>
-        </a:xfrm>
-      </p:grpSpPr>
-      <p:pic>
-        <p:nvPicPr>
-          <p:cNvPr id="2" name="Picture 1"/>
-          <p:cNvPicPr>
-            <a:picLocks noChangeAspect="1"/>
-          </p:cNvPicPr>
-          <p:nvPr/>
-        </p:nvPicPr>
-        <p:blipFill>
-          <a:blip r:embed="rId2">
-            <a:extLst>
-              <a:ext uri="{28A0092B-C50C-407E-A947-70E740481C1C}">
-                <a14:useLocalDpi xmlns:a14="http://schemas.microsoft.com/office/drawing/2010/main" val="0"/>
-              </a:ext>
-            </a:extLst>
-          </a:blip>
-          <a:stretch>
-            <a:fillRect/>
-          </a:stretch>
-        </p:blipFill>
-        <p:spPr>
-          <a:xfrm>
-            <a:off x="937550" y="361871"/>
-            <a:ext cx="6481823" cy="5819946"/>
-          </a:xfrm>
-          <a:prstGeom prst="rect">
-            <a:avLst/>
-          </a:prstGeom>
-        </p:spPr>
-      </p:pic>
-      <p:sp>
-        <p:nvSpPr>
-          <p:cNvPr id="3" name="Rectangle 2"/>
-          <p:cNvSpPr/>
-          <p:nvPr/>
-        </p:nvSpPr>
-        <p:spPr>
-          <a:xfrm>
-            <a:off x="8957589" y="593731"/>
-            <a:ext cx="2214068" cy="1384995"/>
-          </a:xfrm>
-          <a:prstGeom prst="rect">
-            <a:avLst/>
-          </a:prstGeom>
-        </p:spPr>
-        <p:txBody>
-          <a:bodyPr wrap="none">
-            <a:spAutoFit/>
-          </a:bodyPr>
-          <a:lstStyle/>
-          <a:p>
-            <a:r>
-              <a:rPr lang="en-US" sz="2800" b="1" dirty="0" smtClean="0"/>
-              <a:t>Unary  -&gt; 	1</a:t>
-            </a:r>
-          </a:p>
-          <a:p>
-            <a:r>
-              <a:rPr lang="en-US" sz="2800" b="1" dirty="0" smtClean="0"/>
-              <a:t>Binary -&gt; 	2</a:t>
-            </a:r>
-            <a:endParaRPr lang="en-US" sz="2800" b="1" dirty="0"/>
-          </a:p>
-          <a:p>
-            <a:r>
-              <a:rPr lang="en-US" sz="2800" b="1" dirty="0" smtClean="0"/>
-              <a:t>Ternary -&gt; 	3</a:t>
-            </a:r>
-            <a:endParaRPr lang="en-US" sz="2800" b="1" dirty="0"/>
-          </a:p>
-        </p:txBody>
-      </p:sp>
-      <p:pic>
-        <p:nvPicPr>
-          <p:cNvPr id="4" name="Picture 3"/>
-          <p:cNvPicPr>
-            <a:picLocks noChangeAspect="1"/>
-          </p:cNvPicPr>
-          <p:nvPr/>
-        </p:nvPicPr>
-        <p:blipFill>
-          <a:blip r:embed="rId3">
-            <a:extLst>
-              <a:ext uri="{28A0092B-C50C-407E-A947-70E740481C1C}">
-                <a14:useLocalDpi xmlns:a14="http://schemas.microsoft.com/office/drawing/2010/main" val="0"/>
-              </a:ext>
-            </a:extLst>
-          </a:blip>
-          <a:stretch>
-            <a:fillRect/>
-          </a:stretch>
-        </p:blipFill>
-        <p:spPr>
-          <a:xfrm>
-            <a:off x="8957589" y="3185944"/>
-            <a:ext cx="2286000" cy="1079328"/>
-          </a:xfrm>
-          <a:prstGeom prst="rect">
-            <a:avLst/>
-          </a:prstGeom>
-        </p:spPr>
-      </p:pic>
-    </p:spTree>
-    <p:extLst>
-      <p:ext uri="{BB962C8B-B14F-4D97-AF65-F5344CB8AC3E}">
-        <p14:creationId xmlns:p14="http://schemas.microsoft.com/office/powerpoint/2010/main" val="579546704"/>
-      </p:ext>
-    </p:extLst>
-  </p:cSld>
-  <p:clrMapOvr>
-    <a:masterClrMapping/>
-  </p:clrMapOvr>
 </p:sld>
 </file>
 

--- a/java.pptx
+++ b/java.pptx
@@ -5,7 +5,7 @@
     <p:sldMasterId id="2147483648" r:id="rId1"/>
   </p:sldMasterIdLst>
   <p:notesMasterIdLst>
-    <p:notesMasterId r:id="rId44"/>
+    <p:notesMasterId r:id="rId53"/>
   </p:notesMasterIdLst>
   <p:sldIdLst>
     <p:sldId id="256" r:id="rId2"/>
@@ -44,12 +44,21 @@
     <p:sldId id="293" r:id="rId35"/>
     <p:sldId id="294" r:id="rId36"/>
     <p:sldId id="292" r:id="rId37"/>
-    <p:sldId id="298" r:id="rId38"/>
-    <p:sldId id="296" r:id="rId39"/>
-    <p:sldId id="295" r:id="rId40"/>
-    <p:sldId id="297" r:id="rId41"/>
-    <p:sldId id="299" r:id="rId42"/>
-    <p:sldId id="258" r:id="rId43"/>
+    <p:sldId id="295" r:id="rId38"/>
+    <p:sldId id="297" r:id="rId39"/>
+    <p:sldId id="300" r:id="rId40"/>
+    <p:sldId id="301" r:id="rId41"/>
+    <p:sldId id="302" r:id="rId42"/>
+    <p:sldId id="303" r:id="rId43"/>
+    <p:sldId id="304" r:id="rId44"/>
+    <p:sldId id="305" r:id="rId45"/>
+    <p:sldId id="307" r:id="rId46"/>
+    <p:sldId id="308" r:id="rId47"/>
+    <p:sldId id="306" r:id="rId48"/>
+    <p:sldId id="299" r:id="rId49"/>
+    <p:sldId id="309" r:id="rId50"/>
+    <p:sldId id="310" r:id="rId51"/>
+    <p:sldId id="258" r:id="rId52"/>
   </p:sldIdLst>
   <p:sldSz cx="12192000" cy="6858000"/>
   <p:notesSz cx="6858000" cy="9144000"/>
@@ -238,7 +247,7 @@
           <a:p>
             <a:fld id="{45B90A11-B180-4F83-93F9-042F493DCDF8}" type="datetimeFigureOut">
               <a:rPr lang="en-US" smtClean="0"/>
-              <a:t>5/2/2020</a:t>
+              <a:t>5/8/2020</a:t>
             </a:fld>
             <a:endParaRPr lang="en-US"/>
           </a:p>
@@ -721,7 +730,7 @@
           <a:p>
             <a:fld id="{C2DA0242-D9EE-432E-84F8-92753C2C1265}" type="datetimeFigureOut">
               <a:rPr lang="en-US" smtClean="0"/>
-              <a:t>5/2/2020</a:t>
+              <a:t>5/8/2020</a:t>
             </a:fld>
             <a:endParaRPr lang="en-US"/>
           </a:p>
@@ -891,7 +900,7 @@
           <a:p>
             <a:fld id="{C2DA0242-D9EE-432E-84F8-92753C2C1265}" type="datetimeFigureOut">
               <a:rPr lang="en-US" smtClean="0"/>
-              <a:t>5/2/2020</a:t>
+              <a:t>5/8/2020</a:t>
             </a:fld>
             <a:endParaRPr lang="en-US"/>
           </a:p>
@@ -1071,7 +1080,7 @@
           <a:p>
             <a:fld id="{C2DA0242-D9EE-432E-84F8-92753C2C1265}" type="datetimeFigureOut">
               <a:rPr lang="en-US" smtClean="0"/>
-              <a:t>5/2/2020</a:t>
+              <a:t>5/8/2020</a:t>
             </a:fld>
             <a:endParaRPr lang="en-US"/>
           </a:p>
@@ -1241,7 +1250,7 @@
           <a:p>
             <a:fld id="{C2DA0242-D9EE-432E-84F8-92753C2C1265}" type="datetimeFigureOut">
               <a:rPr lang="en-US" smtClean="0"/>
-              <a:t>5/2/2020</a:t>
+              <a:t>5/8/2020</a:t>
             </a:fld>
             <a:endParaRPr lang="en-US"/>
           </a:p>
@@ -1487,7 +1496,7 @@
           <a:p>
             <a:fld id="{C2DA0242-D9EE-432E-84F8-92753C2C1265}" type="datetimeFigureOut">
               <a:rPr lang="en-US" smtClean="0"/>
-              <a:t>5/2/2020</a:t>
+              <a:t>5/8/2020</a:t>
             </a:fld>
             <a:endParaRPr lang="en-US"/>
           </a:p>
@@ -1719,7 +1728,7 @@
           <a:p>
             <a:fld id="{C2DA0242-D9EE-432E-84F8-92753C2C1265}" type="datetimeFigureOut">
               <a:rPr lang="en-US" smtClean="0"/>
-              <a:t>5/2/2020</a:t>
+              <a:t>5/8/2020</a:t>
             </a:fld>
             <a:endParaRPr lang="en-US"/>
           </a:p>
@@ -2086,7 +2095,7 @@
           <a:p>
             <a:fld id="{C2DA0242-D9EE-432E-84F8-92753C2C1265}" type="datetimeFigureOut">
               <a:rPr lang="en-US" smtClean="0"/>
-              <a:t>5/2/2020</a:t>
+              <a:t>5/8/2020</a:t>
             </a:fld>
             <a:endParaRPr lang="en-US"/>
           </a:p>
@@ -2204,7 +2213,7 @@
           <a:p>
             <a:fld id="{C2DA0242-D9EE-432E-84F8-92753C2C1265}" type="datetimeFigureOut">
               <a:rPr lang="en-US" smtClean="0"/>
-              <a:t>5/2/2020</a:t>
+              <a:t>5/8/2020</a:t>
             </a:fld>
             <a:endParaRPr lang="en-US"/>
           </a:p>
@@ -2299,7 +2308,7 @@
           <a:p>
             <a:fld id="{C2DA0242-D9EE-432E-84F8-92753C2C1265}" type="datetimeFigureOut">
               <a:rPr lang="en-US" smtClean="0"/>
-              <a:t>5/2/2020</a:t>
+              <a:t>5/8/2020</a:t>
             </a:fld>
             <a:endParaRPr lang="en-US"/>
           </a:p>
@@ -2576,7 +2585,7 @@
           <a:p>
             <a:fld id="{C2DA0242-D9EE-432E-84F8-92753C2C1265}" type="datetimeFigureOut">
               <a:rPr lang="en-US" smtClean="0"/>
-              <a:t>5/2/2020</a:t>
+              <a:t>5/8/2020</a:t>
             </a:fld>
             <a:endParaRPr lang="en-US"/>
           </a:p>
@@ -2829,7 +2838,7 @@
           <a:p>
             <a:fld id="{C2DA0242-D9EE-432E-84F8-92753C2C1265}" type="datetimeFigureOut">
               <a:rPr lang="en-US" smtClean="0"/>
-              <a:t>5/2/2020</a:t>
+              <a:t>5/8/2020</a:t>
             </a:fld>
             <a:endParaRPr lang="en-US"/>
           </a:p>
@@ -3047,7 +3056,7 @@
           <a:p>
             <a:fld id="{C2DA0242-D9EE-432E-84F8-92753C2C1265}" type="datetimeFigureOut">
               <a:rPr lang="en-US" smtClean="0"/>
-              <a:t>5/2/2020</a:t>
+              <a:t>5/8/2020</a:t>
             </a:fld>
             <a:endParaRPr lang="en-US"/>
           </a:p>
@@ -42810,48 +42819,40 @@
           <a:chExt cx="0" cy="0"/>
         </a:xfrm>
       </p:grpSpPr>
-      <p:sp>
-        <p:nvSpPr>
-          <p:cNvPr id="2" name="Rectangle 1"/>
-          <p:cNvSpPr/>
-          <p:nvPr/>
-        </p:nvSpPr>
-        <p:spPr>
-          <a:xfrm>
-            <a:off x="0" y="474564"/>
-            <a:ext cx="12192000" cy="954107"/>
-          </a:xfrm>
-          <a:prstGeom prst="rect">
-            <a:avLst/>
-          </a:prstGeom>
-        </p:spPr>
-        <p:txBody>
-          <a:bodyPr wrap="square">
-            <a:spAutoFit/>
-          </a:bodyPr>
-          <a:lstStyle/>
-          <a:p>
-            <a:pPr algn="ctr"/>
-            <a:endParaRPr lang="en-US" sz="2800" b="1" dirty="0" smtClean="0">
-              <a:solidFill>
-                <a:srgbClr val="FF0000"/>
-              </a:solidFill>
-            </a:endParaRPr>
-          </a:p>
-          <a:p>
-            <a:pPr algn="ctr"/>
-            <a:endParaRPr lang="en-US" sz="2800" b="1" dirty="0">
-              <a:solidFill>
-                <a:srgbClr val="FF0000"/>
-              </a:solidFill>
-            </a:endParaRPr>
-          </a:p>
-        </p:txBody>
-      </p:sp>
+      <p:pic>
+        <p:nvPicPr>
+          <p:cNvPr id="2" name="Picture 1"/>
+          <p:cNvPicPr>
+            <a:picLocks noChangeAspect="1"/>
+          </p:cNvPicPr>
+          <p:nvPr/>
+        </p:nvPicPr>
+        <p:blipFill>
+          <a:blip r:embed="rId2" cstate="print">
+            <a:extLst>
+              <a:ext uri="{28A0092B-C50C-407E-A947-70E740481C1C}">
+                <a14:useLocalDpi xmlns:a14="http://schemas.microsoft.com/office/drawing/2010/main" val="0"/>
+              </a:ext>
+            </a:extLst>
+          </a:blip>
+          <a:stretch>
+            <a:fillRect/>
+          </a:stretch>
+        </p:blipFill>
+        <p:spPr>
+          <a:xfrm>
+            <a:off x="474562" y="554108"/>
+            <a:ext cx="4285673" cy="5482090"/>
+          </a:xfrm>
+          <a:prstGeom prst="rect">
+            <a:avLst/>
+          </a:prstGeom>
+        </p:spPr>
+      </p:pic>
     </p:spTree>
     <p:extLst>
       <p:ext uri="{BB962C8B-B14F-4D97-AF65-F5344CB8AC3E}">
-        <p14:creationId xmlns:p14="http://schemas.microsoft.com/office/powerpoint/2010/main" val="2499472317"/>
+        <p14:creationId xmlns:p14="http://schemas.microsoft.com/office/powerpoint/2010/main" val="291563793"/>
       </p:ext>
     </p:extLst>
   </p:cSld>
@@ -42880,14 +42881,14 @@
       </p:grpSpPr>
       <p:sp>
         <p:nvSpPr>
-          <p:cNvPr id="3" name="Rectangle 2"/>
+          <p:cNvPr id="2" name="Rectangle 1"/>
           <p:cNvSpPr/>
           <p:nvPr/>
         </p:nvSpPr>
         <p:spPr>
           <a:xfrm>
             <a:off x="0" y="474564"/>
-            <a:ext cx="12192000" cy="954107"/>
+            <a:ext cx="12192000" cy="4401205"/>
           </a:xfrm>
           <a:prstGeom prst="rect">
             <a:avLst/>
@@ -42900,17 +42901,121 @@
           <a:lstStyle/>
           <a:p>
             <a:pPr algn="ctr"/>
+            <a:r>
+              <a:rPr lang="en-US" sz="2800" b="1" dirty="0">
+                <a:solidFill>
+                  <a:srgbClr val="FF0000"/>
+                </a:solidFill>
+              </a:rPr>
+              <a:t>4 / 4 % 2 + 3 – 5 + 7 % 1 % 8 – 0 * 3 % 4</a:t>
+            </a:r>
+          </a:p>
+          <a:p>
+            <a:pPr algn="ctr"/>
+            <a:r>
+              <a:rPr lang="en-US" sz="2800" b="1" dirty="0">
+                <a:solidFill>
+                  <a:srgbClr val="FF0000"/>
+                </a:solidFill>
+              </a:rPr>
+              <a:t>1% 2 + 3 – 5 + 7 % 1 % 8 – 0 * 3 % 4</a:t>
+            </a:r>
+          </a:p>
+          <a:p>
+            <a:pPr algn="ctr"/>
+            <a:r>
+              <a:rPr lang="en-US" sz="2800" b="1" dirty="0">
+                <a:solidFill>
+                  <a:srgbClr val="FF0000"/>
+                </a:solidFill>
+              </a:rPr>
+              <a:t>1 + 3 – 5 + 7 % 1 % 8 – 0 * 3 % 4</a:t>
+            </a:r>
+          </a:p>
+          <a:p>
+            <a:pPr algn="ctr"/>
+            <a:r>
+              <a:rPr lang="en-US" sz="2800" b="1" dirty="0">
+                <a:solidFill>
+                  <a:srgbClr val="FF0000"/>
+                </a:solidFill>
+              </a:rPr>
+              <a:t>1 + 3 – 5 + 0 – 0 * 3 % 4</a:t>
+            </a:r>
+          </a:p>
+          <a:p>
+            <a:pPr algn="ctr"/>
+            <a:r>
+              <a:rPr lang="en-US" sz="2800" b="1" dirty="0">
+                <a:solidFill>
+                  <a:srgbClr val="FF0000"/>
+                </a:solidFill>
+              </a:rPr>
+              <a:t>1 + 3 – 5 + 0 – 0 % 4</a:t>
+            </a:r>
+          </a:p>
+          <a:p>
+            <a:pPr algn="ctr"/>
+            <a:r>
+              <a:rPr lang="en-US" sz="2800" b="1" dirty="0">
+                <a:solidFill>
+                  <a:srgbClr val="FF0000"/>
+                </a:solidFill>
+              </a:rPr>
+              <a:t>1 + 3 – 5 + 0 – 0</a:t>
+            </a:r>
+          </a:p>
+          <a:p>
+            <a:pPr algn="ctr"/>
+            <a:r>
+              <a:rPr lang="en-US" sz="2800" b="1" dirty="0">
+                <a:solidFill>
+                  <a:srgbClr val="FF0000"/>
+                </a:solidFill>
+              </a:rPr>
+              <a:t>4 – 5 + 0 – 0</a:t>
+            </a:r>
+          </a:p>
+          <a:p>
+            <a:pPr algn="ctr"/>
+            <a:r>
+              <a:rPr lang="en-US" sz="2800" b="1" dirty="0">
+                <a:solidFill>
+                  <a:srgbClr val="FF0000"/>
+                </a:solidFill>
+              </a:rPr>
+              <a:t>-1 + 0 – </a:t>
+            </a:r>
             <a:r>
               <a:rPr lang="en-US" sz="2800" b="1" dirty="0" smtClean="0">
                 <a:solidFill>
                   <a:srgbClr val="FF0000"/>
                 </a:solidFill>
               </a:rPr>
-              <a:t>4 * 2 / 4</a:t>
-            </a:r>
-          </a:p>
-          <a:p>
-            <a:pPr algn="ctr"/>
+              <a:t>0</a:t>
+            </a:r>
+          </a:p>
+          <a:p>
+            <a:pPr algn="ctr"/>
+            <a:r>
+              <a:rPr lang="en-US" sz="2800" b="1" dirty="0">
+                <a:solidFill>
+                  <a:srgbClr val="FF0000"/>
+                </a:solidFill>
+              </a:rPr>
+              <a:t>-1-0</a:t>
+            </a:r>
+          </a:p>
+          <a:p>
+            <a:pPr algn="ctr"/>
+            <a:r>
+              <a:rPr lang="en-US" sz="2800" b="1" dirty="0" smtClean="0">
+                <a:solidFill>
+                  <a:srgbClr val="FF0000"/>
+                </a:solidFill>
+              </a:rPr>
+              <a:t>-1</a:t>
+            </a:r>
             <a:endParaRPr lang="en-US" sz="2800" b="1" dirty="0">
               <a:solidFill>
                 <a:srgbClr val="FF0000"/>
@@ -42922,7 +43027,7 @@
     </p:spTree>
     <p:extLst>
       <p:ext uri="{BB962C8B-B14F-4D97-AF65-F5344CB8AC3E}">
-        <p14:creationId xmlns:p14="http://schemas.microsoft.com/office/powerpoint/2010/main" val="3537842864"/>
+        <p14:creationId xmlns:p14="http://schemas.microsoft.com/office/powerpoint/2010/main" val="2026411617"/>
       </p:ext>
     </p:extLst>
   </p:cSld>
@@ -42958,7 +43063,7 @@
           <p:nvPr/>
         </p:nvPicPr>
         <p:blipFill>
-          <a:blip r:embed="rId2" cstate="print">
+          <a:blip r:embed="rId2">
             <a:extLst>
               <a:ext uri="{28A0092B-C50C-407E-A947-70E740481C1C}">
                 <a14:useLocalDpi xmlns:a14="http://schemas.microsoft.com/office/drawing/2010/main" val="0"/>
@@ -42971,8 +43076,8 @@
         </p:blipFill>
         <p:spPr>
           <a:xfrm>
-            <a:off x="474562" y="554108"/>
-            <a:ext cx="4285673" cy="5482090"/>
+            <a:off x="868101" y="617867"/>
+            <a:ext cx="10522119" cy="5331520"/>
           </a:xfrm>
           <a:prstGeom prst="rect">
             <a:avLst/>
@@ -42982,7 +43087,7 @@
     </p:spTree>
     <p:extLst>
       <p:ext uri="{BB962C8B-B14F-4D97-AF65-F5344CB8AC3E}">
-        <p14:creationId xmlns:p14="http://schemas.microsoft.com/office/powerpoint/2010/main" val="291563793"/>
+        <p14:creationId xmlns:p14="http://schemas.microsoft.com/office/powerpoint/2010/main" val="2597944784"/>
       </p:ext>
     </p:extLst>
   </p:cSld>
@@ -43141,155 +43246,40 @@
           <a:chExt cx="0" cy="0"/>
         </a:xfrm>
       </p:grpSpPr>
-      <p:sp>
-        <p:nvSpPr>
-          <p:cNvPr id="2" name="Rectangle 1"/>
-          <p:cNvSpPr/>
-          <p:nvPr/>
-        </p:nvSpPr>
-        <p:spPr>
-          <a:xfrm>
-            <a:off x="0" y="474564"/>
-            <a:ext cx="12192000" cy="4401205"/>
-          </a:xfrm>
-          <a:prstGeom prst="rect">
-            <a:avLst/>
-          </a:prstGeom>
-        </p:spPr>
-        <p:txBody>
-          <a:bodyPr wrap="square">
-            <a:spAutoFit/>
-          </a:bodyPr>
-          <a:lstStyle/>
-          <a:p>
-            <a:pPr algn="ctr"/>
-            <a:r>
-              <a:rPr lang="en-US" sz="2800" b="1" dirty="0">
-                <a:solidFill>
-                  <a:srgbClr val="FF0000"/>
-                </a:solidFill>
-              </a:rPr>
-              <a:t>4 / 4 % 2 + 3 – 5 + 7 % 1 % 8 – 0 * 3 % 4</a:t>
-            </a:r>
-          </a:p>
-          <a:p>
-            <a:pPr algn="ctr"/>
-            <a:r>
-              <a:rPr lang="en-US" sz="2800" b="1" dirty="0">
-                <a:solidFill>
-                  <a:srgbClr val="FF0000"/>
-                </a:solidFill>
-              </a:rPr>
-              <a:t>1% 2 + 3 – 5 + 7 % 1 % 8 – 0 * 3 % 4</a:t>
-            </a:r>
-          </a:p>
-          <a:p>
-            <a:pPr algn="ctr"/>
-            <a:r>
-              <a:rPr lang="en-US" sz="2800" b="1" dirty="0">
-                <a:solidFill>
-                  <a:srgbClr val="FF0000"/>
-                </a:solidFill>
-              </a:rPr>
-              <a:t>1 + 3 – 5 + 7 % 1 % 8 – 0 * 3 % 4</a:t>
-            </a:r>
-          </a:p>
-          <a:p>
-            <a:pPr algn="ctr"/>
-            <a:r>
-              <a:rPr lang="en-US" sz="2800" b="1" dirty="0">
-                <a:solidFill>
-                  <a:srgbClr val="FF0000"/>
-                </a:solidFill>
-              </a:rPr>
-              <a:t>1 + 3 – 5 + 0 – 0 * 3 % 4</a:t>
-            </a:r>
-          </a:p>
-          <a:p>
-            <a:pPr algn="ctr"/>
-            <a:r>
-              <a:rPr lang="en-US" sz="2800" b="1" dirty="0">
-                <a:solidFill>
-                  <a:srgbClr val="FF0000"/>
-                </a:solidFill>
-              </a:rPr>
-              <a:t>1 + 3 – 5 + 0 – 0 % 4</a:t>
-            </a:r>
-          </a:p>
-          <a:p>
-            <a:pPr algn="ctr"/>
-            <a:r>
-              <a:rPr lang="en-US" sz="2800" b="1" dirty="0">
-                <a:solidFill>
-                  <a:srgbClr val="FF0000"/>
-                </a:solidFill>
-              </a:rPr>
-              <a:t>1 + 3 – 5 + 0 – 0</a:t>
-            </a:r>
-          </a:p>
-          <a:p>
-            <a:pPr algn="ctr"/>
-            <a:r>
-              <a:rPr lang="en-US" sz="2800" b="1" dirty="0">
-                <a:solidFill>
-                  <a:srgbClr val="FF0000"/>
-                </a:solidFill>
-              </a:rPr>
-              <a:t>4 – 5 + 0 – 0</a:t>
-            </a:r>
-          </a:p>
-          <a:p>
-            <a:pPr algn="ctr"/>
-            <a:r>
-              <a:rPr lang="en-US" sz="2800" b="1" dirty="0">
-                <a:solidFill>
-                  <a:srgbClr val="FF0000"/>
-                </a:solidFill>
-              </a:rPr>
-              <a:t>-1 + 0 – </a:t>
-            </a:r>
-            <a:r>
-              <a:rPr lang="en-US" sz="2800" b="1" dirty="0" smtClean="0">
-                <a:solidFill>
-                  <a:srgbClr val="FF0000"/>
-                </a:solidFill>
-              </a:rPr>
-              <a:t>0</a:t>
-            </a:r>
-          </a:p>
-          <a:p>
-            <a:pPr algn="ctr"/>
-            <a:r>
-              <a:rPr lang="en-US" sz="2800" b="1" dirty="0">
-                <a:solidFill>
-                  <a:srgbClr val="FF0000"/>
-                </a:solidFill>
-              </a:rPr>
-              <a:t>-1-0</a:t>
-            </a:r>
-          </a:p>
-          <a:p>
-            <a:pPr algn="ctr"/>
-            <a:r>
-              <a:rPr lang="en-US" sz="2800" b="1" dirty="0" smtClean="0">
-                <a:solidFill>
-                  <a:srgbClr val="FF0000"/>
-                </a:solidFill>
-              </a:rPr>
-              <a:t>-1</a:t>
-            </a:r>
-            <a:endParaRPr lang="en-US" sz="2800" b="1" dirty="0">
-              <a:solidFill>
-                <a:srgbClr val="FF0000"/>
-              </a:solidFill>
-            </a:endParaRPr>
-          </a:p>
-        </p:txBody>
-      </p:sp>
+      <p:pic>
+        <p:nvPicPr>
+          <p:cNvPr id="2" name="Picture 1"/>
+          <p:cNvPicPr>
+            <a:picLocks noChangeAspect="1"/>
+          </p:cNvPicPr>
+          <p:nvPr/>
+        </p:nvPicPr>
+        <p:blipFill>
+          <a:blip r:embed="rId2">
+            <a:extLst>
+              <a:ext uri="{28A0092B-C50C-407E-A947-70E740481C1C}">
+                <a14:useLocalDpi xmlns:a14="http://schemas.microsoft.com/office/drawing/2010/main" val="0"/>
+              </a:ext>
+            </a:extLst>
+          </a:blip>
+          <a:stretch>
+            <a:fillRect/>
+          </a:stretch>
+        </p:blipFill>
+        <p:spPr>
+          <a:xfrm>
+            <a:off x="0" y="1200253"/>
+            <a:ext cx="12192000" cy="4457493"/>
+          </a:xfrm>
+          <a:prstGeom prst="rect">
+            <a:avLst/>
+          </a:prstGeom>
+        </p:spPr>
+      </p:pic>
     </p:spTree>
     <p:extLst>
       <p:ext uri="{BB962C8B-B14F-4D97-AF65-F5344CB8AC3E}">
-        <p14:creationId xmlns:p14="http://schemas.microsoft.com/office/powerpoint/2010/main" val="2026411617"/>
+        <p14:creationId xmlns:p14="http://schemas.microsoft.com/office/powerpoint/2010/main" val="629420461"/>
       </p:ext>
     </p:extLst>
   </p:cSld>
@@ -43316,6 +43306,426 @@
           <a:chExt cx="0" cy="0"/>
         </a:xfrm>
       </p:grpSpPr>
+      <p:pic>
+        <p:nvPicPr>
+          <p:cNvPr id="4" name="Picture 3"/>
+          <p:cNvPicPr>
+            <a:picLocks noChangeAspect="1"/>
+          </p:cNvPicPr>
+          <p:nvPr/>
+        </p:nvPicPr>
+        <p:blipFill>
+          <a:blip r:embed="rId2">
+            <a:extLst>
+              <a:ext uri="{28A0092B-C50C-407E-A947-70E740481C1C}">
+                <a14:useLocalDpi xmlns:a14="http://schemas.microsoft.com/office/drawing/2010/main" val="0"/>
+              </a:ext>
+            </a:extLst>
+          </a:blip>
+          <a:stretch>
+            <a:fillRect/>
+          </a:stretch>
+        </p:blipFill>
+        <p:spPr>
+          <a:xfrm>
+            <a:off x="2002420" y="400346"/>
+            <a:ext cx="8183301" cy="6195927"/>
+          </a:xfrm>
+          <a:prstGeom prst="rect">
+            <a:avLst/>
+          </a:prstGeom>
+        </p:spPr>
+      </p:pic>
+    </p:spTree>
+    <p:extLst>
+      <p:ext uri="{BB962C8B-B14F-4D97-AF65-F5344CB8AC3E}">
+        <p14:creationId xmlns:p14="http://schemas.microsoft.com/office/powerpoint/2010/main" val="1618436902"/>
+      </p:ext>
+    </p:extLst>
+  </p:cSld>
+  <p:clrMapOvr>
+    <a:masterClrMapping/>
+  </p:clrMapOvr>
+</p:sld>
+</file>
+
+<file path=ppt/slides/slide42.xml><?xml version="1.0" encoding="utf-8"?>
+<p:sld xmlns:a="http://schemas.openxmlformats.org/drawingml/2006/main" xmlns:r="http://schemas.openxmlformats.org/officeDocument/2006/relationships" xmlns:p="http://schemas.openxmlformats.org/presentationml/2006/main">
+  <p:cSld>
+    <p:spTree>
+      <p:nvGrpSpPr>
+        <p:cNvPr id="1" name=""/>
+        <p:cNvGrpSpPr/>
+        <p:nvPr/>
+      </p:nvGrpSpPr>
+      <p:grpSpPr>
+        <a:xfrm>
+          <a:off x="0" y="0"/>
+          <a:ext cx="0" cy="0"/>
+          <a:chOff x="0" y="0"/>
+          <a:chExt cx="0" cy="0"/>
+        </a:xfrm>
+      </p:grpSpPr>
+      <p:pic>
+        <p:nvPicPr>
+          <p:cNvPr id="2" name="Picture 1"/>
+          <p:cNvPicPr>
+            <a:picLocks noChangeAspect="1"/>
+          </p:cNvPicPr>
+          <p:nvPr/>
+        </p:nvPicPr>
+        <p:blipFill>
+          <a:blip r:embed="rId2">
+            <a:extLst>
+              <a:ext uri="{28A0092B-C50C-407E-A947-70E740481C1C}">
+                <a14:useLocalDpi xmlns:a14="http://schemas.microsoft.com/office/drawing/2010/main" val="0"/>
+              </a:ext>
+            </a:extLst>
+          </a:blip>
+          <a:stretch>
+            <a:fillRect/>
+          </a:stretch>
+        </p:blipFill>
+        <p:spPr>
+          <a:xfrm>
+            <a:off x="1794076" y="160917"/>
+            <a:ext cx="8542116" cy="6467601"/>
+          </a:xfrm>
+          <a:prstGeom prst="rect">
+            <a:avLst/>
+          </a:prstGeom>
+        </p:spPr>
+      </p:pic>
+    </p:spTree>
+    <p:extLst>
+      <p:ext uri="{BB962C8B-B14F-4D97-AF65-F5344CB8AC3E}">
+        <p14:creationId xmlns:p14="http://schemas.microsoft.com/office/powerpoint/2010/main" val="3598841731"/>
+      </p:ext>
+    </p:extLst>
+  </p:cSld>
+  <p:clrMapOvr>
+    <a:masterClrMapping/>
+  </p:clrMapOvr>
+</p:sld>
+</file>
+
+<file path=ppt/slides/slide43.xml><?xml version="1.0" encoding="utf-8"?>
+<p:sld xmlns:a="http://schemas.openxmlformats.org/drawingml/2006/main" xmlns:r="http://schemas.openxmlformats.org/officeDocument/2006/relationships" xmlns:p="http://schemas.openxmlformats.org/presentationml/2006/main">
+  <p:cSld>
+    <p:spTree>
+      <p:nvGrpSpPr>
+        <p:cNvPr id="1" name=""/>
+        <p:cNvGrpSpPr/>
+        <p:nvPr/>
+      </p:nvGrpSpPr>
+      <p:grpSpPr>
+        <a:xfrm>
+          <a:off x="0" y="0"/>
+          <a:ext cx="0" cy="0"/>
+          <a:chOff x="0" y="0"/>
+          <a:chExt cx="0" cy="0"/>
+        </a:xfrm>
+      </p:grpSpPr>
+      <p:pic>
+        <p:nvPicPr>
+          <p:cNvPr id="2" name="Picture 1"/>
+          <p:cNvPicPr>
+            <a:picLocks noChangeAspect="1"/>
+          </p:cNvPicPr>
+          <p:nvPr/>
+        </p:nvPicPr>
+        <p:blipFill>
+          <a:blip r:embed="rId2">
+            <a:extLst>
+              <a:ext uri="{28A0092B-C50C-407E-A947-70E740481C1C}">
+                <a14:useLocalDpi xmlns:a14="http://schemas.microsoft.com/office/drawing/2010/main" val="0"/>
+              </a:ext>
+            </a:extLst>
+          </a:blip>
+          <a:stretch>
+            <a:fillRect/>
+          </a:stretch>
+        </p:blipFill>
+        <p:spPr>
+          <a:xfrm>
+            <a:off x="1365813" y="163065"/>
+            <a:ext cx="8842368" cy="6694935"/>
+          </a:xfrm>
+          <a:prstGeom prst="rect">
+            <a:avLst/>
+          </a:prstGeom>
+        </p:spPr>
+      </p:pic>
+    </p:spTree>
+    <p:extLst>
+      <p:ext uri="{BB962C8B-B14F-4D97-AF65-F5344CB8AC3E}">
+        <p14:creationId xmlns:p14="http://schemas.microsoft.com/office/powerpoint/2010/main" val="3914286114"/>
+      </p:ext>
+    </p:extLst>
+  </p:cSld>
+  <p:clrMapOvr>
+    <a:masterClrMapping/>
+  </p:clrMapOvr>
+</p:sld>
+</file>
+
+<file path=ppt/slides/slide44.xml><?xml version="1.0" encoding="utf-8"?>
+<p:sld xmlns:a="http://schemas.openxmlformats.org/drawingml/2006/main" xmlns:r="http://schemas.openxmlformats.org/officeDocument/2006/relationships" xmlns:p="http://schemas.openxmlformats.org/presentationml/2006/main">
+  <p:cSld>
+    <p:spTree>
+      <p:nvGrpSpPr>
+        <p:cNvPr id="1" name=""/>
+        <p:cNvGrpSpPr/>
+        <p:nvPr/>
+      </p:nvGrpSpPr>
+      <p:grpSpPr>
+        <a:xfrm>
+          <a:off x="0" y="0"/>
+          <a:ext cx="0" cy="0"/>
+          <a:chOff x="0" y="0"/>
+          <a:chExt cx="0" cy="0"/>
+        </a:xfrm>
+      </p:grpSpPr>
+      <p:pic>
+        <p:nvPicPr>
+          <p:cNvPr id="2" name="Picture 1"/>
+          <p:cNvPicPr>
+            <a:picLocks noChangeAspect="1"/>
+          </p:cNvPicPr>
+          <p:nvPr/>
+        </p:nvPicPr>
+        <p:blipFill>
+          <a:blip r:embed="rId2">
+            <a:extLst>
+              <a:ext uri="{28A0092B-C50C-407E-A947-70E740481C1C}">
+                <a14:useLocalDpi xmlns:a14="http://schemas.microsoft.com/office/drawing/2010/main" val="0"/>
+              </a:ext>
+            </a:extLst>
+          </a:blip>
+          <a:stretch>
+            <a:fillRect/>
+          </a:stretch>
+        </p:blipFill>
+        <p:spPr>
+          <a:xfrm>
+            <a:off x="202239" y="544010"/>
+            <a:ext cx="11659180" cy="5856789"/>
+          </a:xfrm>
+          <a:prstGeom prst="rect">
+            <a:avLst/>
+          </a:prstGeom>
+        </p:spPr>
+      </p:pic>
+    </p:spTree>
+    <p:extLst>
+      <p:ext uri="{BB962C8B-B14F-4D97-AF65-F5344CB8AC3E}">
+        <p14:creationId xmlns:p14="http://schemas.microsoft.com/office/powerpoint/2010/main" val="3298058126"/>
+      </p:ext>
+    </p:extLst>
+  </p:cSld>
+  <p:clrMapOvr>
+    <a:masterClrMapping/>
+  </p:clrMapOvr>
+</p:sld>
+</file>
+
+<file path=ppt/slides/slide45.xml><?xml version="1.0" encoding="utf-8"?>
+<p:sld xmlns:a="http://schemas.openxmlformats.org/drawingml/2006/main" xmlns:r="http://schemas.openxmlformats.org/officeDocument/2006/relationships" xmlns:p="http://schemas.openxmlformats.org/presentationml/2006/main">
+  <p:cSld>
+    <p:spTree>
+      <p:nvGrpSpPr>
+        <p:cNvPr id="1" name=""/>
+        <p:cNvGrpSpPr/>
+        <p:nvPr/>
+      </p:nvGrpSpPr>
+      <p:grpSpPr>
+        <a:xfrm>
+          <a:off x="0" y="0"/>
+          <a:ext cx="0" cy="0"/>
+          <a:chOff x="0" y="0"/>
+          <a:chExt cx="0" cy="0"/>
+        </a:xfrm>
+      </p:grpSpPr>
+      <p:pic>
+        <p:nvPicPr>
+          <p:cNvPr id="2" name="Picture 1"/>
+          <p:cNvPicPr>
+            <a:picLocks noChangeAspect="1"/>
+          </p:cNvPicPr>
+          <p:nvPr/>
+        </p:nvPicPr>
+        <p:blipFill>
+          <a:blip r:embed="rId2">
+            <a:extLst>
+              <a:ext uri="{28A0092B-C50C-407E-A947-70E740481C1C}">
+                <a14:useLocalDpi xmlns:a14="http://schemas.microsoft.com/office/drawing/2010/main" val="0"/>
+              </a:ext>
+            </a:extLst>
+          </a:blip>
+          <a:stretch>
+            <a:fillRect/>
+          </a:stretch>
+        </p:blipFill>
+        <p:spPr>
+          <a:xfrm>
+            <a:off x="530964" y="555584"/>
+            <a:ext cx="11206783" cy="5845215"/>
+          </a:xfrm>
+          <a:prstGeom prst="rect">
+            <a:avLst/>
+          </a:prstGeom>
+        </p:spPr>
+      </p:pic>
+    </p:spTree>
+    <p:extLst>
+      <p:ext uri="{BB962C8B-B14F-4D97-AF65-F5344CB8AC3E}">
+        <p14:creationId xmlns:p14="http://schemas.microsoft.com/office/powerpoint/2010/main" val="1231623358"/>
+      </p:ext>
+    </p:extLst>
+  </p:cSld>
+  <p:clrMapOvr>
+    <a:masterClrMapping/>
+  </p:clrMapOvr>
+</p:sld>
+</file>
+
+<file path=ppt/slides/slide46.xml><?xml version="1.0" encoding="utf-8"?>
+<p:sld xmlns:a="http://schemas.openxmlformats.org/drawingml/2006/main" xmlns:r="http://schemas.openxmlformats.org/officeDocument/2006/relationships" xmlns:p="http://schemas.openxmlformats.org/presentationml/2006/main">
+  <p:cSld>
+    <p:spTree>
+      <p:nvGrpSpPr>
+        <p:cNvPr id="1" name=""/>
+        <p:cNvGrpSpPr/>
+        <p:nvPr/>
+      </p:nvGrpSpPr>
+      <p:grpSpPr>
+        <a:xfrm>
+          <a:off x="0" y="0"/>
+          <a:ext cx="0" cy="0"/>
+          <a:chOff x="0" y="0"/>
+          <a:chExt cx="0" cy="0"/>
+        </a:xfrm>
+      </p:grpSpPr>
+      <p:pic>
+        <p:nvPicPr>
+          <p:cNvPr id="2" name="Picture 1"/>
+          <p:cNvPicPr>
+            <a:picLocks noChangeAspect="1"/>
+          </p:cNvPicPr>
+          <p:nvPr/>
+        </p:nvPicPr>
+        <p:blipFill>
+          <a:blip r:embed="rId2">
+            <a:extLst>
+              <a:ext uri="{28A0092B-C50C-407E-A947-70E740481C1C}">
+                <a14:useLocalDpi xmlns:a14="http://schemas.microsoft.com/office/drawing/2010/main" val="0"/>
+              </a:ext>
+            </a:extLst>
+          </a:blip>
+          <a:stretch>
+            <a:fillRect/>
+          </a:stretch>
+        </p:blipFill>
+        <p:spPr>
+          <a:xfrm>
+            <a:off x="560415" y="983849"/>
+            <a:ext cx="10770703" cy="5671594"/>
+          </a:xfrm>
+          <a:prstGeom prst="rect">
+            <a:avLst/>
+          </a:prstGeom>
+        </p:spPr>
+      </p:pic>
+    </p:spTree>
+    <p:extLst>
+      <p:ext uri="{BB962C8B-B14F-4D97-AF65-F5344CB8AC3E}">
+        <p14:creationId xmlns:p14="http://schemas.microsoft.com/office/powerpoint/2010/main" val="4129267207"/>
+      </p:ext>
+    </p:extLst>
+  </p:cSld>
+  <p:clrMapOvr>
+    <a:masterClrMapping/>
+  </p:clrMapOvr>
+</p:sld>
+</file>
+
+<file path=ppt/slides/slide47.xml><?xml version="1.0" encoding="utf-8"?>
+<p:sld xmlns:a="http://schemas.openxmlformats.org/drawingml/2006/main" xmlns:r="http://schemas.openxmlformats.org/officeDocument/2006/relationships" xmlns:p="http://schemas.openxmlformats.org/presentationml/2006/main">
+  <p:cSld>
+    <p:spTree>
+      <p:nvGrpSpPr>
+        <p:cNvPr id="1" name=""/>
+        <p:cNvGrpSpPr/>
+        <p:nvPr/>
+      </p:nvGrpSpPr>
+      <p:grpSpPr>
+        <a:xfrm>
+          <a:off x="0" y="0"/>
+          <a:ext cx="0" cy="0"/>
+          <a:chOff x="0" y="0"/>
+          <a:chExt cx="0" cy="0"/>
+        </a:xfrm>
+      </p:grpSpPr>
+      <p:pic>
+        <p:nvPicPr>
+          <p:cNvPr id="3" name="Picture 2"/>
+          <p:cNvPicPr>
+            <a:picLocks noChangeAspect="1"/>
+          </p:cNvPicPr>
+          <p:nvPr/>
+        </p:nvPicPr>
+        <p:blipFill>
+          <a:blip r:embed="rId2">
+            <a:extLst>
+              <a:ext uri="{28A0092B-C50C-407E-A947-70E740481C1C}">
+                <a14:useLocalDpi xmlns:a14="http://schemas.microsoft.com/office/drawing/2010/main" val="0"/>
+              </a:ext>
+            </a:extLst>
+          </a:blip>
+          <a:stretch>
+            <a:fillRect/>
+          </a:stretch>
+        </p:blipFill>
+        <p:spPr>
+          <a:xfrm>
+            <a:off x="595247" y="532435"/>
+            <a:ext cx="11408156" cy="6007261"/>
+          </a:xfrm>
+          <a:prstGeom prst="rect">
+            <a:avLst/>
+          </a:prstGeom>
+        </p:spPr>
+      </p:pic>
+    </p:spTree>
+    <p:extLst>
+      <p:ext uri="{BB962C8B-B14F-4D97-AF65-F5344CB8AC3E}">
+        <p14:creationId xmlns:p14="http://schemas.microsoft.com/office/powerpoint/2010/main" val="2641205932"/>
+      </p:ext>
+    </p:extLst>
+  </p:cSld>
+  <p:clrMapOvr>
+    <a:masterClrMapping/>
+  </p:clrMapOvr>
+</p:sld>
+</file>
+
+<file path=ppt/slides/slide48.xml><?xml version="1.0" encoding="utf-8"?>
+<p:sld xmlns:a="http://schemas.openxmlformats.org/drawingml/2006/main" xmlns:r="http://schemas.openxmlformats.org/officeDocument/2006/relationships" xmlns:p="http://schemas.openxmlformats.org/presentationml/2006/main">
+  <p:cSld>
+    <p:spTree>
+      <p:nvGrpSpPr>
+        <p:cNvPr id="1" name=""/>
+        <p:cNvGrpSpPr/>
+        <p:nvPr/>
+      </p:nvGrpSpPr>
+      <p:grpSpPr>
+        <a:xfrm>
+          <a:off x="0" y="0"/>
+          <a:ext cx="0" cy="0"/>
+          <a:chOff x="0" y="0"/>
+          <a:chExt cx="0" cy="0"/>
+        </a:xfrm>
+      </p:grpSpPr>
       <p:sp>
         <p:nvSpPr>
           <p:cNvPr id="2" name="Rectangle 1"/>
@@ -43324,7 +43734,7 @@
         </p:nvSpPr>
         <p:spPr>
           <a:xfrm>
-            <a:off x="2951543" y="250783"/>
+            <a:off x="5254905" y="227633"/>
             <a:ext cx="1097665" cy="1068731"/>
           </a:xfrm>
           <a:prstGeom prst="rect">
@@ -43362,7 +43772,311 @@
         </p:nvSpPr>
         <p:spPr>
           <a:xfrm>
-            <a:off x="7525474" y="250783"/>
+            <a:off x="9828836" y="227633"/>
+            <a:ext cx="1097665" cy="1068731"/>
+          </a:xfrm>
+          <a:prstGeom prst="rect">
+            <a:avLst/>
+          </a:prstGeom>
+        </p:spPr>
+        <p:style>
+          <a:lnRef idx="2">
+            <a:schemeClr val="dk1"/>
+          </a:lnRef>
+          <a:fillRef idx="1">
+            <a:schemeClr val="lt1"/>
+          </a:fillRef>
+          <a:effectRef idx="0">
+            <a:schemeClr val="dk1"/>
+          </a:effectRef>
+          <a:fontRef idx="minor">
+            <a:schemeClr val="dk1"/>
+          </a:fontRef>
+        </p:style>
+        <p:txBody>
+          <a:bodyPr rtlCol="0" anchor="ctr"/>
+          <a:lstStyle/>
+          <a:p>
+            <a:pPr algn="ctr"/>
+            <a:endParaRPr lang="en-US"/>
+          </a:p>
+        </p:txBody>
+      </p:sp>
+      <p:sp>
+        <p:nvSpPr>
+          <p:cNvPr id="4" name="Rectangle 3"/>
+          <p:cNvSpPr/>
+          <p:nvPr/>
+        </p:nvSpPr>
+        <p:spPr>
+          <a:xfrm>
+            <a:off x="5254905" y="5484468"/>
+            <a:ext cx="1097665" cy="1068731"/>
+          </a:xfrm>
+          <a:prstGeom prst="rect">
+            <a:avLst/>
+          </a:prstGeom>
+        </p:spPr>
+        <p:style>
+          <a:lnRef idx="2">
+            <a:schemeClr val="dk1"/>
+          </a:lnRef>
+          <a:fillRef idx="1">
+            <a:schemeClr val="lt1"/>
+          </a:fillRef>
+          <a:effectRef idx="0">
+            <a:schemeClr val="dk1"/>
+          </a:effectRef>
+          <a:fontRef idx="minor">
+            <a:schemeClr val="dk1"/>
+          </a:fontRef>
+        </p:style>
+        <p:txBody>
+          <a:bodyPr rtlCol="0" anchor="ctr"/>
+          <a:lstStyle/>
+          <a:p>
+            <a:pPr algn="ctr"/>
+            <a:endParaRPr lang="en-US"/>
+          </a:p>
+        </p:txBody>
+      </p:sp>
+      <p:sp>
+        <p:nvSpPr>
+          <p:cNvPr id="5" name="Rectangle 4"/>
+          <p:cNvSpPr/>
+          <p:nvPr/>
+        </p:nvSpPr>
+        <p:spPr>
+          <a:xfrm>
+            <a:off x="9828836" y="5484468"/>
+            <a:ext cx="1097665" cy="1068731"/>
+          </a:xfrm>
+          <a:prstGeom prst="rect">
+            <a:avLst/>
+          </a:prstGeom>
+        </p:spPr>
+        <p:style>
+          <a:lnRef idx="2">
+            <a:schemeClr val="dk1"/>
+          </a:lnRef>
+          <a:fillRef idx="1">
+            <a:schemeClr val="lt1"/>
+          </a:fillRef>
+          <a:effectRef idx="0">
+            <a:schemeClr val="dk1"/>
+          </a:effectRef>
+          <a:fontRef idx="minor">
+            <a:schemeClr val="dk1"/>
+          </a:fontRef>
+        </p:style>
+        <p:txBody>
+          <a:bodyPr rtlCol="0" anchor="ctr"/>
+          <a:lstStyle/>
+          <a:p>
+            <a:pPr algn="ctr"/>
+            <a:endParaRPr lang="en-US"/>
+          </a:p>
+        </p:txBody>
+      </p:sp>
+      <p:sp>
+        <p:nvSpPr>
+          <p:cNvPr id="6" name="Rectangle 5"/>
+          <p:cNvSpPr/>
+          <p:nvPr/>
+        </p:nvSpPr>
+        <p:spPr>
+          <a:xfrm>
+            <a:off x="5254905" y="1549076"/>
+            <a:ext cx="1097665" cy="1068731"/>
+          </a:xfrm>
+          <a:prstGeom prst="rect">
+            <a:avLst/>
+          </a:prstGeom>
+        </p:spPr>
+        <p:style>
+          <a:lnRef idx="2">
+            <a:schemeClr val="dk1"/>
+          </a:lnRef>
+          <a:fillRef idx="1">
+            <a:schemeClr val="lt1"/>
+          </a:fillRef>
+          <a:effectRef idx="0">
+            <a:schemeClr val="dk1"/>
+          </a:effectRef>
+          <a:fontRef idx="minor">
+            <a:schemeClr val="dk1"/>
+          </a:fontRef>
+        </p:style>
+        <p:txBody>
+          <a:bodyPr rtlCol="0" anchor="ctr"/>
+          <a:lstStyle/>
+          <a:p>
+            <a:pPr algn="ctr"/>
+            <a:endParaRPr lang="en-US"/>
+          </a:p>
+        </p:txBody>
+      </p:sp>
+      <p:sp>
+        <p:nvSpPr>
+          <p:cNvPr id="7" name="Rectangle 6"/>
+          <p:cNvSpPr/>
+          <p:nvPr/>
+        </p:nvSpPr>
+        <p:spPr>
+          <a:xfrm>
+            <a:off x="9828836" y="1549076"/>
+            <a:ext cx="1097665" cy="1068731"/>
+          </a:xfrm>
+          <a:prstGeom prst="rect">
+            <a:avLst/>
+          </a:prstGeom>
+        </p:spPr>
+        <p:style>
+          <a:lnRef idx="2">
+            <a:schemeClr val="dk1"/>
+          </a:lnRef>
+          <a:fillRef idx="1">
+            <a:schemeClr val="lt1"/>
+          </a:fillRef>
+          <a:effectRef idx="0">
+            <a:schemeClr val="dk1"/>
+          </a:effectRef>
+          <a:fontRef idx="minor">
+            <a:schemeClr val="dk1"/>
+          </a:fontRef>
+        </p:style>
+        <p:txBody>
+          <a:bodyPr rtlCol="0" anchor="ctr"/>
+          <a:lstStyle/>
+          <a:p>
+            <a:pPr algn="ctr"/>
+            <a:endParaRPr lang="en-US"/>
+          </a:p>
+        </p:txBody>
+      </p:sp>
+      <p:sp>
+        <p:nvSpPr>
+          <p:cNvPr id="8" name="Rectangle 7"/>
+          <p:cNvSpPr/>
+          <p:nvPr/>
+        </p:nvSpPr>
+        <p:spPr>
+          <a:xfrm>
+            <a:off x="5254905" y="2870519"/>
+            <a:ext cx="1097665" cy="1068731"/>
+          </a:xfrm>
+          <a:prstGeom prst="rect">
+            <a:avLst/>
+          </a:prstGeom>
+        </p:spPr>
+        <p:style>
+          <a:lnRef idx="2">
+            <a:schemeClr val="dk1"/>
+          </a:lnRef>
+          <a:fillRef idx="1">
+            <a:schemeClr val="lt1"/>
+          </a:fillRef>
+          <a:effectRef idx="0">
+            <a:schemeClr val="dk1"/>
+          </a:effectRef>
+          <a:fontRef idx="minor">
+            <a:schemeClr val="dk1"/>
+          </a:fontRef>
+        </p:style>
+        <p:txBody>
+          <a:bodyPr rtlCol="0" anchor="ctr"/>
+          <a:lstStyle/>
+          <a:p>
+            <a:pPr algn="ctr"/>
+            <a:endParaRPr lang="en-US"/>
+          </a:p>
+        </p:txBody>
+      </p:sp>
+      <p:sp>
+        <p:nvSpPr>
+          <p:cNvPr id="9" name="Rectangle 8"/>
+          <p:cNvSpPr/>
+          <p:nvPr/>
+        </p:nvSpPr>
+        <p:spPr>
+          <a:xfrm>
+            <a:off x="9828836" y="2870519"/>
+            <a:ext cx="1097665" cy="1068731"/>
+          </a:xfrm>
+          <a:prstGeom prst="rect">
+            <a:avLst/>
+          </a:prstGeom>
+        </p:spPr>
+        <p:style>
+          <a:lnRef idx="2">
+            <a:schemeClr val="dk1"/>
+          </a:lnRef>
+          <a:fillRef idx="1">
+            <a:schemeClr val="lt1"/>
+          </a:fillRef>
+          <a:effectRef idx="0">
+            <a:schemeClr val="dk1"/>
+          </a:effectRef>
+          <a:fontRef idx="minor">
+            <a:schemeClr val="dk1"/>
+          </a:fontRef>
+        </p:style>
+        <p:txBody>
+          <a:bodyPr rtlCol="0" anchor="ctr"/>
+          <a:lstStyle/>
+          <a:p>
+            <a:pPr algn="ctr"/>
+            <a:endParaRPr lang="en-US"/>
+          </a:p>
+        </p:txBody>
+      </p:sp>
+      <p:sp>
+        <p:nvSpPr>
+          <p:cNvPr id="10" name="Rectangle 9"/>
+          <p:cNvSpPr/>
+          <p:nvPr/>
+        </p:nvSpPr>
+        <p:spPr>
+          <a:xfrm>
+            <a:off x="5254905" y="4131193"/>
+            <a:ext cx="1097665" cy="1068731"/>
+          </a:xfrm>
+          <a:prstGeom prst="rect">
+            <a:avLst/>
+          </a:prstGeom>
+        </p:spPr>
+        <p:style>
+          <a:lnRef idx="2">
+            <a:schemeClr val="dk1"/>
+          </a:lnRef>
+          <a:fillRef idx="1">
+            <a:schemeClr val="lt1"/>
+          </a:fillRef>
+          <a:effectRef idx="0">
+            <a:schemeClr val="dk1"/>
+          </a:effectRef>
+          <a:fontRef idx="minor">
+            <a:schemeClr val="dk1"/>
+          </a:fontRef>
+        </p:style>
+        <p:txBody>
+          <a:bodyPr rtlCol="0" anchor="ctr"/>
+          <a:lstStyle/>
+          <a:p>
+            <a:pPr algn="ctr"/>
+            <a:endParaRPr lang="en-US"/>
+          </a:p>
+        </p:txBody>
+      </p:sp>
+      <p:sp>
+        <p:nvSpPr>
+          <p:cNvPr id="11" name="Rectangle 10"/>
+          <p:cNvSpPr/>
+          <p:nvPr/>
+        </p:nvSpPr>
+        <p:spPr>
+          <a:xfrm>
+            <a:off x="9828836" y="4131193"/>
             <a:ext cx="1097665" cy="1068731"/>
           </a:xfrm>
           <a:prstGeom prst="rect">
@@ -43405,7 +44119,913 @@
 </p:sld>
 </file>
 
-<file path=ppt/slides/slide42.xml><?xml version="1.0" encoding="utf-8"?>
+<file path=ppt/slides/slide49.xml><?xml version="1.0" encoding="utf-8"?>
+<p:sld xmlns:a="http://schemas.openxmlformats.org/drawingml/2006/main" xmlns:r="http://schemas.openxmlformats.org/officeDocument/2006/relationships" xmlns:p="http://schemas.openxmlformats.org/presentationml/2006/main">
+  <p:cSld>
+    <p:spTree>
+      <p:nvGrpSpPr>
+        <p:cNvPr id="1" name=""/>
+        <p:cNvGrpSpPr/>
+        <p:nvPr/>
+      </p:nvGrpSpPr>
+      <p:grpSpPr>
+        <a:xfrm>
+          <a:off x="0" y="0"/>
+          <a:ext cx="0" cy="0"/>
+          <a:chOff x="0" y="0"/>
+          <a:chExt cx="0" cy="0"/>
+        </a:xfrm>
+      </p:grpSpPr>
+      <p:sp>
+        <p:nvSpPr>
+          <p:cNvPr id="3" name="Rectangle 2"/>
+          <p:cNvSpPr/>
+          <p:nvPr/>
+        </p:nvSpPr>
+        <p:spPr>
+          <a:xfrm>
+            <a:off x="1382614" y="455521"/>
+            <a:ext cx="9833254" cy="830997"/>
+          </a:xfrm>
+          <a:prstGeom prst="rect">
+            <a:avLst/>
+          </a:prstGeom>
+        </p:spPr>
+        <p:txBody>
+          <a:bodyPr wrap="square">
+            <a:spAutoFit/>
+          </a:bodyPr>
+          <a:lstStyle/>
+          <a:p>
+            <a:r>
+              <a:rPr lang="en-US" sz="2400" b="1" dirty="0" smtClean="0">
+                <a:solidFill>
+                  <a:srgbClr val="000000"/>
+                </a:solidFill>
+                <a:latin typeface="verdana" panose="020B0604030504040204" pitchFamily="34" charset="0"/>
+              </a:rPr>
+              <a:t>Java support Unicode System -&gt; </a:t>
+            </a:r>
+            <a:r>
+              <a:rPr lang="en-US" sz="2400" dirty="0" smtClean="0"/>
+              <a:t>0 </a:t>
+            </a:r>
+            <a:r>
+              <a:rPr lang="en-US" sz="2400" dirty="0"/>
+              <a:t>to 65,536 (</a:t>
+            </a:r>
+            <a:r>
+              <a:rPr lang="en-US" sz="2400" dirty="0" smtClean="0"/>
+              <a:t>unsigned)</a:t>
+            </a:r>
+            <a:endParaRPr lang="en-US" sz="2400" b="1" dirty="0" smtClean="0">
+              <a:solidFill>
+                <a:srgbClr val="000000"/>
+              </a:solidFill>
+              <a:latin typeface="verdana" panose="020B0604030504040204" pitchFamily="34" charset="0"/>
+            </a:endParaRPr>
+          </a:p>
+          <a:p>
+            <a:r>
+              <a:rPr lang="en-US" sz="2400" b="1" dirty="0" smtClean="0">
+                <a:solidFill>
+                  <a:srgbClr val="000000"/>
+                </a:solidFill>
+                <a:latin typeface="verdana" panose="020B0604030504040204" pitchFamily="34" charset="0"/>
+              </a:rPr>
+              <a:t>The </a:t>
+            </a:r>
+            <a:r>
+              <a:rPr lang="en-US" sz="2400" b="1" dirty="0">
+                <a:solidFill>
+                  <a:srgbClr val="000000"/>
+                </a:solidFill>
+                <a:latin typeface="verdana" panose="020B0604030504040204" pitchFamily="34" charset="0"/>
+              </a:rPr>
+              <a:t>\u0000 is the lowest range of the Unicode system</a:t>
+            </a:r>
+            <a:endParaRPr lang="en-US" sz="2400" b="1" dirty="0"/>
+          </a:p>
+        </p:txBody>
+      </p:sp>
+      <p:sp>
+        <p:nvSpPr>
+          <p:cNvPr id="4" name="Rectangle 3"/>
+          <p:cNvSpPr/>
+          <p:nvPr/>
+        </p:nvSpPr>
+        <p:spPr>
+          <a:xfrm>
+            <a:off x="5576788" y="1770926"/>
+            <a:ext cx="1444905" cy="1495063"/>
+          </a:xfrm>
+          <a:prstGeom prst="rect">
+            <a:avLst/>
+          </a:prstGeom>
+        </p:spPr>
+        <p:style>
+          <a:lnRef idx="2">
+            <a:schemeClr val="dk1"/>
+          </a:lnRef>
+          <a:fillRef idx="1">
+            <a:schemeClr val="lt1"/>
+          </a:fillRef>
+          <a:effectRef idx="0">
+            <a:schemeClr val="dk1"/>
+          </a:effectRef>
+          <a:fontRef idx="minor">
+            <a:schemeClr val="dk1"/>
+          </a:fontRef>
+        </p:style>
+        <p:txBody>
+          <a:bodyPr rtlCol="0" anchor="ctr"/>
+          <a:lstStyle/>
+          <a:p>
+            <a:pPr algn="ctr"/>
+            <a:endParaRPr lang="en-US" dirty="0"/>
+          </a:p>
+        </p:txBody>
+      </p:sp>
+      <p:sp>
+        <p:nvSpPr>
+          <p:cNvPr id="26" name="Rectangle 25"/>
+          <p:cNvSpPr/>
+          <p:nvPr/>
+        </p:nvSpPr>
+        <p:spPr>
+          <a:xfrm>
+            <a:off x="211953" y="3750397"/>
+            <a:ext cx="11702005" cy="1655180"/>
+          </a:xfrm>
+          <a:prstGeom prst="rect">
+            <a:avLst/>
+          </a:prstGeom>
+        </p:spPr>
+        <p:style>
+          <a:lnRef idx="2">
+            <a:schemeClr val="accent2"/>
+          </a:lnRef>
+          <a:fillRef idx="1">
+            <a:schemeClr val="lt1"/>
+          </a:fillRef>
+          <a:effectRef idx="0">
+            <a:schemeClr val="accent2"/>
+          </a:effectRef>
+          <a:fontRef idx="minor">
+            <a:schemeClr val="dk1"/>
+          </a:fontRef>
+        </p:style>
+        <p:txBody>
+          <a:bodyPr rtlCol="0" anchor="ctr"/>
+          <a:lstStyle/>
+          <a:p>
+            <a:pPr algn="ctr"/>
+            <a:endParaRPr lang="en-US"/>
+          </a:p>
+        </p:txBody>
+      </p:sp>
+      <p:sp>
+        <p:nvSpPr>
+          <p:cNvPr id="5" name="Rectangle 4"/>
+          <p:cNvSpPr/>
+          <p:nvPr/>
+        </p:nvSpPr>
+        <p:spPr>
+          <a:xfrm>
+            <a:off x="358535" y="4018543"/>
+            <a:ext cx="497992" cy="1097667"/>
+          </a:xfrm>
+          <a:prstGeom prst="rect">
+            <a:avLst/>
+          </a:prstGeom>
+        </p:spPr>
+        <p:style>
+          <a:lnRef idx="2">
+            <a:schemeClr val="dk1"/>
+          </a:lnRef>
+          <a:fillRef idx="1">
+            <a:schemeClr val="lt1"/>
+          </a:fillRef>
+          <a:effectRef idx="0">
+            <a:schemeClr val="dk1"/>
+          </a:effectRef>
+          <a:fontRef idx="minor">
+            <a:schemeClr val="dk1"/>
+          </a:fontRef>
+        </p:style>
+        <p:txBody>
+          <a:bodyPr rtlCol="0" anchor="ctr"/>
+          <a:lstStyle/>
+          <a:p>
+            <a:pPr algn="ctr"/>
+            <a:endParaRPr lang="en-US"/>
+          </a:p>
+        </p:txBody>
+      </p:sp>
+      <p:sp>
+        <p:nvSpPr>
+          <p:cNvPr id="6" name="Rectangle 5"/>
+          <p:cNvSpPr/>
+          <p:nvPr/>
+        </p:nvSpPr>
+        <p:spPr>
+          <a:xfrm>
+            <a:off x="896197" y="4018542"/>
+            <a:ext cx="497992" cy="1097667"/>
+          </a:xfrm>
+          <a:prstGeom prst="rect">
+            <a:avLst/>
+          </a:prstGeom>
+        </p:spPr>
+        <p:style>
+          <a:lnRef idx="2">
+            <a:schemeClr val="dk1"/>
+          </a:lnRef>
+          <a:fillRef idx="1">
+            <a:schemeClr val="lt1"/>
+          </a:fillRef>
+          <a:effectRef idx="0">
+            <a:schemeClr val="dk1"/>
+          </a:effectRef>
+          <a:fontRef idx="minor">
+            <a:schemeClr val="dk1"/>
+          </a:fontRef>
+        </p:style>
+        <p:txBody>
+          <a:bodyPr rtlCol="0" anchor="ctr"/>
+          <a:lstStyle/>
+          <a:p>
+            <a:pPr algn="ctr"/>
+            <a:endParaRPr lang="en-US"/>
+          </a:p>
+        </p:txBody>
+      </p:sp>
+      <p:sp>
+        <p:nvSpPr>
+          <p:cNvPr id="7" name="Rectangle 6"/>
+          <p:cNvSpPr/>
+          <p:nvPr/>
+        </p:nvSpPr>
+        <p:spPr>
+          <a:xfrm>
+            <a:off x="1421584" y="4018543"/>
+            <a:ext cx="497992" cy="1097667"/>
+          </a:xfrm>
+          <a:prstGeom prst="rect">
+            <a:avLst/>
+          </a:prstGeom>
+        </p:spPr>
+        <p:style>
+          <a:lnRef idx="2">
+            <a:schemeClr val="dk1"/>
+          </a:lnRef>
+          <a:fillRef idx="1">
+            <a:schemeClr val="lt1"/>
+          </a:fillRef>
+          <a:effectRef idx="0">
+            <a:schemeClr val="dk1"/>
+          </a:effectRef>
+          <a:fontRef idx="minor">
+            <a:schemeClr val="dk1"/>
+          </a:fontRef>
+        </p:style>
+        <p:txBody>
+          <a:bodyPr rtlCol="0" anchor="ctr"/>
+          <a:lstStyle/>
+          <a:p>
+            <a:pPr algn="ctr"/>
+            <a:endParaRPr lang="en-US"/>
+          </a:p>
+        </p:txBody>
+      </p:sp>
+      <p:sp>
+        <p:nvSpPr>
+          <p:cNvPr id="8" name="Rectangle 7"/>
+          <p:cNvSpPr/>
+          <p:nvPr/>
+        </p:nvSpPr>
+        <p:spPr>
+          <a:xfrm>
+            <a:off x="1959246" y="4018542"/>
+            <a:ext cx="497992" cy="1097667"/>
+          </a:xfrm>
+          <a:prstGeom prst="rect">
+            <a:avLst/>
+          </a:prstGeom>
+        </p:spPr>
+        <p:style>
+          <a:lnRef idx="2">
+            <a:schemeClr val="dk1"/>
+          </a:lnRef>
+          <a:fillRef idx="1">
+            <a:schemeClr val="lt1"/>
+          </a:fillRef>
+          <a:effectRef idx="0">
+            <a:schemeClr val="dk1"/>
+          </a:effectRef>
+          <a:fontRef idx="minor">
+            <a:schemeClr val="dk1"/>
+          </a:fontRef>
+        </p:style>
+        <p:txBody>
+          <a:bodyPr rtlCol="0" anchor="ctr"/>
+          <a:lstStyle/>
+          <a:p>
+            <a:pPr algn="ctr"/>
+            <a:endParaRPr lang="en-US"/>
+          </a:p>
+        </p:txBody>
+      </p:sp>
+      <p:sp>
+        <p:nvSpPr>
+          <p:cNvPr id="9" name="Rectangle 8"/>
+          <p:cNvSpPr/>
+          <p:nvPr/>
+        </p:nvSpPr>
+        <p:spPr>
+          <a:xfrm>
+            <a:off x="3454935" y="4018543"/>
+            <a:ext cx="497992" cy="1097667"/>
+          </a:xfrm>
+          <a:prstGeom prst="rect">
+            <a:avLst/>
+          </a:prstGeom>
+        </p:spPr>
+        <p:style>
+          <a:lnRef idx="2">
+            <a:schemeClr val="dk1"/>
+          </a:lnRef>
+          <a:fillRef idx="1">
+            <a:schemeClr val="lt1"/>
+          </a:fillRef>
+          <a:effectRef idx="0">
+            <a:schemeClr val="dk1"/>
+          </a:effectRef>
+          <a:fontRef idx="minor">
+            <a:schemeClr val="dk1"/>
+          </a:fontRef>
+        </p:style>
+        <p:txBody>
+          <a:bodyPr rtlCol="0" anchor="ctr"/>
+          <a:lstStyle/>
+          <a:p>
+            <a:pPr algn="ctr"/>
+            <a:endParaRPr lang="en-US"/>
+          </a:p>
+        </p:txBody>
+      </p:sp>
+      <p:sp>
+        <p:nvSpPr>
+          <p:cNvPr id="10" name="Rectangle 9"/>
+          <p:cNvSpPr/>
+          <p:nvPr/>
+        </p:nvSpPr>
+        <p:spPr>
+          <a:xfrm>
+            <a:off x="3992597" y="4018542"/>
+            <a:ext cx="497992" cy="1097667"/>
+          </a:xfrm>
+          <a:prstGeom prst="rect">
+            <a:avLst/>
+          </a:prstGeom>
+        </p:spPr>
+        <p:style>
+          <a:lnRef idx="2">
+            <a:schemeClr val="dk1"/>
+          </a:lnRef>
+          <a:fillRef idx="1">
+            <a:schemeClr val="lt1"/>
+          </a:fillRef>
+          <a:effectRef idx="0">
+            <a:schemeClr val="dk1"/>
+          </a:effectRef>
+          <a:fontRef idx="minor">
+            <a:schemeClr val="dk1"/>
+          </a:fontRef>
+        </p:style>
+        <p:txBody>
+          <a:bodyPr rtlCol="0" anchor="ctr"/>
+          <a:lstStyle/>
+          <a:p>
+            <a:pPr algn="ctr"/>
+            <a:endParaRPr lang="en-US"/>
+          </a:p>
+        </p:txBody>
+      </p:sp>
+      <p:sp>
+        <p:nvSpPr>
+          <p:cNvPr id="11" name="Rectangle 10"/>
+          <p:cNvSpPr/>
+          <p:nvPr/>
+        </p:nvSpPr>
+        <p:spPr>
+          <a:xfrm>
+            <a:off x="4517984" y="4018543"/>
+            <a:ext cx="497992" cy="1097667"/>
+          </a:xfrm>
+          <a:prstGeom prst="rect">
+            <a:avLst/>
+          </a:prstGeom>
+        </p:spPr>
+        <p:style>
+          <a:lnRef idx="2">
+            <a:schemeClr val="dk1"/>
+          </a:lnRef>
+          <a:fillRef idx="1">
+            <a:schemeClr val="lt1"/>
+          </a:fillRef>
+          <a:effectRef idx="0">
+            <a:schemeClr val="dk1"/>
+          </a:effectRef>
+          <a:fontRef idx="minor">
+            <a:schemeClr val="dk1"/>
+          </a:fontRef>
+        </p:style>
+        <p:txBody>
+          <a:bodyPr rtlCol="0" anchor="ctr"/>
+          <a:lstStyle/>
+          <a:p>
+            <a:pPr algn="ctr"/>
+            <a:endParaRPr lang="en-US"/>
+          </a:p>
+        </p:txBody>
+      </p:sp>
+      <p:sp>
+        <p:nvSpPr>
+          <p:cNvPr id="12" name="Rectangle 11"/>
+          <p:cNvSpPr/>
+          <p:nvPr/>
+        </p:nvSpPr>
+        <p:spPr>
+          <a:xfrm>
+            <a:off x="5055646" y="4018542"/>
+            <a:ext cx="497992" cy="1097667"/>
+          </a:xfrm>
+          <a:prstGeom prst="rect">
+            <a:avLst/>
+          </a:prstGeom>
+        </p:spPr>
+        <p:style>
+          <a:lnRef idx="2">
+            <a:schemeClr val="dk1"/>
+          </a:lnRef>
+          <a:fillRef idx="1">
+            <a:schemeClr val="lt1"/>
+          </a:fillRef>
+          <a:effectRef idx="0">
+            <a:schemeClr val="dk1"/>
+          </a:effectRef>
+          <a:fontRef idx="minor">
+            <a:schemeClr val="dk1"/>
+          </a:fontRef>
+        </p:style>
+        <p:txBody>
+          <a:bodyPr rtlCol="0" anchor="ctr"/>
+          <a:lstStyle/>
+          <a:p>
+            <a:pPr algn="ctr"/>
+            <a:endParaRPr lang="en-US"/>
+          </a:p>
+        </p:txBody>
+      </p:sp>
+      <p:sp>
+        <p:nvSpPr>
+          <p:cNvPr id="13" name="Rectangle 12"/>
+          <p:cNvSpPr/>
+          <p:nvPr/>
+        </p:nvSpPr>
+        <p:spPr>
+          <a:xfrm>
+            <a:off x="6547304" y="4018542"/>
+            <a:ext cx="497992" cy="1097667"/>
+          </a:xfrm>
+          <a:prstGeom prst="rect">
+            <a:avLst/>
+          </a:prstGeom>
+        </p:spPr>
+        <p:style>
+          <a:lnRef idx="2">
+            <a:schemeClr val="dk1"/>
+          </a:lnRef>
+          <a:fillRef idx="1">
+            <a:schemeClr val="lt1"/>
+          </a:fillRef>
+          <a:effectRef idx="0">
+            <a:schemeClr val="dk1"/>
+          </a:effectRef>
+          <a:fontRef idx="minor">
+            <a:schemeClr val="dk1"/>
+          </a:fontRef>
+        </p:style>
+        <p:txBody>
+          <a:bodyPr rtlCol="0" anchor="ctr"/>
+          <a:lstStyle/>
+          <a:p>
+            <a:pPr algn="ctr"/>
+            <a:endParaRPr lang="en-US"/>
+          </a:p>
+        </p:txBody>
+      </p:sp>
+      <p:sp>
+        <p:nvSpPr>
+          <p:cNvPr id="14" name="Rectangle 13"/>
+          <p:cNvSpPr/>
+          <p:nvPr/>
+        </p:nvSpPr>
+        <p:spPr>
+          <a:xfrm>
+            <a:off x="7084966" y="4018541"/>
+            <a:ext cx="497992" cy="1097667"/>
+          </a:xfrm>
+          <a:prstGeom prst="rect">
+            <a:avLst/>
+          </a:prstGeom>
+        </p:spPr>
+        <p:style>
+          <a:lnRef idx="2">
+            <a:schemeClr val="dk1"/>
+          </a:lnRef>
+          <a:fillRef idx="1">
+            <a:schemeClr val="lt1"/>
+          </a:fillRef>
+          <a:effectRef idx="0">
+            <a:schemeClr val="dk1"/>
+          </a:effectRef>
+          <a:fontRef idx="minor">
+            <a:schemeClr val="dk1"/>
+          </a:fontRef>
+        </p:style>
+        <p:txBody>
+          <a:bodyPr rtlCol="0" anchor="ctr"/>
+          <a:lstStyle/>
+          <a:p>
+            <a:pPr algn="ctr"/>
+            <a:endParaRPr lang="en-US"/>
+          </a:p>
+        </p:txBody>
+      </p:sp>
+      <p:sp>
+        <p:nvSpPr>
+          <p:cNvPr id="15" name="Rectangle 14"/>
+          <p:cNvSpPr/>
+          <p:nvPr/>
+        </p:nvSpPr>
+        <p:spPr>
+          <a:xfrm>
+            <a:off x="7610353" y="4018542"/>
+            <a:ext cx="497992" cy="1097667"/>
+          </a:xfrm>
+          <a:prstGeom prst="rect">
+            <a:avLst/>
+          </a:prstGeom>
+        </p:spPr>
+        <p:style>
+          <a:lnRef idx="2">
+            <a:schemeClr val="dk1"/>
+          </a:lnRef>
+          <a:fillRef idx="1">
+            <a:schemeClr val="lt1"/>
+          </a:fillRef>
+          <a:effectRef idx="0">
+            <a:schemeClr val="dk1"/>
+          </a:effectRef>
+          <a:fontRef idx="minor">
+            <a:schemeClr val="dk1"/>
+          </a:fontRef>
+        </p:style>
+        <p:txBody>
+          <a:bodyPr rtlCol="0" anchor="ctr"/>
+          <a:lstStyle/>
+          <a:p>
+            <a:pPr algn="ctr"/>
+            <a:endParaRPr lang="en-US"/>
+          </a:p>
+        </p:txBody>
+      </p:sp>
+      <p:sp>
+        <p:nvSpPr>
+          <p:cNvPr id="16" name="Rectangle 15"/>
+          <p:cNvSpPr/>
+          <p:nvPr/>
+        </p:nvSpPr>
+        <p:spPr>
+          <a:xfrm>
+            <a:off x="8148015" y="4018541"/>
+            <a:ext cx="497992" cy="1097667"/>
+          </a:xfrm>
+          <a:prstGeom prst="rect">
+            <a:avLst/>
+          </a:prstGeom>
+        </p:spPr>
+        <p:style>
+          <a:lnRef idx="2">
+            <a:schemeClr val="dk1"/>
+          </a:lnRef>
+          <a:fillRef idx="1">
+            <a:schemeClr val="lt1"/>
+          </a:fillRef>
+          <a:effectRef idx="0">
+            <a:schemeClr val="dk1"/>
+          </a:effectRef>
+          <a:fontRef idx="minor">
+            <a:schemeClr val="dk1"/>
+          </a:fontRef>
+        </p:style>
+        <p:txBody>
+          <a:bodyPr rtlCol="0" anchor="ctr"/>
+          <a:lstStyle/>
+          <a:p>
+            <a:pPr algn="ctr"/>
+            <a:endParaRPr lang="en-US"/>
+          </a:p>
+        </p:txBody>
+      </p:sp>
+      <p:sp>
+        <p:nvSpPr>
+          <p:cNvPr id="17" name="Rectangle 16"/>
+          <p:cNvSpPr/>
+          <p:nvPr/>
+        </p:nvSpPr>
+        <p:spPr>
+          <a:xfrm>
+            <a:off x="9639673" y="4018542"/>
+            <a:ext cx="497992" cy="1097667"/>
+          </a:xfrm>
+          <a:prstGeom prst="rect">
+            <a:avLst/>
+          </a:prstGeom>
+        </p:spPr>
+        <p:style>
+          <a:lnRef idx="2">
+            <a:schemeClr val="dk1"/>
+          </a:lnRef>
+          <a:fillRef idx="1">
+            <a:schemeClr val="lt1"/>
+          </a:fillRef>
+          <a:effectRef idx="0">
+            <a:schemeClr val="dk1"/>
+          </a:effectRef>
+          <a:fontRef idx="minor">
+            <a:schemeClr val="dk1"/>
+          </a:fontRef>
+        </p:style>
+        <p:txBody>
+          <a:bodyPr rtlCol="0" anchor="ctr"/>
+          <a:lstStyle/>
+          <a:p>
+            <a:pPr algn="ctr"/>
+            <a:endParaRPr lang="en-US"/>
+          </a:p>
+        </p:txBody>
+      </p:sp>
+      <p:sp>
+        <p:nvSpPr>
+          <p:cNvPr id="18" name="Rectangle 17"/>
+          <p:cNvSpPr/>
+          <p:nvPr/>
+        </p:nvSpPr>
+        <p:spPr>
+          <a:xfrm>
+            <a:off x="10177335" y="4018541"/>
+            <a:ext cx="497992" cy="1097667"/>
+          </a:xfrm>
+          <a:prstGeom prst="rect">
+            <a:avLst/>
+          </a:prstGeom>
+        </p:spPr>
+        <p:style>
+          <a:lnRef idx="2">
+            <a:schemeClr val="dk1"/>
+          </a:lnRef>
+          <a:fillRef idx="1">
+            <a:schemeClr val="lt1"/>
+          </a:fillRef>
+          <a:effectRef idx="0">
+            <a:schemeClr val="dk1"/>
+          </a:effectRef>
+          <a:fontRef idx="minor">
+            <a:schemeClr val="dk1"/>
+          </a:fontRef>
+        </p:style>
+        <p:txBody>
+          <a:bodyPr rtlCol="0" anchor="ctr"/>
+          <a:lstStyle/>
+          <a:p>
+            <a:pPr algn="ctr"/>
+            <a:endParaRPr lang="en-US"/>
+          </a:p>
+        </p:txBody>
+      </p:sp>
+      <p:sp>
+        <p:nvSpPr>
+          <p:cNvPr id="19" name="Rectangle 18"/>
+          <p:cNvSpPr/>
+          <p:nvPr/>
+        </p:nvSpPr>
+        <p:spPr>
+          <a:xfrm>
+            <a:off x="10702722" y="4018542"/>
+            <a:ext cx="497992" cy="1097667"/>
+          </a:xfrm>
+          <a:prstGeom prst="rect">
+            <a:avLst/>
+          </a:prstGeom>
+        </p:spPr>
+        <p:style>
+          <a:lnRef idx="2">
+            <a:schemeClr val="dk1"/>
+          </a:lnRef>
+          <a:fillRef idx="1">
+            <a:schemeClr val="lt1"/>
+          </a:fillRef>
+          <a:effectRef idx="0">
+            <a:schemeClr val="dk1"/>
+          </a:effectRef>
+          <a:fontRef idx="minor">
+            <a:schemeClr val="dk1"/>
+          </a:fontRef>
+        </p:style>
+        <p:txBody>
+          <a:bodyPr rtlCol="0" anchor="ctr"/>
+          <a:lstStyle/>
+          <a:p>
+            <a:pPr algn="ctr"/>
+            <a:endParaRPr lang="en-US"/>
+          </a:p>
+        </p:txBody>
+      </p:sp>
+      <p:sp>
+        <p:nvSpPr>
+          <p:cNvPr id="20" name="Rectangle 19"/>
+          <p:cNvSpPr/>
+          <p:nvPr/>
+        </p:nvSpPr>
+        <p:spPr>
+          <a:xfrm>
+            <a:off x="11240384" y="4018541"/>
+            <a:ext cx="497992" cy="1097667"/>
+          </a:xfrm>
+          <a:prstGeom prst="rect">
+            <a:avLst/>
+          </a:prstGeom>
+        </p:spPr>
+        <p:style>
+          <a:lnRef idx="2">
+            <a:schemeClr val="dk1"/>
+          </a:lnRef>
+          <a:fillRef idx="1">
+            <a:schemeClr val="lt1"/>
+          </a:fillRef>
+          <a:effectRef idx="0">
+            <a:schemeClr val="dk1"/>
+          </a:effectRef>
+          <a:fontRef idx="minor">
+            <a:schemeClr val="dk1"/>
+          </a:fontRef>
+        </p:style>
+        <p:txBody>
+          <a:bodyPr rtlCol="0" anchor="ctr"/>
+          <a:lstStyle/>
+          <a:p>
+            <a:pPr algn="ctr"/>
+            <a:endParaRPr lang="en-US"/>
+          </a:p>
+        </p:txBody>
+      </p:sp>
+    </p:spTree>
+    <p:extLst>
+      <p:ext uri="{BB962C8B-B14F-4D97-AF65-F5344CB8AC3E}">
+        <p14:creationId xmlns:p14="http://schemas.microsoft.com/office/powerpoint/2010/main" val="2535470019"/>
+      </p:ext>
+    </p:extLst>
+  </p:cSld>
+  <p:clrMapOvr>
+    <a:masterClrMapping/>
+  </p:clrMapOvr>
+</p:sld>
+</file>
+
+<file path=ppt/slides/slide5.xml><?xml version="1.0" encoding="utf-8"?>
+<p:sld xmlns:a="http://schemas.openxmlformats.org/drawingml/2006/main" xmlns:r="http://schemas.openxmlformats.org/officeDocument/2006/relationships" xmlns:p="http://schemas.openxmlformats.org/presentationml/2006/main">
+  <p:cSld>
+    <p:spTree>
+      <p:nvGrpSpPr>
+        <p:cNvPr id="1" name=""/>
+        <p:cNvGrpSpPr/>
+        <p:nvPr/>
+      </p:nvGrpSpPr>
+      <p:grpSpPr>
+        <a:xfrm>
+          <a:off x="0" y="0"/>
+          <a:ext cx="0" cy="0"/>
+          <a:chOff x="0" y="0"/>
+          <a:chExt cx="0" cy="0"/>
+        </a:xfrm>
+      </p:grpSpPr>
+      <p:pic>
+        <p:nvPicPr>
+          <p:cNvPr id="2" name="Picture 1"/>
+          <p:cNvPicPr>
+            <a:picLocks noChangeAspect="1"/>
+          </p:cNvPicPr>
+          <p:nvPr/>
+        </p:nvPicPr>
+        <p:blipFill>
+          <a:blip r:embed="rId2">
+            <a:extLst>
+              <a:ext uri="{28A0092B-C50C-407E-A947-70E740481C1C}">
+                <a14:useLocalDpi xmlns:a14="http://schemas.microsoft.com/office/drawing/2010/main" val="0"/>
+              </a:ext>
+            </a:extLst>
+          </a:blip>
+          <a:stretch>
+            <a:fillRect/>
+          </a:stretch>
+        </p:blipFill>
+        <p:spPr>
+          <a:xfrm>
+            <a:off x="0" y="0"/>
+            <a:ext cx="12191999" cy="6858000"/>
+          </a:xfrm>
+          <a:prstGeom prst="rect">
+            <a:avLst/>
+          </a:prstGeom>
+        </p:spPr>
+      </p:pic>
+    </p:spTree>
+    <p:extLst>
+      <p:ext uri="{BB962C8B-B14F-4D97-AF65-F5344CB8AC3E}">
+        <p14:creationId xmlns:p14="http://schemas.microsoft.com/office/powerpoint/2010/main" val="2049121560"/>
+      </p:ext>
+    </p:extLst>
+  </p:cSld>
+  <p:clrMapOvr>
+    <a:masterClrMapping/>
+  </p:clrMapOvr>
+</p:sld>
+</file>
+
+<file path=ppt/slides/slide50.xml><?xml version="1.0" encoding="utf-8"?>
+<p:sld xmlns:a="http://schemas.openxmlformats.org/drawingml/2006/main" xmlns:r="http://schemas.openxmlformats.org/officeDocument/2006/relationships" xmlns:p="http://schemas.openxmlformats.org/presentationml/2006/main">
+  <p:cSld>
+    <p:spTree>
+      <p:nvGrpSpPr>
+        <p:cNvPr id="1" name=""/>
+        <p:cNvGrpSpPr/>
+        <p:nvPr/>
+      </p:nvGrpSpPr>
+      <p:grpSpPr>
+        <a:xfrm>
+          <a:off x="0" y="0"/>
+          <a:ext cx="0" cy="0"/>
+          <a:chOff x="0" y="0"/>
+          <a:chExt cx="0" cy="0"/>
+        </a:xfrm>
+      </p:grpSpPr>
+      <p:pic>
+        <p:nvPicPr>
+          <p:cNvPr id="2" name="Picture 1"/>
+          <p:cNvPicPr>
+            <a:picLocks noChangeAspect="1"/>
+          </p:cNvPicPr>
+          <p:nvPr/>
+        </p:nvPicPr>
+        <p:blipFill>
+          <a:blip r:embed="rId2">
+            <a:extLst>
+              <a:ext uri="{28A0092B-C50C-407E-A947-70E740481C1C}">
+                <a14:useLocalDpi xmlns:a14="http://schemas.microsoft.com/office/drawing/2010/main" val="0"/>
+              </a:ext>
+            </a:extLst>
+          </a:blip>
+          <a:stretch>
+            <a:fillRect/>
+          </a:stretch>
+        </p:blipFill>
+        <p:spPr>
+          <a:xfrm>
+            <a:off x="210382" y="1099595"/>
+            <a:ext cx="11818753" cy="4236334"/>
+          </a:xfrm>
+          <a:prstGeom prst="rect">
+            <a:avLst/>
+          </a:prstGeom>
+        </p:spPr>
+      </p:pic>
+    </p:spTree>
+    <p:extLst>
+      <p:ext uri="{BB962C8B-B14F-4D97-AF65-F5344CB8AC3E}">
+        <p14:creationId xmlns:p14="http://schemas.microsoft.com/office/powerpoint/2010/main" val="508375074"/>
+      </p:ext>
+    </p:extLst>
+  </p:cSld>
+  <p:clrMapOvr>
+    <a:masterClrMapping/>
+  </p:clrMapOvr>
+</p:sld>
+</file>
+
+<file path=ppt/slides/slide51.xml><?xml version="1.0" encoding="utf-8"?>
 <p:sld xmlns:a="http://schemas.openxmlformats.org/drawingml/2006/main" xmlns:r="http://schemas.openxmlformats.org/officeDocument/2006/relationships" xmlns:p="http://schemas.openxmlformats.org/presentationml/2006/main">
   <p:cSld>
     <p:spTree>
@@ -43553,66 +45173,6 @@
       <p:bldP spid="2" grpId="0"/>
     </p:bldLst>
   </p:timing>
-</p:sld>
-</file>
-
-<file path=ppt/slides/slide5.xml><?xml version="1.0" encoding="utf-8"?>
-<p:sld xmlns:a="http://schemas.openxmlformats.org/drawingml/2006/main" xmlns:r="http://schemas.openxmlformats.org/officeDocument/2006/relationships" xmlns:p="http://schemas.openxmlformats.org/presentationml/2006/main">
-  <p:cSld>
-    <p:spTree>
-      <p:nvGrpSpPr>
-        <p:cNvPr id="1" name=""/>
-        <p:cNvGrpSpPr/>
-        <p:nvPr/>
-      </p:nvGrpSpPr>
-      <p:grpSpPr>
-        <a:xfrm>
-          <a:off x="0" y="0"/>
-          <a:ext cx="0" cy="0"/>
-          <a:chOff x="0" y="0"/>
-          <a:chExt cx="0" cy="0"/>
-        </a:xfrm>
-      </p:grpSpPr>
-      <p:pic>
-        <p:nvPicPr>
-          <p:cNvPr id="2" name="Picture 1"/>
-          <p:cNvPicPr>
-            <a:picLocks noChangeAspect="1"/>
-          </p:cNvPicPr>
-          <p:nvPr/>
-        </p:nvPicPr>
-        <p:blipFill>
-          <a:blip r:embed="rId2">
-            <a:extLst>
-              <a:ext uri="{28A0092B-C50C-407E-A947-70E740481C1C}">
-                <a14:useLocalDpi xmlns:a14="http://schemas.microsoft.com/office/drawing/2010/main" val="0"/>
-              </a:ext>
-            </a:extLst>
-          </a:blip>
-          <a:stretch>
-            <a:fillRect/>
-          </a:stretch>
-        </p:blipFill>
-        <p:spPr>
-          <a:xfrm>
-            <a:off x="0" y="0"/>
-            <a:ext cx="12191999" cy="6858000"/>
-          </a:xfrm>
-          <a:prstGeom prst="rect">
-            <a:avLst/>
-          </a:prstGeom>
-        </p:spPr>
-      </p:pic>
-    </p:spTree>
-    <p:extLst>
-      <p:ext uri="{BB962C8B-B14F-4D97-AF65-F5344CB8AC3E}">
-        <p14:creationId xmlns:p14="http://schemas.microsoft.com/office/powerpoint/2010/main" val="2049121560"/>
-      </p:ext>
-    </p:extLst>
-  </p:cSld>
-  <p:clrMapOvr>
-    <a:masterClrMapping/>
-  </p:clrMapOvr>
 </p:sld>
 </file>
 

--- a/java.pptx
+++ b/java.pptx
@@ -5,7 +5,7 @@
     <p:sldMasterId id="2147483648" r:id="rId1"/>
   </p:sldMasterIdLst>
   <p:notesMasterIdLst>
-    <p:notesMasterId r:id="rId53"/>
+    <p:notesMasterId r:id="rId59"/>
   </p:notesMasterIdLst>
   <p:sldIdLst>
     <p:sldId id="256" r:id="rId2"/>
@@ -58,7 +58,13 @@
     <p:sldId id="299" r:id="rId49"/>
     <p:sldId id="309" r:id="rId50"/>
     <p:sldId id="310" r:id="rId51"/>
-    <p:sldId id="258" r:id="rId52"/>
+    <p:sldId id="311" r:id="rId52"/>
+    <p:sldId id="312" r:id="rId53"/>
+    <p:sldId id="316" r:id="rId54"/>
+    <p:sldId id="313" r:id="rId55"/>
+    <p:sldId id="314" r:id="rId56"/>
+    <p:sldId id="315" r:id="rId57"/>
+    <p:sldId id="258" r:id="rId58"/>
   </p:sldIdLst>
   <p:sldSz cx="12192000" cy="6858000"/>
   <p:notesSz cx="6858000" cy="9144000"/>
@@ -247,7 +253,7 @@
           <a:p>
             <a:fld id="{45B90A11-B180-4F83-93F9-042F493DCDF8}" type="datetimeFigureOut">
               <a:rPr lang="en-US" smtClean="0"/>
-              <a:t>5/8/2020</a:t>
+              <a:t>5/11/2020</a:t>
             </a:fld>
             <a:endParaRPr lang="en-US"/>
           </a:p>
@@ -730,7 +736,7 @@
           <a:p>
             <a:fld id="{C2DA0242-D9EE-432E-84F8-92753C2C1265}" type="datetimeFigureOut">
               <a:rPr lang="en-US" smtClean="0"/>
-              <a:t>5/8/2020</a:t>
+              <a:t>5/11/2020</a:t>
             </a:fld>
             <a:endParaRPr lang="en-US"/>
           </a:p>
@@ -900,7 +906,7 @@
           <a:p>
             <a:fld id="{C2DA0242-D9EE-432E-84F8-92753C2C1265}" type="datetimeFigureOut">
               <a:rPr lang="en-US" smtClean="0"/>
-              <a:t>5/8/2020</a:t>
+              <a:t>5/11/2020</a:t>
             </a:fld>
             <a:endParaRPr lang="en-US"/>
           </a:p>
@@ -1080,7 +1086,7 @@
           <a:p>
             <a:fld id="{C2DA0242-D9EE-432E-84F8-92753C2C1265}" type="datetimeFigureOut">
               <a:rPr lang="en-US" smtClean="0"/>
-              <a:t>5/8/2020</a:t>
+              <a:t>5/11/2020</a:t>
             </a:fld>
             <a:endParaRPr lang="en-US"/>
           </a:p>
@@ -1250,7 +1256,7 @@
           <a:p>
             <a:fld id="{C2DA0242-D9EE-432E-84F8-92753C2C1265}" type="datetimeFigureOut">
               <a:rPr lang="en-US" smtClean="0"/>
-              <a:t>5/8/2020</a:t>
+              <a:t>5/11/2020</a:t>
             </a:fld>
             <a:endParaRPr lang="en-US"/>
           </a:p>
@@ -1496,7 +1502,7 @@
           <a:p>
             <a:fld id="{C2DA0242-D9EE-432E-84F8-92753C2C1265}" type="datetimeFigureOut">
               <a:rPr lang="en-US" smtClean="0"/>
-              <a:t>5/8/2020</a:t>
+              <a:t>5/11/2020</a:t>
             </a:fld>
             <a:endParaRPr lang="en-US"/>
           </a:p>
@@ -1728,7 +1734,7 @@
           <a:p>
             <a:fld id="{C2DA0242-D9EE-432E-84F8-92753C2C1265}" type="datetimeFigureOut">
               <a:rPr lang="en-US" smtClean="0"/>
-              <a:t>5/8/2020</a:t>
+              <a:t>5/11/2020</a:t>
             </a:fld>
             <a:endParaRPr lang="en-US"/>
           </a:p>
@@ -2095,7 +2101,7 @@
           <a:p>
             <a:fld id="{C2DA0242-D9EE-432E-84F8-92753C2C1265}" type="datetimeFigureOut">
               <a:rPr lang="en-US" smtClean="0"/>
-              <a:t>5/8/2020</a:t>
+              <a:t>5/11/2020</a:t>
             </a:fld>
             <a:endParaRPr lang="en-US"/>
           </a:p>
@@ -2213,7 +2219,7 @@
           <a:p>
             <a:fld id="{C2DA0242-D9EE-432E-84F8-92753C2C1265}" type="datetimeFigureOut">
               <a:rPr lang="en-US" smtClean="0"/>
-              <a:t>5/8/2020</a:t>
+              <a:t>5/11/2020</a:t>
             </a:fld>
             <a:endParaRPr lang="en-US"/>
           </a:p>
@@ -2308,7 +2314,7 @@
           <a:p>
             <a:fld id="{C2DA0242-D9EE-432E-84F8-92753C2C1265}" type="datetimeFigureOut">
               <a:rPr lang="en-US" smtClean="0"/>
-              <a:t>5/8/2020</a:t>
+              <a:t>5/11/2020</a:t>
             </a:fld>
             <a:endParaRPr lang="en-US"/>
           </a:p>
@@ -2585,7 +2591,7 @@
           <a:p>
             <a:fld id="{C2DA0242-D9EE-432E-84F8-92753C2C1265}" type="datetimeFigureOut">
               <a:rPr lang="en-US" smtClean="0"/>
-              <a:t>5/8/2020</a:t>
+              <a:t>5/11/2020</a:t>
             </a:fld>
             <a:endParaRPr lang="en-US"/>
           </a:p>
@@ -2838,7 +2844,7 @@
           <a:p>
             <a:fld id="{C2DA0242-D9EE-432E-84F8-92753C2C1265}" type="datetimeFigureOut">
               <a:rPr lang="en-US" smtClean="0"/>
-              <a:t>5/8/2020</a:t>
+              <a:t>5/11/2020</a:t>
             </a:fld>
             <a:endParaRPr lang="en-US"/>
           </a:p>
@@ -3056,7 +3062,7 @@
           <a:p>
             <a:fld id="{C2DA0242-D9EE-432E-84F8-92753C2C1265}" type="datetimeFigureOut">
               <a:rPr lang="en-US" smtClean="0"/>
-              <a:t>5/8/2020</a:t>
+              <a:t>5/11/2020</a:t>
             </a:fld>
             <a:endParaRPr lang="en-US"/>
           </a:p>
@@ -44216,8 +44222,8 @@
         </p:nvSpPr>
         <p:spPr>
           <a:xfrm>
-            <a:off x="5576788" y="1770926"/>
-            <a:ext cx="1444905" cy="1495063"/>
+            <a:off x="4861367" y="1770926"/>
+            <a:ext cx="3286647" cy="1495063"/>
           </a:xfrm>
           <a:prstGeom prst="rect">
             <a:avLst/>
@@ -44318,7 +44324,11 @@
           <a:lstStyle/>
           <a:p>
             <a:pPr algn="ctr"/>
-            <a:endParaRPr lang="en-US"/>
+            <a:r>
+              <a:rPr lang="en-US" dirty="0" smtClean="0"/>
+              <a:t>0</a:t>
+            </a:r>
+            <a:endParaRPr lang="en-US" dirty="0"/>
           </a:p>
         </p:txBody>
       </p:sp>
@@ -44356,7 +44366,11 @@
           <a:lstStyle/>
           <a:p>
             <a:pPr algn="ctr"/>
-            <a:endParaRPr lang="en-US"/>
+            <a:r>
+              <a:rPr lang="en-US" dirty="0" smtClean="0"/>
+              <a:t>0</a:t>
+            </a:r>
+            <a:endParaRPr lang="en-US" dirty="0"/>
           </a:p>
         </p:txBody>
       </p:sp>
@@ -44394,7 +44408,11 @@
           <a:lstStyle/>
           <a:p>
             <a:pPr algn="ctr"/>
-            <a:endParaRPr lang="en-US"/>
+            <a:r>
+              <a:rPr lang="en-US" dirty="0" smtClean="0"/>
+              <a:t>0</a:t>
+            </a:r>
+            <a:endParaRPr lang="en-US" dirty="0"/>
           </a:p>
         </p:txBody>
       </p:sp>
@@ -44432,7 +44450,11 @@
           <a:lstStyle/>
           <a:p>
             <a:pPr algn="ctr"/>
-            <a:endParaRPr lang="en-US"/>
+            <a:r>
+              <a:rPr lang="en-US" dirty="0" smtClean="0"/>
+              <a:t>0</a:t>
+            </a:r>
+            <a:endParaRPr lang="en-US" dirty="0"/>
           </a:p>
         </p:txBody>
       </p:sp>
@@ -44470,7 +44492,11 @@
           <a:lstStyle/>
           <a:p>
             <a:pPr algn="ctr"/>
-            <a:endParaRPr lang="en-US"/>
+            <a:r>
+              <a:rPr lang="en-US" dirty="0" smtClean="0"/>
+              <a:t>0</a:t>
+            </a:r>
+            <a:endParaRPr lang="en-US" dirty="0"/>
           </a:p>
         </p:txBody>
       </p:sp>
@@ -44508,7 +44534,11 @@
           <a:lstStyle/>
           <a:p>
             <a:pPr algn="ctr"/>
-            <a:endParaRPr lang="en-US"/>
+            <a:r>
+              <a:rPr lang="en-US" dirty="0" smtClean="0"/>
+              <a:t>0</a:t>
+            </a:r>
+            <a:endParaRPr lang="en-US" dirty="0"/>
           </a:p>
         </p:txBody>
       </p:sp>
@@ -44546,7 +44576,11 @@
           <a:lstStyle/>
           <a:p>
             <a:pPr algn="ctr"/>
-            <a:endParaRPr lang="en-US"/>
+            <a:r>
+              <a:rPr lang="en-US" dirty="0" smtClean="0"/>
+              <a:t>0</a:t>
+            </a:r>
+            <a:endParaRPr lang="en-US" dirty="0"/>
           </a:p>
         </p:txBody>
       </p:sp>
@@ -44584,7 +44618,11 @@
           <a:lstStyle/>
           <a:p>
             <a:pPr algn="ctr"/>
-            <a:endParaRPr lang="en-US"/>
+            <a:r>
+              <a:rPr lang="en-US" dirty="0" smtClean="0"/>
+              <a:t>0</a:t>
+            </a:r>
+            <a:endParaRPr lang="en-US" dirty="0"/>
           </a:p>
         </p:txBody>
       </p:sp>
@@ -44622,7 +44660,11 @@
           <a:lstStyle/>
           <a:p>
             <a:pPr algn="ctr"/>
-            <a:endParaRPr lang="en-US"/>
+            <a:r>
+              <a:rPr lang="en-US" dirty="0" smtClean="0"/>
+              <a:t>0</a:t>
+            </a:r>
+            <a:endParaRPr lang="en-US" dirty="0"/>
           </a:p>
         </p:txBody>
       </p:sp>
@@ -44660,7 +44702,11 @@
           <a:lstStyle/>
           <a:p>
             <a:pPr algn="ctr"/>
-            <a:endParaRPr lang="en-US"/>
+            <a:r>
+              <a:rPr lang="en-US" dirty="0" smtClean="0"/>
+              <a:t>1</a:t>
+            </a:r>
+            <a:endParaRPr lang="en-US" dirty="0"/>
           </a:p>
         </p:txBody>
       </p:sp>
@@ -44698,7 +44744,11 @@
           <a:lstStyle/>
           <a:p>
             <a:pPr algn="ctr"/>
-            <a:endParaRPr lang="en-US"/>
+            <a:r>
+              <a:rPr lang="en-US" dirty="0" smtClean="0"/>
+              <a:t>1</a:t>
+            </a:r>
+            <a:endParaRPr lang="en-US" dirty="0"/>
           </a:p>
         </p:txBody>
       </p:sp>
@@ -44736,7 +44786,11 @@
           <a:lstStyle/>
           <a:p>
             <a:pPr algn="ctr"/>
-            <a:endParaRPr lang="en-US"/>
+            <a:r>
+              <a:rPr lang="en-US" dirty="0" smtClean="0"/>
+              <a:t>0</a:t>
+            </a:r>
+            <a:endParaRPr lang="en-US" dirty="0"/>
           </a:p>
         </p:txBody>
       </p:sp>
@@ -44774,7 +44828,11 @@
           <a:lstStyle/>
           <a:p>
             <a:pPr algn="ctr"/>
-            <a:endParaRPr lang="en-US"/>
+            <a:r>
+              <a:rPr lang="en-US" dirty="0" smtClean="0"/>
+              <a:t>0</a:t>
+            </a:r>
+            <a:endParaRPr lang="en-US" dirty="0"/>
           </a:p>
         </p:txBody>
       </p:sp>
@@ -44812,7 +44870,11 @@
           <a:lstStyle/>
           <a:p>
             <a:pPr algn="ctr"/>
-            <a:endParaRPr lang="en-US"/>
+            <a:r>
+              <a:rPr lang="en-US" dirty="0" smtClean="0"/>
+              <a:t>0</a:t>
+            </a:r>
+            <a:endParaRPr lang="en-US" dirty="0"/>
           </a:p>
         </p:txBody>
       </p:sp>
@@ -44850,7 +44912,11 @@
           <a:lstStyle/>
           <a:p>
             <a:pPr algn="ctr"/>
-            <a:endParaRPr lang="en-US"/>
+            <a:r>
+              <a:rPr lang="en-US" dirty="0" smtClean="0"/>
+              <a:t>0</a:t>
+            </a:r>
+            <a:endParaRPr lang="en-US" dirty="0"/>
           </a:p>
         </p:txBody>
       </p:sp>
@@ -44887,8 +44953,50 @@
           <a:bodyPr rtlCol="0" anchor="ctr"/>
           <a:lstStyle/>
           <a:p>
-            <a:pPr algn="ctr"/>
-            <a:endParaRPr lang="en-US"/>
+            <a:r>
+              <a:rPr lang="en-US">
+                <a:solidFill>
+                  <a:srgbClr val="222222"/>
+                </a:solidFill>
+                <a:latin typeface="arial" panose="020B0604020202020204" pitchFamily="34" charset="0"/>
+              </a:rPr>
+              <a:t>1</a:t>
+            </a:r>
+            <a:endParaRPr lang="en-US" dirty="0"/>
+          </a:p>
+        </p:txBody>
+      </p:sp>
+      <p:sp>
+        <p:nvSpPr>
+          <p:cNvPr id="29" name="Rectangle 28"/>
+          <p:cNvSpPr/>
+          <p:nvPr/>
+        </p:nvSpPr>
+        <p:spPr>
+          <a:xfrm>
+            <a:off x="5563386" y="3244334"/>
+            <a:ext cx="1065228" cy="369332"/>
+          </a:xfrm>
+          <a:prstGeom prst="rect">
+            <a:avLst/>
+          </a:prstGeom>
+        </p:spPr>
+        <p:txBody>
+          <a:bodyPr wrap="none">
+            <a:spAutoFit/>
+          </a:bodyPr>
+          <a:lstStyle/>
+          <a:p>
+            <a:r>
+              <a:rPr lang="en-US" dirty="0">
+                <a:solidFill>
+                  <a:srgbClr val="222222"/>
+                </a:solidFill>
+                <a:latin typeface="arial" panose="020B0604020202020204" pitchFamily="34" charset="0"/>
+              </a:rPr>
+              <a:t>1100001</a:t>
+            </a:r>
+            <a:endParaRPr lang="en-US" dirty="0"/>
           </a:p>
         </p:txBody>
       </p:sp>
@@ -45026,6 +45134,795 @@
 </file>
 
 <file path=ppt/slides/slide51.xml><?xml version="1.0" encoding="utf-8"?>
+<p:sld xmlns:a="http://schemas.openxmlformats.org/drawingml/2006/main" xmlns:r="http://schemas.openxmlformats.org/officeDocument/2006/relationships" xmlns:p="http://schemas.openxmlformats.org/presentationml/2006/main">
+  <p:cSld>
+    <p:spTree>
+      <p:nvGrpSpPr>
+        <p:cNvPr id="1" name=""/>
+        <p:cNvGrpSpPr/>
+        <p:nvPr/>
+      </p:nvGrpSpPr>
+      <p:grpSpPr>
+        <a:xfrm>
+          <a:off x="0" y="0"/>
+          <a:ext cx="0" cy="0"/>
+          <a:chOff x="0" y="0"/>
+          <a:chExt cx="0" cy="0"/>
+        </a:xfrm>
+      </p:grpSpPr>
+      <p:sp>
+        <p:nvSpPr>
+          <p:cNvPr id="2" name="Rectangle 1"/>
+          <p:cNvSpPr/>
+          <p:nvPr/>
+        </p:nvSpPr>
+        <p:spPr>
+          <a:xfrm>
+            <a:off x="3048000" y="335846"/>
+            <a:ext cx="6096000" cy="6186309"/>
+          </a:xfrm>
+          <a:prstGeom prst="rect">
+            <a:avLst/>
+          </a:prstGeom>
+        </p:spPr>
+        <p:txBody>
+          <a:bodyPr>
+            <a:spAutoFit/>
+          </a:bodyPr>
+          <a:lstStyle/>
+          <a:p>
+            <a:r>
+              <a:rPr lang="en-US" dirty="0"/>
+              <a:t>logical (</a:t>
+            </a:r>
+            <a:r>
+              <a:rPr lang="en-US" dirty="0" err="1"/>
+              <a:t>boolean</a:t>
+            </a:r>
+            <a:r>
+              <a:rPr lang="en-US" dirty="0"/>
+              <a:t>)</a:t>
+            </a:r>
+          </a:p>
+          <a:p>
+            <a:endParaRPr lang="en-US" dirty="0"/>
+          </a:p>
+          <a:p>
+            <a:endParaRPr lang="en-US" dirty="0"/>
+          </a:p>
+          <a:p>
+            <a:r>
+              <a:rPr lang="en-US" dirty="0"/>
+              <a:t>!  -&gt; not</a:t>
+            </a:r>
+          </a:p>
+          <a:p>
+            <a:r>
+              <a:rPr lang="en-US" dirty="0"/>
+              <a:t>&amp;&amp; -&gt; and</a:t>
+            </a:r>
+          </a:p>
+          <a:p>
+            <a:r>
+              <a:rPr lang="en-US" dirty="0"/>
+              <a:t>|| -&gt; or</a:t>
+            </a:r>
+          </a:p>
+          <a:p>
+            <a:endParaRPr lang="en-US" dirty="0"/>
+          </a:p>
+          <a:p>
+            <a:r>
+              <a:rPr lang="en-US" dirty="0"/>
+              <a:t>true false</a:t>
+            </a:r>
+          </a:p>
+          <a:p>
+            <a:endParaRPr lang="en-US" dirty="0"/>
+          </a:p>
+          <a:p>
+            <a:r>
+              <a:rPr lang="en-US" dirty="0"/>
+              <a:t>!true -&gt; false</a:t>
+            </a:r>
+          </a:p>
+          <a:p>
+            <a:r>
+              <a:rPr lang="en-US" dirty="0"/>
+              <a:t>!false -&gt; true</a:t>
+            </a:r>
+          </a:p>
+          <a:p>
+            <a:endParaRPr lang="en-US" dirty="0"/>
+          </a:p>
+          <a:p>
+            <a:endParaRPr lang="en-US" dirty="0"/>
+          </a:p>
+          <a:p>
+            <a:r>
+              <a:rPr lang="en-US" dirty="0"/>
+              <a:t>true&amp;&amp;true -&gt; true</a:t>
+            </a:r>
+          </a:p>
+          <a:p>
+            <a:r>
+              <a:rPr lang="en-US" dirty="0"/>
+              <a:t>true&amp;&amp;false -&gt;false</a:t>
+            </a:r>
+          </a:p>
+          <a:p>
+            <a:r>
+              <a:rPr lang="en-US" dirty="0"/>
+              <a:t>false&amp;&amp;true -&gt; false</a:t>
+            </a:r>
+          </a:p>
+          <a:p>
+            <a:r>
+              <a:rPr lang="en-US" dirty="0"/>
+              <a:t>false&amp;&amp;false -&gt; false</a:t>
+            </a:r>
+          </a:p>
+          <a:p>
+            <a:endParaRPr lang="en-US" dirty="0"/>
+          </a:p>
+          <a:p>
+            <a:r>
+              <a:rPr lang="en-US" dirty="0"/>
+              <a:t>true||true -&gt; true</a:t>
+            </a:r>
+          </a:p>
+          <a:p>
+            <a:r>
+              <a:rPr lang="en-US" dirty="0"/>
+              <a:t>true||false -&gt;true</a:t>
+            </a:r>
+          </a:p>
+          <a:p>
+            <a:r>
+              <a:rPr lang="en-US" dirty="0"/>
+              <a:t>false||true -&gt; true</a:t>
+            </a:r>
+          </a:p>
+          <a:p>
+            <a:r>
+              <a:rPr lang="en-US" dirty="0"/>
+              <a:t>false||false -&gt; false</a:t>
+            </a:r>
+          </a:p>
+        </p:txBody>
+      </p:sp>
+    </p:spTree>
+    <p:extLst>
+      <p:ext uri="{BB962C8B-B14F-4D97-AF65-F5344CB8AC3E}">
+        <p14:creationId xmlns:p14="http://schemas.microsoft.com/office/powerpoint/2010/main" val="1176592569"/>
+      </p:ext>
+    </p:extLst>
+  </p:cSld>
+  <p:clrMapOvr>
+    <a:masterClrMapping/>
+  </p:clrMapOvr>
+</p:sld>
+</file>
+
+<file path=ppt/slides/slide52.xml><?xml version="1.0" encoding="utf-8"?>
+<p:sld xmlns:a="http://schemas.openxmlformats.org/drawingml/2006/main" xmlns:r="http://schemas.openxmlformats.org/officeDocument/2006/relationships" xmlns:p="http://schemas.openxmlformats.org/presentationml/2006/main">
+  <p:cSld>
+    <p:spTree>
+      <p:nvGrpSpPr>
+        <p:cNvPr id="1" name=""/>
+        <p:cNvGrpSpPr/>
+        <p:nvPr/>
+      </p:nvGrpSpPr>
+      <p:grpSpPr>
+        <a:xfrm>
+          <a:off x="0" y="0"/>
+          <a:ext cx="0" cy="0"/>
+          <a:chOff x="0" y="0"/>
+          <a:chExt cx="0" cy="0"/>
+        </a:xfrm>
+      </p:grpSpPr>
+      <p:sp>
+        <p:nvSpPr>
+          <p:cNvPr id="2" name="Rectangle 1"/>
+          <p:cNvSpPr/>
+          <p:nvPr/>
+        </p:nvSpPr>
+        <p:spPr>
+          <a:xfrm>
+            <a:off x="3047999" y="-2018645"/>
+            <a:ext cx="6188597" cy="6463308"/>
+          </a:xfrm>
+          <a:prstGeom prst="rect">
+            <a:avLst/>
+          </a:prstGeom>
+        </p:spPr>
+        <p:txBody>
+          <a:bodyPr wrap="square">
+            <a:spAutoFit/>
+          </a:bodyPr>
+          <a:lstStyle/>
+          <a:p>
+            <a:endParaRPr lang="en-US" dirty="0"/>
+          </a:p>
+          <a:p>
+            <a:r>
+              <a:rPr lang="en-US" dirty="0"/>
+              <a:t> &lt; </a:t>
+            </a:r>
+          </a:p>
+          <a:p>
+            <a:r>
+              <a:rPr lang="en-US" dirty="0"/>
+              <a:t> &gt;</a:t>
+            </a:r>
+          </a:p>
+          <a:p>
+            <a:endParaRPr lang="en-US" dirty="0"/>
+          </a:p>
+          <a:p>
+            <a:r>
+              <a:rPr lang="en-US" dirty="0"/>
+              <a:t> &lt;=</a:t>
+            </a:r>
+          </a:p>
+          <a:p>
+            <a:r>
+              <a:rPr lang="en-US" dirty="0"/>
+              <a:t> &gt;=</a:t>
+            </a:r>
+          </a:p>
+          <a:p>
+            <a:endParaRPr lang="en-US" dirty="0"/>
+          </a:p>
+          <a:p>
+            <a:r>
+              <a:rPr lang="en-US" dirty="0"/>
+              <a:t> ==</a:t>
+            </a:r>
+          </a:p>
+          <a:p>
+            <a:r>
+              <a:rPr lang="en-US" dirty="0"/>
+              <a:t> !=</a:t>
+            </a:r>
+          </a:p>
+          <a:p>
+            <a:endParaRPr lang="en-US" dirty="0"/>
+          </a:p>
+          <a:p>
+            <a:r>
+              <a:rPr lang="en-US" dirty="0"/>
+              <a:t> </a:t>
+            </a:r>
+            <a:r>
+              <a:rPr lang="en-US" dirty="0" err="1"/>
+              <a:t>boolean</a:t>
+            </a:r>
+            <a:endParaRPr lang="en-US" dirty="0"/>
+          </a:p>
+          <a:p>
+            <a:endParaRPr lang="en-US" dirty="0"/>
+          </a:p>
+          <a:p>
+            <a:endParaRPr lang="en-US" dirty="0"/>
+          </a:p>
+          <a:p>
+            <a:r>
+              <a:rPr lang="en-US" dirty="0"/>
+              <a:t> 7&lt;8</a:t>
+            </a:r>
+          </a:p>
+          <a:p>
+            <a:r>
+              <a:rPr lang="en-US" dirty="0"/>
+              <a:t> true</a:t>
+            </a:r>
+          </a:p>
+          <a:p>
+            <a:endParaRPr lang="en-US" dirty="0"/>
+          </a:p>
+          <a:p>
+            <a:r>
+              <a:rPr lang="en-US" dirty="0"/>
+              <a:t> 8&lt;7</a:t>
+            </a:r>
+          </a:p>
+          <a:p>
+            <a:r>
+              <a:rPr lang="en-US" dirty="0"/>
+              <a:t> false</a:t>
+            </a:r>
+          </a:p>
+          <a:p>
+            <a:endParaRPr lang="en-US" dirty="0"/>
+          </a:p>
+          <a:p>
+            <a:r>
+              <a:rPr lang="en-US" dirty="0"/>
+              <a:t> 7&lt;=8</a:t>
+            </a:r>
+          </a:p>
+          <a:p>
+            <a:r>
+              <a:rPr lang="en-US" dirty="0"/>
+              <a:t> true</a:t>
+            </a:r>
+          </a:p>
+          <a:p>
+            <a:endParaRPr lang="en-US" dirty="0"/>
+          </a:p>
+          <a:p>
+            <a:r>
+              <a:rPr lang="en-US" dirty="0"/>
+              <a:t> </a:t>
+            </a:r>
+          </a:p>
+        </p:txBody>
+      </p:sp>
+      <p:sp>
+        <p:nvSpPr>
+          <p:cNvPr id="3" name="Rectangle 2"/>
+          <p:cNvSpPr/>
+          <p:nvPr/>
+        </p:nvSpPr>
+        <p:spPr>
+          <a:xfrm>
+            <a:off x="5756476" y="924171"/>
+            <a:ext cx="6096000" cy="4801314"/>
+          </a:xfrm>
+          <a:prstGeom prst="rect">
+            <a:avLst/>
+          </a:prstGeom>
+        </p:spPr>
+        <p:txBody>
+          <a:bodyPr>
+            <a:spAutoFit/>
+          </a:bodyPr>
+          <a:lstStyle/>
+          <a:p>
+            <a:r>
+              <a:rPr lang="en-US" dirty="0"/>
+              <a:t>8&lt;=7</a:t>
+            </a:r>
+          </a:p>
+          <a:p>
+            <a:r>
+              <a:rPr lang="en-US" dirty="0"/>
+              <a:t> false</a:t>
+            </a:r>
+          </a:p>
+          <a:p>
+            <a:endParaRPr lang="en-US" dirty="0"/>
+          </a:p>
+          <a:p>
+            <a:r>
+              <a:rPr lang="en-US" dirty="0"/>
+              <a:t> 8&lt;=8</a:t>
+            </a:r>
+          </a:p>
+          <a:p>
+            <a:r>
+              <a:rPr lang="en-US" dirty="0"/>
+              <a:t> true</a:t>
+            </a:r>
+          </a:p>
+          <a:p>
+            <a:endParaRPr lang="en-US" dirty="0"/>
+          </a:p>
+          <a:p>
+            <a:r>
+              <a:rPr lang="en-US" dirty="0"/>
+              <a:t> 10==10</a:t>
+            </a:r>
+          </a:p>
+          <a:p>
+            <a:r>
+              <a:rPr lang="en-US" dirty="0"/>
+              <a:t> true</a:t>
+            </a:r>
+          </a:p>
+          <a:p>
+            <a:endParaRPr lang="en-US" dirty="0"/>
+          </a:p>
+          <a:p>
+            <a:r>
+              <a:rPr lang="en-US" dirty="0"/>
+              <a:t> 10==11</a:t>
+            </a:r>
+          </a:p>
+          <a:p>
+            <a:r>
+              <a:rPr lang="en-US" dirty="0"/>
+              <a:t> false</a:t>
+            </a:r>
+          </a:p>
+          <a:p>
+            <a:endParaRPr lang="en-US" dirty="0"/>
+          </a:p>
+          <a:p>
+            <a:r>
+              <a:rPr lang="en-US" dirty="0"/>
+              <a:t> 10!=10</a:t>
+            </a:r>
+          </a:p>
+          <a:p>
+            <a:r>
+              <a:rPr lang="en-US" dirty="0"/>
+              <a:t> false</a:t>
+            </a:r>
+          </a:p>
+          <a:p>
+            <a:endParaRPr lang="en-US" dirty="0"/>
+          </a:p>
+          <a:p>
+            <a:r>
+              <a:rPr lang="en-US" dirty="0"/>
+              <a:t> 10!=11</a:t>
+            </a:r>
+          </a:p>
+          <a:p>
+            <a:r>
+              <a:rPr lang="en-US" dirty="0"/>
+              <a:t> true</a:t>
+            </a:r>
+          </a:p>
+        </p:txBody>
+      </p:sp>
+    </p:spTree>
+    <p:extLst>
+      <p:ext uri="{BB962C8B-B14F-4D97-AF65-F5344CB8AC3E}">
+        <p14:creationId xmlns:p14="http://schemas.microsoft.com/office/powerpoint/2010/main" val="3514172489"/>
+      </p:ext>
+    </p:extLst>
+  </p:cSld>
+  <p:clrMapOvr>
+    <a:masterClrMapping/>
+  </p:clrMapOvr>
+</p:sld>
+</file>
+
+<file path=ppt/slides/slide53.xml><?xml version="1.0" encoding="utf-8"?>
+<p:sld xmlns:a="http://schemas.openxmlformats.org/drawingml/2006/main" xmlns:r="http://schemas.openxmlformats.org/officeDocument/2006/relationships" xmlns:p="http://schemas.openxmlformats.org/presentationml/2006/main">
+  <p:cSld>
+    <p:spTree>
+      <p:nvGrpSpPr>
+        <p:cNvPr id="1" name=""/>
+        <p:cNvGrpSpPr/>
+        <p:nvPr/>
+      </p:nvGrpSpPr>
+      <p:grpSpPr>
+        <a:xfrm>
+          <a:off x="0" y="0"/>
+          <a:ext cx="0" cy="0"/>
+          <a:chOff x="0" y="0"/>
+          <a:chExt cx="0" cy="0"/>
+        </a:xfrm>
+      </p:grpSpPr>
+      <p:sp>
+        <p:nvSpPr>
+          <p:cNvPr id="2" name="Rectangle 1"/>
+          <p:cNvSpPr/>
+          <p:nvPr/>
+        </p:nvSpPr>
+        <p:spPr>
+          <a:xfrm>
+            <a:off x="0" y="2257523"/>
+            <a:ext cx="12192000" cy="923330"/>
+          </a:xfrm>
+          <a:prstGeom prst="rect">
+            <a:avLst/>
+          </a:prstGeom>
+        </p:spPr>
+        <p:txBody>
+          <a:bodyPr wrap="square">
+            <a:spAutoFit/>
+          </a:bodyPr>
+          <a:lstStyle/>
+          <a:p>
+            <a:r>
+              <a:rPr lang="en-US" sz="5400" b="1" dirty="0" smtClean="0">
+                <a:effectLst>
+                  <a:outerShdw blurRad="38100" dist="38100" dir="2700000" algn="tl">
+                    <a:srgbClr val="000000">
+                      <a:alpha val="43137"/>
+                    </a:srgbClr>
+                  </a:outerShdw>
+                </a:effectLst>
+              </a:rPr>
+              <a:t>     Simple                                       Compound</a:t>
+            </a:r>
+            <a:endParaRPr lang="en-US" sz="5400" b="1" dirty="0">
+              <a:effectLst>
+                <a:outerShdw blurRad="38100" dist="38100" dir="2700000" algn="tl">
+                  <a:srgbClr val="000000">
+                    <a:alpha val="43137"/>
+                  </a:srgbClr>
+                </a:outerShdw>
+              </a:effectLst>
+            </a:endParaRPr>
+          </a:p>
+        </p:txBody>
+      </p:sp>
+      <p:sp>
+        <p:nvSpPr>
+          <p:cNvPr id="3" name="Rectangle 2"/>
+          <p:cNvSpPr/>
+          <p:nvPr/>
+        </p:nvSpPr>
+        <p:spPr>
+          <a:xfrm>
+            <a:off x="152400" y="410863"/>
+            <a:ext cx="12192000" cy="923330"/>
+          </a:xfrm>
+          <a:prstGeom prst="rect">
+            <a:avLst/>
+          </a:prstGeom>
+        </p:spPr>
+        <p:txBody>
+          <a:bodyPr wrap="square">
+            <a:spAutoFit/>
+          </a:bodyPr>
+          <a:lstStyle/>
+          <a:p>
+            <a:pPr algn="ctr"/>
+            <a:r>
+              <a:rPr lang="en-US" sz="5400" b="1" dirty="0" smtClean="0">
+                <a:effectLst>
+                  <a:outerShdw blurRad="38100" dist="38100" dir="2700000" algn="tl">
+                    <a:srgbClr val="000000">
+                      <a:alpha val="43137"/>
+                    </a:srgbClr>
+                  </a:outerShdw>
+                </a:effectLst>
+              </a:rPr>
+              <a:t>Statement</a:t>
+            </a:r>
+            <a:endParaRPr lang="en-US" sz="5400" b="1" dirty="0">
+              <a:effectLst>
+                <a:outerShdw blurRad="38100" dist="38100" dir="2700000" algn="tl">
+                  <a:srgbClr val="000000">
+                    <a:alpha val="43137"/>
+                  </a:srgbClr>
+                </a:outerShdw>
+              </a:effectLst>
+            </a:endParaRPr>
+          </a:p>
+        </p:txBody>
+      </p:sp>
+      <p:sp>
+        <p:nvSpPr>
+          <p:cNvPr id="5" name="Left-Right-Up Arrow 4"/>
+          <p:cNvSpPr/>
+          <p:nvPr/>
+        </p:nvSpPr>
+        <p:spPr>
+          <a:xfrm>
+            <a:off x="2974848" y="1384750"/>
+            <a:ext cx="5705856" cy="1796103"/>
+          </a:xfrm>
+          <a:prstGeom prst="leftRightUpArrow">
+            <a:avLst/>
+          </a:prstGeom>
+        </p:spPr>
+        <p:style>
+          <a:lnRef idx="2">
+            <a:schemeClr val="accent1">
+              <a:shade val="50000"/>
+            </a:schemeClr>
+          </a:lnRef>
+          <a:fillRef idx="1">
+            <a:schemeClr val="accent1"/>
+          </a:fillRef>
+          <a:effectRef idx="0">
+            <a:schemeClr val="accent1"/>
+          </a:effectRef>
+          <a:fontRef idx="minor">
+            <a:schemeClr val="lt1"/>
+          </a:fontRef>
+        </p:style>
+        <p:txBody>
+          <a:bodyPr rtlCol="0" anchor="ctr"/>
+          <a:lstStyle/>
+          <a:p>
+            <a:pPr algn="ctr"/>
+            <a:endParaRPr lang="en-US"/>
+          </a:p>
+        </p:txBody>
+      </p:sp>
+    </p:spTree>
+    <p:extLst>
+      <p:ext uri="{BB962C8B-B14F-4D97-AF65-F5344CB8AC3E}">
+        <p14:creationId xmlns:p14="http://schemas.microsoft.com/office/powerpoint/2010/main" val="1139339754"/>
+      </p:ext>
+    </p:extLst>
+  </p:cSld>
+  <p:clrMapOvr>
+    <a:masterClrMapping/>
+  </p:clrMapOvr>
+</p:sld>
+</file>
+
+<file path=ppt/slides/slide54.xml><?xml version="1.0" encoding="utf-8"?>
+<p:sld xmlns:a="http://schemas.openxmlformats.org/drawingml/2006/main" xmlns:r="http://schemas.openxmlformats.org/officeDocument/2006/relationships" xmlns:p="http://schemas.openxmlformats.org/presentationml/2006/main">
+  <p:cSld>
+    <p:spTree>
+      <p:nvGrpSpPr>
+        <p:cNvPr id="1" name=""/>
+        <p:cNvGrpSpPr/>
+        <p:nvPr/>
+      </p:nvGrpSpPr>
+      <p:grpSpPr>
+        <a:xfrm>
+          <a:off x="0" y="0"/>
+          <a:ext cx="0" cy="0"/>
+          <a:chOff x="0" y="0"/>
+          <a:chExt cx="0" cy="0"/>
+        </a:xfrm>
+      </p:grpSpPr>
+      <p:pic>
+        <p:nvPicPr>
+          <p:cNvPr id="2" name="Picture 1"/>
+          <p:cNvPicPr>
+            <a:picLocks noChangeAspect="1"/>
+          </p:cNvPicPr>
+          <p:nvPr/>
+        </p:nvPicPr>
+        <p:blipFill>
+          <a:blip r:embed="rId2">
+            <a:extLst>
+              <a:ext uri="{28A0092B-C50C-407E-A947-70E740481C1C}">
+                <a14:useLocalDpi xmlns:a14="http://schemas.microsoft.com/office/drawing/2010/main" val="0"/>
+              </a:ext>
+            </a:extLst>
+          </a:blip>
+          <a:stretch>
+            <a:fillRect/>
+          </a:stretch>
+        </p:blipFill>
+        <p:spPr>
+          <a:xfrm>
+            <a:off x="2654709" y="113890"/>
+            <a:ext cx="7000805" cy="6744109"/>
+          </a:xfrm>
+          <a:prstGeom prst="rect">
+            <a:avLst/>
+          </a:prstGeom>
+        </p:spPr>
+      </p:pic>
+    </p:spTree>
+    <p:extLst>
+      <p:ext uri="{BB962C8B-B14F-4D97-AF65-F5344CB8AC3E}">
+        <p14:creationId xmlns:p14="http://schemas.microsoft.com/office/powerpoint/2010/main" val="2814798803"/>
+      </p:ext>
+    </p:extLst>
+  </p:cSld>
+  <p:clrMapOvr>
+    <a:masterClrMapping/>
+  </p:clrMapOvr>
+</p:sld>
+</file>
+
+<file path=ppt/slides/slide55.xml><?xml version="1.0" encoding="utf-8"?>
+<p:sld xmlns:a="http://schemas.openxmlformats.org/drawingml/2006/main" xmlns:r="http://schemas.openxmlformats.org/officeDocument/2006/relationships" xmlns:p="http://schemas.openxmlformats.org/presentationml/2006/main">
+  <p:cSld>
+    <p:spTree>
+      <p:nvGrpSpPr>
+        <p:cNvPr id="1" name=""/>
+        <p:cNvGrpSpPr/>
+        <p:nvPr/>
+      </p:nvGrpSpPr>
+      <p:grpSpPr>
+        <a:xfrm>
+          <a:off x="0" y="0"/>
+          <a:ext cx="0" cy="0"/>
+          <a:chOff x="0" y="0"/>
+          <a:chExt cx="0" cy="0"/>
+        </a:xfrm>
+      </p:grpSpPr>
+      <p:pic>
+        <p:nvPicPr>
+          <p:cNvPr id="2" name="Picture 1"/>
+          <p:cNvPicPr>
+            <a:picLocks noChangeAspect="1"/>
+          </p:cNvPicPr>
+          <p:nvPr/>
+        </p:nvPicPr>
+        <p:blipFill>
+          <a:blip r:embed="rId2">
+            <a:extLst>
+              <a:ext uri="{28A0092B-C50C-407E-A947-70E740481C1C}">
+                <a14:useLocalDpi xmlns:a14="http://schemas.microsoft.com/office/drawing/2010/main" val="0"/>
+              </a:ext>
+            </a:extLst>
+          </a:blip>
+          <a:stretch>
+            <a:fillRect/>
+          </a:stretch>
+        </p:blipFill>
+        <p:spPr>
+          <a:xfrm>
+            <a:off x="3126659" y="226698"/>
+            <a:ext cx="5397909" cy="6631302"/>
+          </a:xfrm>
+          <a:prstGeom prst="rect">
+            <a:avLst/>
+          </a:prstGeom>
+        </p:spPr>
+      </p:pic>
+    </p:spTree>
+    <p:extLst>
+      <p:ext uri="{BB962C8B-B14F-4D97-AF65-F5344CB8AC3E}">
+        <p14:creationId xmlns:p14="http://schemas.microsoft.com/office/powerpoint/2010/main" val="3305533479"/>
+      </p:ext>
+    </p:extLst>
+  </p:cSld>
+  <p:clrMapOvr>
+    <a:masterClrMapping/>
+  </p:clrMapOvr>
+</p:sld>
+</file>
+
+<file path=ppt/slides/slide56.xml><?xml version="1.0" encoding="utf-8"?>
+<p:sld xmlns:a="http://schemas.openxmlformats.org/drawingml/2006/main" xmlns:r="http://schemas.openxmlformats.org/officeDocument/2006/relationships" xmlns:p="http://schemas.openxmlformats.org/presentationml/2006/main">
+  <p:cSld>
+    <p:spTree>
+      <p:nvGrpSpPr>
+        <p:cNvPr id="1" name=""/>
+        <p:cNvGrpSpPr/>
+        <p:nvPr/>
+      </p:nvGrpSpPr>
+      <p:grpSpPr>
+        <a:xfrm>
+          <a:off x="0" y="0"/>
+          <a:ext cx="0" cy="0"/>
+          <a:chOff x="0" y="0"/>
+          <a:chExt cx="0" cy="0"/>
+        </a:xfrm>
+      </p:grpSpPr>
+      <p:pic>
+        <p:nvPicPr>
+          <p:cNvPr id="2" name="Picture 1"/>
+          <p:cNvPicPr>
+            <a:picLocks noChangeAspect="1"/>
+          </p:cNvPicPr>
+          <p:nvPr/>
+        </p:nvPicPr>
+        <p:blipFill>
+          <a:blip r:embed="rId2">
+            <a:extLst>
+              <a:ext uri="{28A0092B-C50C-407E-A947-70E740481C1C}">
+                <a14:useLocalDpi xmlns:a14="http://schemas.microsoft.com/office/drawing/2010/main" val="0"/>
+              </a:ext>
+            </a:extLst>
+          </a:blip>
+          <a:stretch>
+            <a:fillRect/>
+          </a:stretch>
+        </p:blipFill>
+        <p:spPr>
+          <a:xfrm>
+            <a:off x="1561512" y="0"/>
+            <a:ext cx="9116319" cy="6893801"/>
+          </a:xfrm>
+          <a:prstGeom prst="rect">
+            <a:avLst/>
+          </a:prstGeom>
+        </p:spPr>
+      </p:pic>
+    </p:spTree>
+    <p:extLst>
+      <p:ext uri="{BB962C8B-B14F-4D97-AF65-F5344CB8AC3E}">
+        <p14:creationId xmlns:p14="http://schemas.microsoft.com/office/powerpoint/2010/main" val="4084521578"/>
+      </p:ext>
+    </p:extLst>
+  </p:cSld>
+  <p:clrMapOvr>
+    <a:masterClrMapping/>
+  </p:clrMapOvr>
+</p:sld>
+</file>
+
+<file path=ppt/slides/slide57.xml><?xml version="1.0" encoding="utf-8"?>
 <p:sld xmlns:a="http://schemas.openxmlformats.org/drawingml/2006/main" xmlns:r="http://schemas.openxmlformats.org/officeDocument/2006/relationships" xmlns:p="http://schemas.openxmlformats.org/presentationml/2006/main">
   <p:cSld>
     <p:spTree>

--- a/java.pptx
+++ b/java.pptx
@@ -253,7 +253,7 @@
           <a:p>
             <a:fld id="{45B90A11-B180-4F83-93F9-042F493DCDF8}" type="datetimeFigureOut">
               <a:rPr lang="en-US" smtClean="0"/>
-              <a:t>5/11/2020</a:t>
+              <a:t>5/13/2020</a:t>
             </a:fld>
             <a:endParaRPr lang="en-US"/>
           </a:p>
@@ -736,7 +736,7 @@
           <a:p>
             <a:fld id="{C2DA0242-D9EE-432E-84F8-92753C2C1265}" type="datetimeFigureOut">
               <a:rPr lang="en-US" smtClean="0"/>
-              <a:t>5/11/2020</a:t>
+              <a:t>5/13/2020</a:t>
             </a:fld>
             <a:endParaRPr lang="en-US"/>
           </a:p>
@@ -906,7 +906,7 @@
           <a:p>
             <a:fld id="{C2DA0242-D9EE-432E-84F8-92753C2C1265}" type="datetimeFigureOut">
               <a:rPr lang="en-US" smtClean="0"/>
-              <a:t>5/11/2020</a:t>
+              <a:t>5/13/2020</a:t>
             </a:fld>
             <a:endParaRPr lang="en-US"/>
           </a:p>
@@ -1086,7 +1086,7 @@
           <a:p>
             <a:fld id="{C2DA0242-D9EE-432E-84F8-92753C2C1265}" type="datetimeFigureOut">
               <a:rPr lang="en-US" smtClean="0"/>
-              <a:t>5/11/2020</a:t>
+              <a:t>5/13/2020</a:t>
             </a:fld>
             <a:endParaRPr lang="en-US"/>
           </a:p>
@@ -1256,7 +1256,7 @@
           <a:p>
             <a:fld id="{C2DA0242-D9EE-432E-84F8-92753C2C1265}" type="datetimeFigureOut">
               <a:rPr lang="en-US" smtClean="0"/>
-              <a:t>5/11/2020</a:t>
+              <a:t>5/13/2020</a:t>
             </a:fld>
             <a:endParaRPr lang="en-US"/>
           </a:p>
@@ -1502,7 +1502,7 @@
           <a:p>
             <a:fld id="{C2DA0242-D9EE-432E-84F8-92753C2C1265}" type="datetimeFigureOut">
               <a:rPr lang="en-US" smtClean="0"/>
-              <a:t>5/11/2020</a:t>
+              <a:t>5/13/2020</a:t>
             </a:fld>
             <a:endParaRPr lang="en-US"/>
           </a:p>
@@ -1734,7 +1734,7 @@
           <a:p>
             <a:fld id="{C2DA0242-D9EE-432E-84F8-92753C2C1265}" type="datetimeFigureOut">
               <a:rPr lang="en-US" smtClean="0"/>
-              <a:t>5/11/2020</a:t>
+              <a:t>5/13/2020</a:t>
             </a:fld>
             <a:endParaRPr lang="en-US"/>
           </a:p>
@@ -2101,7 +2101,7 @@
           <a:p>
             <a:fld id="{C2DA0242-D9EE-432E-84F8-92753C2C1265}" type="datetimeFigureOut">
               <a:rPr lang="en-US" smtClean="0"/>
-              <a:t>5/11/2020</a:t>
+              <a:t>5/13/2020</a:t>
             </a:fld>
             <a:endParaRPr lang="en-US"/>
           </a:p>
@@ -2219,7 +2219,7 @@
           <a:p>
             <a:fld id="{C2DA0242-D9EE-432E-84F8-92753C2C1265}" type="datetimeFigureOut">
               <a:rPr lang="en-US" smtClean="0"/>
-              <a:t>5/11/2020</a:t>
+              <a:t>5/13/2020</a:t>
             </a:fld>
             <a:endParaRPr lang="en-US"/>
           </a:p>
@@ -2314,7 +2314,7 @@
           <a:p>
             <a:fld id="{C2DA0242-D9EE-432E-84F8-92753C2C1265}" type="datetimeFigureOut">
               <a:rPr lang="en-US" smtClean="0"/>
-              <a:t>5/11/2020</a:t>
+              <a:t>5/13/2020</a:t>
             </a:fld>
             <a:endParaRPr lang="en-US"/>
           </a:p>
@@ -2591,7 +2591,7 @@
           <a:p>
             <a:fld id="{C2DA0242-D9EE-432E-84F8-92753C2C1265}" type="datetimeFigureOut">
               <a:rPr lang="en-US" smtClean="0"/>
-              <a:t>5/11/2020</a:t>
+              <a:t>5/13/2020</a:t>
             </a:fld>
             <a:endParaRPr lang="en-US"/>
           </a:p>
@@ -2844,7 +2844,7 @@
           <a:p>
             <a:fld id="{C2DA0242-D9EE-432E-84F8-92753C2C1265}" type="datetimeFigureOut">
               <a:rPr lang="en-US" smtClean="0"/>
-              <a:t>5/11/2020</a:t>
+              <a:t>5/13/2020</a:t>
             </a:fld>
             <a:endParaRPr lang="en-US"/>
           </a:p>
@@ -3062,7 +3062,7 @@
           <a:p>
             <a:fld id="{C2DA0242-D9EE-432E-84F8-92753C2C1265}" type="datetimeFigureOut">
               <a:rPr lang="en-US" smtClean="0"/>
-              <a:t>5/11/2020</a:t>
+              <a:t>5/13/2020</a:t>
             </a:fld>
             <a:endParaRPr lang="en-US"/>
           </a:p>
@@ -45172,120 +45172,110 @@
           <a:lstStyle/>
           <a:p>
             <a:r>
-              <a:rPr lang="en-US" dirty="0"/>
-              <a:t>logical (</a:t>
-            </a:r>
-            <a:r>
-              <a:rPr lang="en-US" dirty="0" err="1"/>
-              <a:t>boolean</a:t>
-            </a:r>
-            <a:r>
-              <a:rPr lang="en-US" dirty="0"/>
-              <a:t>)</a:t>
-            </a:r>
+              <a:rPr lang="en-US" sz="3600" b="1" dirty="0" smtClean="0"/>
+              <a:t>Logical Operator</a:t>
+            </a:r>
+            <a:endParaRPr lang="en-US" sz="3600" b="1" dirty="0"/>
           </a:p>
           <a:p>
             <a:endParaRPr lang="en-US" dirty="0"/>
           </a:p>
           <a:p>
-            <a:endParaRPr lang="en-US" dirty="0"/>
-          </a:p>
-          <a:p>
-            <a:r>
-              <a:rPr lang="en-US" dirty="0"/>
+            <a:r>
+              <a:rPr lang="en-US" b="1" dirty="0"/>
               <a:t>!  -&gt; not</a:t>
             </a:r>
           </a:p>
           <a:p>
             <a:r>
-              <a:rPr lang="en-US" dirty="0"/>
+              <a:rPr lang="en-US" b="1" dirty="0"/>
               <a:t>&amp;&amp; -&gt; and</a:t>
             </a:r>
           </a:p>
           <a:p>
             <a:r>
-              <a:rPr lang="en-US" dirty="0"/>
+              <a:rPr lang="en-US" b="1" dirty="0"/>
               <a:t>|| -&gt; or</a:t>
             </a:r>
           </a:p>
           <a:p>
-            <a:endParaRPr lang="en-US" dirty="0"/>
-          </a:p>
-          <a:p>
-            <a:r>
-              <a:rPr lang="en-US" dirty="0"/>
+            <a:endParaRPr lang="en-US" b="1" dirty="0"/>
+          </a:p>
+          <a:p>
+            <a:r>
+              <a:rPr lang="en-US" b="1" dirty="0"/>
               <a:t>true false</a:t>
             </a:r>
           </a:p>
           <a:p>
-            <a:endParaRPr lang="en-US" dirty="0"/>
-          </a:p>
-          <a:p>
-            <a:r>
-              <a:rPr lang="en-US" dirty="0"/>
+            <a:endParaRPr lang="en-US" b="1" dirty="0"/>
+          </a:p>
+          <a:p>
+            <a:r>
+              <a:rPr lang="en-US" b="1" dirty="0"/>
               <a:t>!true -&gt; false</a:t>
             </a:r>
           </a:p>
           <a:p>
             <a:r>
-              <a:rPr lang="en-US" dirty="0"/>
+              <a:rPr lang="en-US" b="1" dirty="0"/>
               <a:t>!false -&gt; true</a:t>
             </a:r>
           </a:p>
           <a:p>
-            <a:endParaRPr lang="en-US" dirty="0"/>
-          </a:p>
-          <a:p>
-            <a:endParaRPr lang="en-US" dirty="0"/>
-          </a:p>
-          <a:p>
-            <a:r>
-              <a:rPr lang="en-US" dirty="0"/>
+            <a:endParaRPr lang="en-US" b="1" dirty="0"/>
+          </a:p>
+          <a:p>
+            <a:endParaRPr lang="en-US" b="1" dirty="0"/>
+          </a:p>
+          <a:p>
+            <a:r>
+              <a:rPr lang="en-US" b="1" dirty="0"/>
               <a:t>true&amp;&amp;true -&gt; true</a:t>
             </a:r>
           </a:p>
           <a:p>
             <a:r>
-              <a:rPr lang="en-US" dirty="0"/>
+              <a:rPr lang="en-US" b="1" dirty="0"/>
               <a:t>true&amp;&amp;false -&gt;false</a:t>
             </a:r>
           </a:p>
           <a:p>
             <a:r>
-              <a:rPr lang="en-US" dirty="0"/>
+              <a:rPr lang="en-US" b="1" dirty="0"/>
               <a:t>false&amp;&amp;true -&gt; false</a:t>
             </a:r>
           </a:p>
           <a:p>
             <a:r>
-              <a:rPr lang="en-US" dirty="0"/>
+              <a:rPr lang="en-US" b="1" dirty="0"/>
               <a:t>false&amp;&amp;false -&gt; false</a:t>
             </a:r>
           </a:p>
           <a:p>
-            <a:endParaRPr lang="en-US" dirty="0"/>
-          </a:p>
-          <a:p>
-            <a:r>
-              <a:rPr lang="en-US" dirty="0"/>
+            <a:endParaRPr lang="en-US" b="1" dirty="0"/>
+          </a:p>
+          <a:p>
+            <a:r>
+              <a:rPr lang="en-US" b="1" dirty="0"/>
               <a:t>true||true -&gt; true</a:t>
             </a:r>
           </a:p>
           <a:p>
             <a:r>
-              <a:rPr lang="en-US" dirty="0"/>
+              <a:rPr lang="en-US" b="1" dirty="0"/>
               <a:t>true||false -&gt;true</a:t>
             </a:r>
           </a:p>
           <a:p>
             <a:r>
-              <a:rPr lang="en-US" dirty="0"/>
+              <a:rPr lang="en-US" b="1" dirty="0"/>
               <a:t>false||true -&gt; true</a:t>
             </a:r>
           </a:p>
           <a:p>
             <a:r>
-              <a:rPr lang="en-US" dirty="0"/>
+              <a:rPr lang="en-US" b="1" dirty="0"/>
               <a:t>false||false -&gt; false</a:t>
             </a:r>
           </a:p>
@@ -45329,7 +45319,7 @@
         </p:nvSpPr>
         <p:spPr>
           <a:xfrm>
-            <a:off x="3047999" y="-2018645"/>
+            <a:off x="709913" y="93174"/>
             <a:ext cx="6188597" cy="6463308"/>
           </a:xfrm>
           <a:prstGeom prst="rect">
@@ -45342,111 +45332,69 @@
           </a:bodyPr>
           <a:lstStyle/>
           <a:p>
-            <a:endParaRPr lang="en-US" dirty="0"/>
-          </a:p>
-          <a:p>
-            <a:r>
-              <a:rPr lang="en-US" dirty="0"/>
-              <a:t> &lt; </a:t>
-            </a:r>
-          </a:p>
-          <a:p>
-            <a:r>
-              <a:rPr lang="en-US" dirty="0"/>
-              <a:t> &gt;</a:t>
-            </a:r>
-          </a:p>
-          <a:p>
-            <a:endParaRPr lang="en-US" dirty="0"/>
-          </a:p>
-          <a:p>
-            <a:r>
-              <a:rPr lang="en-US" dirty="0"/>
-              <a:t> &lt;=</a:t>
-            </a:r>
-          </a:p>
-          <a:p>
-            <a:r>
-              <a:rPr lang="en-US" dirty="0"/>
-              <a:t> &gt;=</a:t>
-            </a:r>
-          </a:p>
-          <a:p>
-            <a:endParaRPr lang="en-US" dirty="0"/>
-          </a:p>
-          <a:p>
-            <a:r>
-              <a:rPr lang="en-US" dirty="0"/>
-              <a:t> ==</a:t>
-            </a:r>
-          </a:p>
-          <a:p>
-            <a:r>
-              <a:rPr lang="en-US" dirty="0"/>
-              <a:t> !=</a:t>
-            </a:r>
-          </a:p>
-          <a:p>
-            <a:endParaRPr lang="en-US" dirty="0"/>
+            <a:r>
+              <a:rPr lang="en-US" sz="3600" b="1" dirty="0" smtClean="0"/>
+              <a:t>Relation Operator</a:t>
+            </a:r>
+            <a:endParaRPr lang="en-US" sz="3600" b="1" dirty="0"/>
           </a:p>
           <a:p>
             <a:r>
               <a:rPr lang="en-US" dirty="0"/>
               <a:t> </a:t>
             </a:r>
-            <a:r>
-              <a:rPr lang="en-US" dirty="0" err="1"/>
-              <a:t>boolean</a:t>
-            </a:r>
+            <a:endParaRPr lang="en-US" dirty="0" smtClean="0"/>
+          </a:p>
+          <a:p>
             <a:endParaRPr lang="en-US" dirty="0"/>
           </a:p>
           <a:p>
-            <a:endParaRPr lang="en-US" dirty="0"/>
-          </a:p>
-          <a:p>
-            <a:endParaRPr lang="en-US" dirty="0"/>
-          </a:p>
-          <a:p>
-            <a:r>
-              <a:rPr lang="en-US" dirty="0"/>
-              <a:t> 7&lt;8</a:t>
-            </a:r>
-          </a:p>
-          <a:p>
-            <a:r>
-              <a:rPr lang="en-US" dirty="0"/>
-              <a:t> true</a:t>
-            </a:r>
-          </a:p>
-          <a:p>
-            <a:endParaRPr lang="en-US" dirty="0"/>
-          </a:p>
-          <a:p>
-            <a:r>
-              <a:rPr lang="en-US" dirty="0"/>
-              <a:t> 8&lt;7</a:t>
-            </a:r>
-          </a:p>
-          <a:p>
-            <a:r>
-              <a:rPr lang="en-US" dirty="0"/>
-              <a:t> false</a:t>
-            </a:r>
-          </a:p>
-          <a:p>
-            <a:endParaRPr lang="en-US" dirty="0"/>
-          </a:p>
-          <a:p>
-            <a:r>
-              <a:rPr lang="en-US" dirty="0"/>
-              <a:t> 7&lt;=8</a:t>
-            </a:r>
-          </a:p>
-          <a:p>
-            <a:r>
-              <a:rPr lang="en-US" dirty="0"/>
-              <a:t> true</a:t>
-            </a:r>
+            <a:r>
+              <a:rPr lang="en-US" b="1" dirty="0" smtClean="0"/>
+              <a:t> &lt; </a:t>
+            </a:r>
+            <a:endParaRPr lang="en-US" b="1" dirty="0"/>
+          </a:p>
+          <a:p>
+            <a:r>
+              <a:rPr lang="en-US" b="1" dirty="0"/>
+              <a:t> &gt;</a:t>
+            </a:r>
+          </a:p>
+          <a:p>
+            <a:endParaRPr lang="en-US" b="1" dirty="0"/>
+          </a:p>
+          <a:p>
+            <a:r>
+              <a:rPr lang="en-US" b="1" dirty="0"/>
+              <a:t> &lt;=</a:t>
+            </a:r>
+          </a:p>
+          <a:p>
+            <a:r>
+              <a:rPr lang="en-US" b="1" dirty="0"/>
+              <a:t> &gt;=</a:t>
+            </a:r>
+          </a:p>
+          <a:p>
+            <a:endParaRPr lang="en-US" b="1" dirty="0"/>
+          </a:p>
+          <a:p>
+            <a:r>
+              <a:rPr lang="en-US" b="1" dirty="0"/>
+              <a:t> ==</a:t>
+            </a:r>
+          </a:p>
+          <a:p>
+            <a:r>
+              <a:rPr lang="en-US" b="1" dirty="0"/>
+              <a:t> </a:t>
+            </a:r>
+            <a:r>
+              <a:rPr lang="en-US" b="1" dirty="0" smtClean="0"/>
+              <a:t>!=</a:t>
+            </a:r>
+            <a:endParaRPr lang="en-US" b="1" dirty="0"/>
           </a:p>
           <a:p>
             <a:endParaRPr lang="en-US" dirty="0"/>
@@ -45456,6 +45404,55 @@
               <a:rPr lang="en-US" dirty="0"/>
               <a:t> </a:t>
             </a:r>
+            <a:r>
+              <a:rPr lang="en-US" b="1" dirty="0"/>
+              <a:t>7&lt;8</a:t>
+            </a:r>
+          </a:p>
+          <a:p>
+            <a:r>
+              <a:rPr lang="en-US" b="1" dirty="0"/>
+              <a:t> true</a:t>
+            </a:r>
+          </a:p>
+          <a:p>
+            <a:endParaRPr lang="en-US" b="1" dirty="0"/>
+          </a:p>
+          <a:p>
+            <a:r>
+              <a:rPr lang="en-US" b="1" dirty="0"/>
+              <a:t> 8&lt;7</a:t>
+            </a:r>
+          </a:p>
+          <a:p>
+            <a:r>
+              <a:rPr lang="en-US" b="1" dirty="0"/>
+              <a:t> false</a:t>
+            </a:r>
+          </a:p>
+          <a:p>
+            <a:endParaRPr lang="en-US" b="1" dirty="0"/>
+          </a:p>
+          <a:p>
+            <a:r>
+              <a:rPr lang="en-US" b="1" dirty="0"/>
+              <a:t> 7&lt;=8</a:t>
+            </a:r>
+          </a:p>
+          <a:p>
+            <a:r>
+              <a:rPr lang="en-US" b="1" dirty="0"/>
+              <a:t> true</a:t>
+            </a:r>
+          </a:p>
+          <a:p>
+            <a:endParaRPr lang="en-US" dirty="0"/>
+          </a:p>
+          <a:p>
+            <a:r>
+              <a:rPr lang="en-US" dirty="0"/>
+              <a:t> </a:t>
+            </a:r>
           </a:p>
         </p:txBody>
       </p:sp>
@@ -45467,7 +45464,7 @@
         </p:nvSpPr>
         <p:spPr>
           <a:xfrm>
-            <a:off x="5756476" y="924171"/>
+            <a:off x="6740324" y="1329285"/>
             <a:ext cx="6096000" cy="4801314"/>
           </a:xfrm>
           <a:prstGeom prst="rect">
@@ -45481,88 +45478,88 @@
           <a:lstStyle/>
           <a:p>
             <a:r>
-              <a:rPr lang="en-US" dirty="0"/>
+              <a:rPr lang="en-US" b="1" dirty="0"/>
               <a:t>8&lt;=7</a:t>
             </a:r>
           </a:p>
           <a:p>
             <a:r>
-              <a:rPr lang="en-US" dirty="0"/>
+              <a:rPr lang="en-US" b="1" dirty="0"/>
               <a:t> false</a:t>
             </a:r>
           </a:p>
           <a:p>
-            <a:endParaRPr lang="en-US" dirty="0"/>
-          </a:p>
-          <a:p>
-            <a:r>
-              <a:rPr lang="en-US" dirty="0"/>
+            <a:endParaRPr lang="en-US" b="1" dirty="0"/>
+          </a:p>
+          <a:p>
+            <a:r>
+              <a:rPr lang="en-US" b="1" dirty="0"/>
               <a:t> 8&lt;=8</a:t>
             </a:r>
           </a:p>
           <a:p>
             <a:r>
-              <a:rPr lang="en-US" dirty="0"/>
+              <a:rPr lang="en-US" b="1" dirty="0"/>
               <a:t> true</a:t>
             </a:r>
           </a:p>
           <a:p>
-            <a:endParaRPr lang="en-US" dirty="0"/>
-          </a:p>
-          <a:p>
-            <a:r>
-              <a:rPr lang="en-US" dirty="0"/>
+            <a:endParaRPr lang="en-US" b="1" dirty="0"/>
+          </a:p>
+          <a:p>
+            <a:r>
+              <a:rPr lang="en-US" b="1" dirty="0"/>
               <a:t> 10==10</a:t>
             </a:r>
           </a:p>
           <a:p>
             <a:r>
-              <a:rPr lang="en-US" dirty="0"/>
+              <a:rPr lang="en-US" b="1" dirty="0"/>
               <a:t> true</a:t>
             </a:r>
           </a:p>
           <a:p>
-            <a:endParaRPr lang="en-US" dirty="0"/>
-          </a:p>
-          <a:p>
-            <a:r>
-              <a:rPr lang="en-US" dirty="0"/>
+            <a:endParaRPr lang="en-US" b="1" dirty="0"/>
+          </a:p>
+          <a:p>
+            <a:r>
+              <a:rPr lang="en-US" b="1" dirty="0"/>
               <a:t> 10==11</a:t>
             </a:r>
           </a:p>
           <a:p>
             <a:r>
-              <a:rPr lang="en-US" dirty="0"/>
+              <a:rPr lang="en-US" b="1" dirty="0"/>
               <a:t> false</a:t>
             </a:r>
           </a:p>
           <a:p>
-            <a:endParaRPr lang="en-US" dirty="0"/>
-          </a:p>
-          <a:p>
-            <a:r>
-              <a:rPr lang="en-US" dirty="0"/>
+            <a:endParaRPr lang="en-US" b="1" dirty="0"/>
+          </a:p>
+          <a:p>
+            <a:r>
+              <a:rPr lang="en-US" b="1" dirty="0"/>
               <a:t> 10!=10</a:t>
             </a:r>
           </a:p>
           <a:p>
             <a:r>
-              <a:rPr lang="en-US" dirty="0"/>
+              <a:rPr lang="en-US" b="1" dirty="0"/>
               <a:t> false</a:t>
             </a:r>
           </a:p>
           <a:p>
-            <a:endParaRPr lang="en-US" dirty="0"/>
-          </a:p>
-          <a:p>
-            <a:r>
-              <a:rPr lang="en-US" dirty="0"/>
+            <a:endParaRPr lang="en-US" b="1" dirty="0"/>
+          </a:p>
+          <a:p>
+            <a:r>
+              <a:rPr lang="en-US" b="1" dirty="0"/>
               <a:t> 10!=11</a:t>
             </a:r>
           </a:p>
           <a:p>
             <a:r>
-              <a:rPr lang="en-US" dirty="0"/>
+              <a:rPr lang="en-US" b="1" dirty="0"/>
               <a:t> true</a:t>
             </a:r>
           </a:p>

--- a/java.pptx
+++ b/java.pptx
@@ -5,7 +5,7 @@
     <p:sldMasterId id="2147483648" r:id="rId1"/>
   </p:sldMasterIdLst>
   <p:notesMasterIdLst>
-    <p:notesMasterId r:id="rId59"/>
+    <p:notesMasterId r:id="rId62"/>
   </p:notesMasterIdLst>
   <p:sldIdLst>
     <p:sldId id="256" r:id="rId2"/>
@@ -64,7 +64,10 @@
     <p:sldId id="313" r:id="rId55"/>
     <p:sldId id="314" r:id="rId56"/>
     <p:sldId id="315" r:id="rId57"/>
-    <p:sldId id="258" r:id="rId58"/>
+    <p:sldId id="317" r:id="rId58"/>
+    <p:sldId id="318" r:id="rId59"/>
+    <p:sldId id="319" r:id="rId60"/>
+    <p:sldId id="258" r:id="rId61"/>
   </p:sldIdLst>
   <p:sldSz cx="12192000" cy="6858000"/>
   <p:notesSz cx="6858000" cy="9144000"/>
@@ -253,7 +256,7 @@
           <a:p>
             <a:fld id="{45B90A11-B180-4F83-93F9-042F493DCDF8}" type="datetimeFigureOut">
               <a:rPr lang="en-US" smtClean="0"/>
-              <a:t>5/13/2020</a:t>
+              <a:t>5/17/2020</a:t>
             </a:fld>
             <a:endParaRPr lang="en-US"/>
           </a:p>
@@ -736,7 +739,7 @@
           <a:p>
             <a:fld id="{C2DA0242-D9EE-432E-84F8-92753C2C1265}" type="datetimeFigureOut">
               <a:rPr lang="en-US" smtClean="0"/>
-              <a:t>5/13/2020</a:t>
+              <a:t>5/17/2020</a:t>
             </a:fld>
             <a:endParaRPr lang="en-US"/>
           </a:p>
@@ -906,7 +909,7 @@
           <a:p>
             <a:fld id="{C2DA0242-D9EE-432E-84F8-92753C2C1265}" type="datetimeFigureOut">
               <a:rPr lang="en-US" smtClean="0"/>
-              <a:t>5/13/2020</a:t>
+              <a:t>5/17/2020</a:t>
             </a:fld>
             <a:endParaRPr lang="en-US"/>
           </a:p>
@@ -1086,7 +1089,7 @@
           <a:p>
             <a:fld id="{C2DA0242-D9EE-432E-84F8-92753C2C1265}" type="datetimeFigureOut">
               <a:rPr lang="en-US" smtClean="0"/>
-              <a:t>5/13/2020</a:t>
+              <a:t>5/17/2020</a:t>
             </a:fld>
             <a:endParaRPr lang="en-US"/>
           </a:p>
@@ -1256,7 +1259,7 @@
           <a:p>
             <a:fld id="{C2DA0242-D9EE-432E-84F8-92753C2C1265}" type="datetimeFigureOut">
               <a:rPr lang="en-US" smtClean="0"/>
-              <a:t>5/13/2020</a:t>
+              <a:t>5/17/2020</a:t>
             </a:fld>
             <a:endParaRPr lang="en-US"/>
           </a:p>
@@ -1502,7 +1505,7 @@
           <a:p>
             <a:fld id="{C2DA0242-D9EE-432E-84F8-92753C2C1265}" type="datetimeFigureOut">
               <a:rPr lang="en-US" smtClean="0"/>
-              <a:t>5/13/2020</a:t>
+              <a:t>5/17/2020</a:t>
             </a:fld>
             <a:endParaRPr lang="en-US"/>
           </a:p>
@@ -1734,7 +1737,7 @@
           <a:p>
             <a:fld id="{C2DA0242-D9EE-432E-84F8-92753C2C1265}" type="datetimeFigureOut">
               <a:rPr lang="en-US" smtClean="0"/>
-              <a:t>5/13/2020</a:t>
+              <a:t>5/17/2020</a:t>
             </a:fld>
             <a:endParaRPr lang="en-US"/>
           </a:p>
@@ -2101,7 +2104,7 @@
           <a:p>
             <a:fld id="{C2DA0242-D9EE-432E-84F8-92753C2C1265}" type="datetimeFigureOut">
               <a:rPr lang="en-US" smtClean="0"/>
-              <a:t>5/13/2020</a:t>
+              <a:t>5/17/2020</a:t>
             </a:fld>
             <a:endParaRPr lang="en-US"/>
           </a:p>
@@ -2219,7 +2222,7 @@
           <a:p>
             <a:fld id="{C2DA0242-D9EE-432E-84F8-92753C2C1265}" type="datetimeFigureOut">
               <a:rPr lang="en-US" smtClean="0"/>
-              <a:t>5/13/2020</a:t>
+              <a:t>5/17/2020</a:t>
             </a:fld>
             <a:endParaRPr lang="en-US"/>
           </a:p>
@@ -2314,7 +2317,7 @@
           <a:p>
             <a:fld id="{C2DA0242-D9EE-432E-84F8-92753C2C1265}" type="datetimeFigureOut">
               <a:rPr lang="en-US" smtClean="0"/>
-              <a:t>5/13/2020</a:t>
+              <a:t>5/17/2020</a:t>
             </a:fld>
             <a:endParaRPr lang="en-US"/>
           </a:p>
@@ -2591,7 +2594,7 @@
           <a:p>
             <a:fld id="{C2DA0242-D9EE-432E-84F8-92753C2C1265}" type="datetimeFigureOut">
               <a:rPr lang="en-US" smtClean="0"/>
-              <a:t>5/13/2020</a:t>
+              <a:t>5/17/2020</a:t>
             </a:fld>
             <a:endParaRPr lang="en-US"/>
           </a:p>
@@ -2844,7 +2847,7 @@
           <a:p>
             <a:fld id="{C2DA0242-D9EE-432E-84F8-92753C2C1265}" type="datetimeFigureOut">
               <a:rPr lang="en-US" smtClean="0"/>
-              <a:t>5/13/2020</a:t>
+              <a:t>5/17/2020</a:t>
             </a:fld>
             <a:endParaRPr lang="en-US"/>
           </a:p>
@@ -3062,7 +3065,7 @@
           <a:p>
             <a:fld id="{C2DA0242-D9EE-432E-84F8-92753C2C1265}" type="datetimeFigureOut">
               <a:rPr lang="en-US" smtClean="0"/>
-              <a:t>5/13/2020</a:t>
+              <a:t>5/17/2020</a:t>
             </a:fld>
             <a:endParaRPr lang="en-US"/>
           </a:p>
@@ -45936,6 +45939,246 @@
           <a:chExt cx="0" cy="0"/>
         </a:xfrm>
       </p:grpSpPr>
+      <p:pic>
+        <p:nvPicPr>
+          <p:cNvPr id="2" name="Picture 1"/>
+          <p:cNvPicPr>
+            <a:picLocks noChangeAspect="1"/>
+          </p:cNvPicPr>
+          <p:nvPr/>
+        </p:nvPicPr>
+        <p:blipFill>
+          <a:blip r:embed="rId2">
+            <a:extLst>
+              <a:ext uri="{28A0092B-C50C-407E-A947-70E740481C1C}">
+                <a14:useLocalDpi xmlns:a14="http://schemas.microsoft.com/office/drawing/2010/main" val="0"/>
+              </a:ext>
+            </a:extLst>
+          </a:blip>
+          <a:stretch>
+            <a:fillRect/>
+          </a:stretch>
+        </p:blipFill>
+        <p:spPr>
+          <a:xfrm>
+            <a:off x="3472406" y="319087"/>
+            <a:ext cx="5335930" cy="6219825"/>
+          </a:xfrm>
+          <a:prstGeom prst="rect">
+            <a:avLst/>
+          </a:prstGeom>
+        </p:spPr>
+      </p:pic>
+    </p:spTree>
+    <p:extLst>
+      <p:ext uri="{BB962C8B-B14F-4D97-AF65-F5344CB8AC3E}">
+        <p14:creationId xmlns:p14="http://schemas.microsoft.com/office/powerpoint/2010/main" val="3586420944"/>
+      </p:ext>
+    </p:extLst>
+  </p:cSld>
+  <p:clrMapOvr>
+    <a:masterClrMapping/>
+  </p:clrMapOvr>
+</p:sld>
+</file>
+
+<file path=ppt/slides/slide58.xml><?xml version="1.0" encoding="utf-8"?>
+<p:sld xmlns:a="http://schemas.openxmlformats.org/drawingml/2006/main" xmlns:r="http://schemas.openxmlformats.org/officeDocument/2006/relationships" xmlns:p="http://schemas.openxmlformats.org/presentationml/2006/main">
+  <p:cSld>
+    <p:spTree>
+      <p:nvGrpSpPr>
+        <p:cNvPr id="1" name=""/>
+        <p:cNvGrpSpPr/>
+        <p:nvPr/>
+      </p:nvGrpSpPr>
+      <p:grpSpPr>
+        <a:xfrm>
+          <a:off x="0" y="0"/>
+          <a:ext cx="0" cy="0"/>
+          <a:chOff x="0" y="0"/>
+          <a:chExt cx="0" cy="0"/>
+        </a:xfrm>
+      </p:grpSpPr>
+      <p:pic>
+        <p:nvPicPr>
+          <p:cNvPr id="2" name="Picture 1"/>
+          <p:cNvPicPr>
+            <a:picLocks noChangeAspect="1"/>
+          </p:cNvPicPr>
+          <p:nvPr/>
+        </p:nvPicPr>
+        <p:blipFill>
+          <a:blip r:embed="rId2">
+            <a:extLst>
+              <a:ext uri="{28A0092B-C50C-407E-A947-70E740481C1C}">
+                <a14:useLocalDpi xmlns:a14="http://schemas.microsoft.com/office/drawing/2010/main" val="0"/>
+              </a:ext>
+            </a:extLst>
+          </a:blip>
+          <a:stretch>
+            <a:fillRect/>
+          </a:stretch>
+        </p:blipFill>
+        <p:spPr>
+          <a:xfrm>
+            <a:off x="1527858" y="0"/>
+            <a:ext cx="8970379" cy="6734815"/>
+          </a:xfrm>
+          <a:prstGeom prst="rect">
+            <a:avLst/>
+          </a:prstGeom>
+        </p:spPr>
+      </p:pic>
+    </p:spTree>
+    <p:extLst>
+      <p:ext uri="{BB962C8B-B14F-4D97-AF65-F5344CB8AC3E}">
+        <p14:creationId xmlns:p14="http://schemas.microsoft.com/office/powerpoint/2010/main" val="1997493642"/>
+      </p:ext>
+    </p:extLst>
+  </p:cSld>
+  <p:clrMapOvr>
+    <a:masterClrMapping/>
+  </p:clrMapOvr>
+</p:sld>
+</file>
+
+<file path=ppt/slides/slide59.xml><?xml version="1.0" encoding="utf-8"?>
+<p:sld xmlns:a="http://schemas.openxmlformats.org/drawingml/2006/main" xmlns:r="http://schemas.openxmlformats.org/officeDocument/2006/relationships" xmlns:p="http://schemas.openxmlformats.org/presentationml/2006/main">
+  <p:cSld>
+    <p:spTree>
+      <p:nvGrpSpPr>
+        <p:cNvPr id="1" name=""/>
+        <p:cNvGrpSpPr/>
+        <p:nvPr/>
+      </p:nvGrpSpPr>
+      <p:grpSpPr>
+        <a:xfrm>
+          <a:off x="0" y="0"/>
+          <a:ext cx="0" cy="0"/>
+          <a:chOff x="0" y="0"/>
+          <a:chExt cx="0" cy="0"/>
+        </a:xfrm>
+      </p:grpSpPr>
+      <p:pic>
+        <p:nvPicPr>
+          <p:cNvPr id="2" name="Picture 1"/>
+          <p:cNvPicPr>
+            <a:picLocks noChangeAspect="1"/>
+          </p:cNvPicPr>
+          <p:nvPr/>
+        </p:nvPicPr>
+        <p:blipFill>
+          <a:blip r:embed="rId2">
+            <a:extLst>
+              <a:ext uri="{28A0092B-C50C-407E-A947-70E740481C1C}">
+                <a14:useLocalDpi xmlns:a14="http://schemas.microsoft.com/office/drawing/2010/main" val="0"/>
+              </a:ext>
+            </a:extLst>
+          </a:blip>
+          <a:stretch>
+            <a:fillRect/>
+          </a:stretch>
+        </p:blipFill>
+        <p:spPr>
+          <a:xfrm>
+            <a:off x="2604303" y="312516"/>
+            <a:ext cx="5903089" cy="6366076"/>
+          </a:xfrm>
+          <a:prstGeom prst="rect">
+            <a:avLst/>
+          </a:prstGeom>
+        </p:spPr>
+      </p:pic>
+    </p:spTree>
+    <p:extLst>
+      <p:ext uri="{BB962C8B-B14F-4D97-AF65-F5344CB8AC3E}">
+        <p14:creationId xmlns:p14="http://schemas.microsoft.com/office/powerpoint/2010/main" val="1098783530"/>
+      </p:ext>
+    </p:extLst>
+  </p:cSld>
+  <p:clrMapOvr>
+    <a:masterClrMapping/>
+  </p:clrMapOvr>
+</p:sld>
+</file>
+
+<file path=ppt/slides/slide6.xml><?xml version="1.0" encoding="utf-8"?>
+<p:sld xmlns:a="http://schemas.openxmlformats.org/drawingml/2006/main" xmlns:r="http://schemas.openxmlformats.org/officeDocument/2006/relationships" xmlns:p="http://schemas.openxmlformats.org/presentationml/2006/main">
+  <p:cSld>
+    <p:spTree>
+      <p:nvGrpSpPr>
+        <p:cNvPr id="1" name=""/>
+        <p:cNvGrpSpPr/>
+        <p:nvPr/>
+      </p:nvGrpSpPr>
+      <p:grpSpPr>
+        <a:xfrm>
+          <a:off x="0" y="0"/>
+          <a:ext cx="0" cy="0"/>
+          <a:chOff x="0" y="0"/>
+          <a:chExt cx="0" cy="0"/>
+        </a:xfrm>
+      </p:grpSpPr>
+      <p:pic>
+        <p:nvPicPr>
+          <p:cNvPr id="2" name="Picture 1"/>
+          <p:cNvPicPr>
+            <a:picLocks noChangeAspect="1"/>
+          </p:cNvPicPr>
+          <p:nvPr/>
+        </p:nvPicPr>
+        <p:blipFill>
+          <a:blip r:embed="rId2">
+            <a:extLst>
+              <a:ext uri="{28A0092B-C50C-407E-A947-70E740481C1C}">
+                <a14:useLocalDpi xmlns:a14="http://schemas.microsoft.com/office/drawing/2010/main" val="0"/>
+              </a:ext>
+            </a:extLst>
+          </a:blip>
+          <a:stretch>
+            <a:fillRect/>
+          </a:stretch>
+        </p:blipFill>
+        <p:spPr>
+          <a:xfrm>
+            <a:off x="0" y="0"/>
+            <a:ext cx="12192000" cy="6858000"/>
+          </a:xfrm>
+          <a:prstGeom prst="rect">
+            <a:avLst/>
+          </a:prstGeom>
+        </p:spPr>
+      </p:pic>
+    </p:spTree>
+    <p:extLst>
+      <p:ext uri="{BB962C8B-B14F-4D97-AF65-F5344CB8AC3E}">
+        <p14:creationId xmlns:p14="http://schemas.microsoft.com/office/powerpoint/2010/main" val="2879795734"/>
+      </p:ext>
+    </p:extLst>
+  </p:cSld>
+  <p:clrMapOvr>
+    <a:masterClrMapping/>
+  </p:clrMapOvr>
+</p:sld>
+</file>
+
+<file path=ppt/slides/slide60.xml><?xml version="1.0" encoding="utf-8"?>
+<p:sld xmlns:a="http://schemas.openxmlformats.org/drawingml/2006/main" xmlns:r="http://schemas.openxmlformats.org/officeDocument/2006/relationships" xmlns:p="http://schemas.openxmlformats.org/presentationml/2006/main">
+  <p:cSld>
+    <p:spTree>
+      <p:nvGrpSpPr>
+        <p:cNvPr id="1" name=""/>
+        <p:cNvGrpSpPr/>
+        <p:nvPr/>
+      </p:nvGrpSpPr>
+      <p:grpSpPr>
+        <a:xfrm>
+          <a:off x="0" y="0"/>
+          <a:ext cx="0" cy="0"/>
+          <a:chOff x="0" y="0"/>
+          <a:chExt cx="0" cy="0"/>
+        </a:xfrm>
+      </p:grpSpPr>
       <p:sp>
         <p:nvSpPr>
           <p:cNvPr id="2" name="TextBox 1"/>
@@ -46067,66 +46310,6 @@
       <p:bldP spid="2" grpId="0"/>
     </p:bldLst>
   </p:timing>
-</p:sld>
-</file>
-
-<file path=ppt/slides/slide6.xml><?xml version="1.0" encoding="utf-8"?>
-<p:sld xmlns:a="http://schemas.openxmlformats.org/drawingml/2006/main" xmlns:r="http://schemas.openxmlformats.org/officeDocument/2006/relationships" xmlns:p="http://schemas.openxmlformats.org/presentationml/2006/main">
-  <p:cSld>
-    <p:spTree>
-      <p:nvGrpSpPr>
-        <p:cNvPr id="1" name=""/>
-        <p:cNvGrpSpPr/>
-        <p:nvPr/>
-      </p:nvGrpSpPr>
-      <p:grpSpPr>
-        <a:xfrm>
-          <a:off x="0" y="0"/>
-          <a:ext cx="0" cy="0"/>
-          <a:chOff x="0" y="0"/>
-          <a:chExt cx="0" cy="0"/>
-        </a:xfrm>
-      </p:grpSpPr>
-      <p:pic>
-        <p:nvPicPr>
-          <p:cNvPr id="2" name="Picture 1"/>
-          <p:cNvPicPr>
-            <a:picLocks noChangeAspect="1"/>
-          </p:cNvPicPr>
-          <p:nvPr/>
-        </p:nvPicPr>
-        <p:blipFill>
-          <a:blip r:embed="rId2">
-            <a:extLst>
-              <a:ext uri="{28A0092B-C50C-407E-A947-70E740481C1C}">
-                <a14:useLocalDpi xmlns:a14="http://schemas.microsoft.com/office/drawing/2010/main" val="0"/>
-              </a:ext>
-            </a:extLst>
-          </a:blip>
-          <a:stretch>
-            <a:fillRect/>
-          </a:stretch>
-        </p:blipFill>
-        <p:spPr>
-          <a:xfrm>
-            <a:off x="0" y="0"/>
-            <a:ext cx="12192000" cy="6858000"/>
-          </a:xfrm>
-          <a:prstGeom prst="rect">
-            <a:avLst/>
-          </a:prstGeom>
-        </p:spPr>
-      </p:pic>
-    </p:spTree>
-    <p:extLst>
-      <p:ext uri="{BB962C8B-B14F-4D97-AF65-F5344CB8AC3E}">
-        <p14:creationId xmlns:p14="http://schemas.microsoft.com/office/powerpoint/2010/main" val="2879795734"/>
-      </p:ext>
-    </p:extLst>
-  </p:cSld>
-  <p:clrMapOvr>
-    <a:masterClrMapping/>
-  </p:clrMapOvr>
 </p:sld>
 </file>
 
